--- a/B_Fiches_Protocoles/FichesSystemes.pptx
+++ b/B_Fiches_Protocoles/FichesSystemes.pptx
@@ -7,21 +7,27 @@
   <p:sldIdLst>
     <p:sldId id="256" r:id="rId2"/>
     <p:sldId id="266" r:id="rId3"/>
-    <p:sldId id="267" r:id="rId4"/>
-    <p:sldId id="258" r:id="rId5"/>
-    <p:sldId id="260" r:id="rId6"/>
-    <p:sldId id="268" r:id="rId7"/>
-    <p:sldId id="259" r:id="rId8"/>
-    <p:sldId id="261" r:id="rId9"/>
-    <p:sldId id="262" r:id="rId10"/>
-    <p:sldId id="263" r:id="rId11"/>
-    <p:sldId id="265" r:id="rId12"/>
-    <p:sldId id="273" r:id="rId13"/>
-    <p:sldId id="264" r:id="rId14"/>
-    <p:sldId id="270" r:id="rId15"/>
-    <p:sldId id="269" r:id="rId16"/>
-    <p:sldId id="271" r:id="rId17"/>
-    <p:sldId id="257" r:id="rId18"/>
+    <p:sldId id="295" r:id="rId4"/>
+    <p:sldId id="296" r:id="rId5"/>
+    <p:sldId id="277" r:id="rId6"/>
+    <p:sldId id="279" r:id="rId7"/>
+    <p:sldId id="280" r:id="rId8"/>
+    <p:sldId id="281" r:id="rId9"/>
+    <p:sldId id="282" r:id="rId10"/>
+    <p:sldId id="283" r:id="rId11"/>
+    <p:sldId id="284" r:id="rId12"/>
+    <p:sldId id="286" r:id="rId13"/>
+    <p:sldId id="285" r:id="rId14"/>
+    <p:sldId id="288" r:id="rId15"/>
+    <p:sldId id="289" r:id="rId16"/>
+    <p:sldId id="290" r:id="rId17"/>
+    <p:sldId id="291" r:id="rId18"/>
+    <p:sldId id="292" r:id="rId19"/>
+    <p:sldId id="293" r:id="rId20"/>
+    <p:sldId id="294" r:id="rId21"/>
+    <p:sldId id="287" r:id="rId22"/>
+    <p:sldId id="278" r:id="rId23"/>
+    <p:sldId id="275" r:id="rId24"/>
   </p:sldIdLst>
   <p:sldSz cx="12192000" cy="6858000"/>
   <p:notesSz cx="6858000" cy="9144000"/>
@@ -3459,13 +3465,13 @@
         <p:spPr/>
         <p:txBody>
           <a:bodyPr>
-            <a:normAutofit fontScale="90000"/>
+            <a:normAutofit/>
           </a:bodyPr>
           <a:lstStyle/>
           <a:p>
             <a:r>
               <a:rPr lang="fr-FR" dirty="0"/>
-              <a:t>Protocoles expérimentaux en Travaux Pratiques</a:t>
+              <a:t>Fiches Systèmes</a:t>
             </a:r>
           </a:p>
         </p:txBody>
@@ -3521,41 +3527,6 @@
       </p:grpSpPr>
       <p:sp>
         <p:nvSpPr>
-          <p:cNvPr id="8" name="ZoneTexte 7">
-            <a:extLst>
-              <a:ext uri="{FF2B5EF4-FFF2-40B4-BE49-F238E27FC236}">
-                <a16:creationId xmlns:a16="http://schemas.microsoft.com/office/drawing/2014/main" id="{5C1ABFBF-C921-4E80-86CB-00D406BF6EE4}"/>
-              </a:ext>
-            </a:extLst>
-          </p:cNvPr>
-          <p:cNvSpPr txBox="1"/>
-          <p:nvPr/>
-        </p:nvSpPr>
-        <p:spPr>
-          <a:xfrm>
-            <a:off x="0" y="2380278"/>
-            <a:ext cx="5565913" cy="646331"/>
-          </a:xfrm>
-          <a:prstGeom prst="rect">
-            <a:avLst/>
-          </a:prstGeom>
-          <a:noFill/>
-        </p:spPr>
-        <p:txBody>
-          <a:bodyPr wrap="square">
-            <a:spAutoFit/>
-          </a:bodyPr>
-          <a:lstStyle/>
-          <a:p>
-            <a:r>
-              <a:rPr lang="fr-FR" dirty="0"/>
-              <a:t>https://upload.wikimedia.org/wikipedia/commons/7/76/Tribometre_Vinci_1.jpg</a:t>
-            </a:r>
-          </a:p>
-        </p:txBody>
-      </p:sp>
-      <p:sp>
-        <p:nvSpPr>
           <p:cNvPr id="4" name="Titre 3"/>
           <p:cNvSpPr>
             <a:spLocks noGrp="1"/>
@@ -3571,47 +3542,38 @@
           <a:p>
             <a:r>
               <a:rPr lang="fr-FR" dirty="0"/>
-              <a:t>Détermination du frottement</a:t>
-            </a:r>
-          </a:p>
-        </p:txBody>
-      </p:sp>
-      <p:pic>
-        <p:nvPicPr>
-          <p:cNvPr id="5" name="Espace réservé pour une image  4">
-            <a:extLst>
-              <a:ext uri="{FF2B5EF4-FFF2-40B4-BE49-F238E27FC236}">
-                <a16:creationId xmlns:a16="http://schemas.microsoft.com/office/drawing/2014/main" id="{55C49EB8-6511-4B80-9B5C-CC6A5D862A90}"/>
-              </a:ext>
-            </a:extLst>
-          </p:cNvPr>
-          <p:cNvPicPr>
-            <a:picLocks noGrp="1" noChangeAspect="1"/>
-          </p:cNvPicPr>
+              <a:t>Imprimante 3D</a:t>
+            </a:r>
+            <a:br>
+              <a:rPr lang="fr-FR" dirty="0"/>
+            </a:br>
+            <a:r>
+              <a:rPr lang="fr-FR" dirty="0"/>
+              <a:t>I3D </a:t>
+            </a:r>
+            <a:r>
+              <a:rPr lang="fr-FR" dirty="0" err="1"/>
+              <a:t>Didastel</a:t>
+            </a:r>
+            <a:r>
+              <a:rPr lang="fr-FR" dirty="0"/>
+              <a:t> ?</a:t>
+            </a:r>
+          </a:p>
+        </p:txBody>
+      </p:sp>
+      <p:sp>
+        <p:nvSpPr>
+          <p:cNvPr id="6" name="Espace réservé pour une image  5"/>
+          <p:cNvSpPr>
+            <a:spLocks noGrp="1"/>
+          </p:cNvSpPr>
           <p:nvPr>
             <p:ph type="pic" idx="1"/>
           </p:nvPr>
-        </p:nvPicPr>
-        <p:blipFill>
-          <a:blip r:embed="rId2" cstate="print">
-            <a:extLst>
-              <a:ext uri="{28A0092B-C50C-407E-A947-70E740481C1C}">
-                <a14:useLocalDpi xmlns:a14="http://schemas.microsoft.com/office/drawing/2010/main" val="0"/>
-              </a:ext>
-            </a:extLst>
-          </a:blip>
-          <a:srcRect t="9647" b="9647"/>
-          <a:stretch>
-            <a:fillRect/>
-          </a:stretch>
-        </p:blipFill>
-        <p:spPr>
-          <a:xfrm>
-            <a:off x="0" y="-566530"/>
-            <a:ext cx="5760000" cy="6858000"/>
-          </a:xfrm>
-        </p:spPr>
-      </p:pic>
+        </p:nvSpPr>
+        <p:spPr/>
+      </p:sp>
       <p:sp>
         <p:nvSpPr>
           <p:cNvPr id="7" name="Espace réservé du texte 6"/>
@@ -3622,66 +3584,38 @@
             <p:ph type="body" sz="half" idx="2"/>
           </p:nvPr>
         </p:nvSpPr>
-        <p:spPr/>
-        <p:txBody>
-          <a:bodyPr/>
-          <a:lstStyle/>
-          <a:p>
-            <a:endParaRPr lang="fr-FR"/>
-          </a:p>
-        </p:txBody>
-      </p:sp>
-      <p:pic>
-        <p:nvPicPr>
-          <p:cNvPr id="1026" name="Picture 2">
-            <a:extLst>
-              <a:ext uri="{FF2B5EF4-FFF2-40B4-BE49-F238E27FC236}">
-                <a16:creationId xmlns:a16="http://schemas.microsoft.com/office/drawing/2014/main" id="{DE1DB4DF-4142-4A39-9F9F-14E2A2526DB3}"/>
-              </a:ext>
-            </a:extLst>
-          </p:cNvPr>
-          <p:cNvPicPr>
-            <a:picLocks noChangeAspect="1" noChangeArrowheads="1"/>
-          </p:cNvPicPr>
-          <p:nvPr/>
-        </p:nvPicPr>
-        <p:blipFill>
-          <a:blip r:embed="rId3">
-            <a:extLst>
-              <a:ext uri="{28A0092B-C50C-407E-A947-70E740481C1C}">
-                <a14:useLocalDpi xmlns:a14="http://schemas.microsoft.com/office/drawing/2010/main" val="0"/>
-              </a:ext>
-            </a:extLst>
-          </a:blip>
-          <a:srcRect/>
-          <a:stretch>
-            <a:fillRect/>
-          </a:stretch>
-        </p:blipFill>
-        <p:spPr bwMode="auto">
-          <a:xfrm>
-            <a:off x="0" y="3299612"/>
-            <a:ext cx="5800874" cy="3558388"/>
-          </a:xfrm>
-          <a:prstGeom prst="rect">
-            <a:avLst/>
-          </a:prstGeom>
-          <a:noFill/>
-          <a:extLst>
-            <a:ext uri="{909E8E84-426E-40DD-AFC4-6F175D3DCCD1}">
-              <a14:hiddenFill xmlns:a14="http://schemas.microsoft.com/office/drawing/2010/main">
-                <a:solidFill>
-                  <a:srgbClr val="FFFFFF"/>
-                </a:solidFill>
-              </a14:hiddenFill>
-            </a:ext>
-          </a:extLst>
-        </p:spPr>
-      </p:pic>
+        <p:spPr>
+          <a:xfrm>
+            <a:off x="5800874" y="1885278"/>
+            <a:ext cx="6195656" cy="4972722"/>
+          </a:xfrm>
+        </p:spPr>
+        <p:txBody>
+          <a:bodyPr/>
+          <a:lstStyle/>
+          <a:p>
+            <a:pPr marL="285750" indent="-285750">
+              <a:buFont typeface="Arial" panose="020B0604020202020204" pitchFamily="34" charset="0"/>
+              <a:buChar char="•"/>
+            </a:pPr>
+            <a:r>
+              <a:rPr lang="fr-FR" dirty="0"/>
+              <a:t>Centrale 2021</a:t>
+            </a:r>
+          </a:p>
+          <a:p>
+            <a:pPr marL="285750" indent="-285750">
+              <a:buFont typeface="Arial" panose="020B0604020202020204" pitchFamily="34" charset="0"/>
+              <a:buChar char="•"/>
+            </a:pPr>
+            <a:endParaRPr lang="fr-FR" dirty="0"/>
+          </a:p>
+        </p:txBody>
+      </p:sp>
     </p:spTree>
     <p:extLst>
       <p:ext uri="{BB962C8B-B14F-4D97-AF65-F5344CB8AC3E}">
-        <p14:creationId xmlns:p14="http://schemas.microsoft.com/office/powerpoint/2010/main" val="70776243"/>
+        <p14:creationId xmlns:p14="http://schemas.microsoft.com/office/powerpoint/2010/main" val="3100325458"/>
       </p:ext>
     </p:extLst>
   </p:cSld>
@@ -3710,7 +3644,7 @@
       </p:grpSpPr>
       <p:sp>
         <p:nvSpPr>
-          <p:cNvPr id="2" name="Titre 1"/>
+          <p:cNvPr id="4" name="Titre 3"/>
           <p:cNvSpPr>
             <a:spLocks noGrp="1"/>
           </p:cNvSpPr>
@@ -3725,34 +3659,80 @@
           <a:p>
             <a:r>
               <a:rPr lang="fr-FR" dirty="0"/>
-              <a:t>Détermination du frottement sec</a:t>
-            </a:r>
-          </a:p>
-        </p:txBody>
-      </p:sp>
-      <p:sp>
-        <p:nvSpPr>
-          <p:cNvPr id="3" name="Espace réservé du contenu 2"/>
-          <p:cNvSpPr>
-            <a:spLocks noGrp="1"/>
-          </p:cNvSpPr>
-          <p:nvPr>
-            <p:ph idx="1"/>
-          </p:nvPr>
-        </p:nvSpPr>
-        <p:spPr/>
-        <p:txBody>
-          <a:bodyPr/>
-          <a:lstStyle/>
-          <a:p>
-            <a:endParaRPr lang="fr-FR"/>
+              <a:t>Nacelle gyrostabilisée </a:t>
+            </a:r>
+            <a:br>
+              <a:rPr lang="fr-FR" dirty="0"/>
+            </a:br>
+            <a:r>
+              <a:rPr lang="fr-FR" dirty="0"/>
+              <a:t>?? Nacelle </a:t>
+            </a:r>
+            <a:r>
+              <a:rPr lang="fr-FR" dirty="0" err="1"/>
+              <a:t>ERM</a:t>
+            </a:r>
+            <a:r>
+              <a:rPr lang="fr-FR" dirty="0"/>
+              <a:t> ??</a:t>
+            </a:r>
+          </a:p>
+        </p:txBody>
+      </p:sp>
+      <p:sp>
+        <p:nvSpPr>
+          <p:cNvPr id="6" name="Espace réservé pour une image  5"/>
+          <p:cNvSpPr>
+            <a:spLocks noGrp="1"/>
+          </p:cNvSpPr>
+          <p:nvPr>
+            <p:ph type="pic" idx="1"/>
+          </p:nvPr>
+        </p:nvSpPr>
+        <p:spPr/>
+      </p:sp>
+      <p:sp>
+        <p:nvSpPr>
+          <p:cNvPr id="7" name="Espace réservé du texte 6"/>
+          <p:cNvSpPr>
+            <a:spLocks noGrp="1"/>
+          </p:cNvSpPr>
+          <p:nvPr>
+            <p:ph type="body" sz="half" idx="2"/>
+          </p:nvPr>
+        </p:nvSpPr>
+        <p:spPr>
+          <a:xfrm>
+            <a:off x="5800874" y="1885278"/>
+            <a:ext cx="6195656" cy="4972722"/>
+          </a:xfrm>
+        </p:spPr>
+        <p:txBody>
+          <a:bodyPr/>
+          <a:lstStyle/>
+          <a:p>
+            <a:pPr marL="285750" indent="-285750">
+              <a:buFont typeface="Arial" panose="020B0604020202020204" pitchFamily="34" charset="0"/>
+              <a:buChar char="•"/>
+            </a:pPr>
+            <a:r>
+              <a:rPr lang="fr-FR" dirty="0"/>
+              <a:t>Centrale 2021</a:t>
+            </a:r>
+          </a:p>
+          <a:p>
+            <a:pPr marL="285750" indent="-285750">
+              <a:buFont typeface="Arial" panose="020B0604020202020204" pitchFamily="34" charset="0"/>
+              <a:buChar char="•"/>
+            </a:pPr>
+            <a:endParaRPr lang="fr-FR" dirty="0"/>
           </a:p>
         </p:txBody>
       </p:sp>
     </p:spTree>
     <p:extLst>
       <p:ext uri="{BB962C8B-B14F-4D97-AF65-F5344CB8AC3E}">
-        <p14:creationId xmlns:p14="http://schemas.microsoft.com/office/powerpoint/2010/main" val="2512598699"/>
+        <p14:creationId xmlns:p14="http://schemas.microsoft.com/office/powerpoint/2010/main" val="2302313103"/>
       </p:ext>
     </p:extLst>
   </p:cSld>
@@ -3781,7 +3761,7 @@
       </p:grpSpPr>
       <p:sp>
         <p:nvSpPr>
-          <p:cNvPr id="2" name="Titre 1"/>
+          <p:cNvPr id="4" name="Titre 3"/>
           <p:cNvSpPr>
             <a:spLocks noGrp="1"/>
           </p:cNvSpPr>
@@ -3796,34 +3776,81 @@
           <a:p>
             <a:r>
               <a:rPr lang="fr-FR" dirty="0"/>
-              <a:t>Détermination du frottement visqueux</a:t>
-            </a:r>
-          </a:p>
-        </p:txBody>
-      </p:sp>
-      <p:sp>
-        <p:nvSpPr>
-          <p:cNvPr id="3" name="Espace réservé du contenu 2"/>
-          <p:cNvSpPr>
-            <a:spLocks noGrp="1"/>
-          </p:cNvSpPr>
-          <p:nvPr>
-            <p:ph idx="1"/>
-          </p:nvPr>
-        </p:nvSpPr>
-        <p:spPr/>
-        <p:txBody>
-          <a:bodyPr/>
-          <a:lstStyle/>
-          <a:p>
-            <a:endParaRPr lang="fr-FR"/>
+              <a:t>Nacelle gyrostabilisée </a:t>
+            </a:r>
+            <a:br>
+              <a:rPr lang="fr-FR" dirty="0"/>
+            </a:br>
+            <a:r>
+              <a:rPr lang="fr-FR" dirty="0"/>
+              <a:t>?? Nacelle </a:t>
+            </a:r>
+            <a:r>
+              <a:rPr lang="fr-FR" dirty="0" err="1"/>
+              <a:t>ERM</a:t>
+            </a:r>
+            <a:r>
+              <a:rPr lang="fr-FR"/>
+              <a:t> ??</a:t>
+            </a:r>
+            <a:endParaRPr lang="fr-FR" dirty="0"/>
+          </a:p>
+        </p:txBody>
+      </p:sp>
+      <p:sp>
+        <p:nvSpPr>
+          <p:cNvPr id="6" name="Espace réservé pour une image  5"/>
+          <p:cNvSpPr>
+            <a:spLocks noGrp="1"/>
+          </p:cNvSpPr>
+          <p:nvPr>
+            <p:ph type="pic" idx="1"/>
+          </p:nvPr>
+        </p:nvSpPr>
+        <p:spPr/>
+      </p:sp>
+      <p:sp>
+        <p:nvSpPr>
+          <p:cNvPr id="7" name="Espace réservé du texte 6"/>
+          <p:cNvSpPr>
+            <a:spLocks noGrp="1"/>
+          </p:cNvSpPr>
+          <p:nvPr>
+            <p:ph type="body" sz="half" idx="2"/>
+          </p:nvPr>
+        </p:nvSpPr>
+        <p:spPr>
+          <a:xfrm>
+            <a:off x="5800874" y="1885278"/>
+            <a:ext cx="6195656" cy="4972722"/>
+          </a:xfrm>
+        </p:spPr>
+        <p:txBody>
+          <a:bodyPr/>
+          <a:lstStyle/>
+          <a:p>
+            <a:pPr marL="285750" indent="-285750">
+              <a:buFont typeface="Arial" panose="020B0604020202020204" pitchFamily="34" charset="0"/>
+              <a:buChar char="•"/>
+            </a:pPr>
+            <a:r>
+              <a:rPr lang="fr-FR" dirty="0"/>
+              <a:t>Centrale 2021</a:t>
+            </a:r>
+          </a:p>
+          <a:p>
+            <a:pPr marL="285750" indent="-285750">
+              <a:buFont typeface="Arial" panose="020B0604020202020204" pitchFamily="34" charset="0"/>
+              <a:buChar char="•"/>
+            </a:pPr>
+            <a:endParaRPr lang="fr-FR" dirty="0"/>
           </a:p>
         </p:txBody>
       </p:sp>
     </p:spTree>
     <p:extLst>
       <p:ext uri="{BB962C8B-B14F-4D97-AF65-F5344CB8AC3E}">
-        <p14:creationId xmlns:p14="http://schemas.microsoft.com/office/powerpoint/2010/main" val="1876344486"/>
+        <p14:creationId xmlns:p14="http://schemas.microsoft.com/office/powerpoint/2010/main" val="1651799315"/>
       </p:ext>
     </p:extLst>
   </p:cSld>
@@ -3867,20 +3894,33 @@
           <a:p>
             <a:r>
               <a:rPr lang="fr-FR" dirty="0"/>
-              <a:t>Caractéristiques d’un moteur à courant continu</a:t>
-            </a:r>
-          </a:p>
-        </p:txBody>
-      </p:sp>
-      <p:sp>
-        <p:nvSpPr>
-          <p:cNvPr id="3" name="Espace réservé du texte 2">
-            <a:extLst>
-              <a:ext uri="{FF2B5EF4-FFF2-40B4-BE49-F238E27FC236}">
-                <a16:creationId xmlns:a16="http://schemas.microsoft.com/office/drawing/2014/main" id="{ADBEA7E6-FC2C-48A2-9A44-2D00D9873C34}"/>
-              </a:ext>
-            </a:extLst>
-          </p:cNvPr>
+              <a:t>Robot à câbles</a:t>
+            </a:r>
+            <a:br>
+              <a:rPr lang="fr-FR" dirty="0"/>
+            </a:br>
+            <a:r>
+              <a:rPr lang="fr-FR" dirty="0"/>
+              <a:t>RC4 ?</a:t>
+            </a:r>
+          </a:p>
+        </p:txBody>
+      </p:sp>
+      <p:sp>
+        <p:nvSpPr>
+          <p:cNvPr id="6" name="Espace réservé pour une image  5"/>
+          <p:cNvSpPr>
+            <a:spLocks noGrp="1"/>
+          </p:cNvSpPr>
+          <p:nvPr>
+            <p:ph type="pic" idx="1"/>
+          </p:nvPr>
+        </p:nvSpPr>
+        <p:spPr/>
+      </p:sp>
+      <p:sp>
+        <p:nvSpPr>
+          <p:cNvPr id="7" name="Espace réservé du texte 6"/>
           <p:cNvSpPr>
             <a:spLocks noGrp="1"/>
           </p:cNvSpPr>
@@ -3888,131 +3928,38 @@
             <p:ph type="body" sz="half" idx="2"/>
           </p:nvPr>
         </p:nvSpPr>
-        <p:spPr/>
-        <p:txBody>
-          <a:bodyPr/>
-          <a:lstStyle/>
-          <a:p>
+        <p:spPr>
+          <a:xfrm>
+            <a:off x="5800874" y="1885278"/>
+            <a:ext cx="6195656" cy="4972722"/>
+          </a:xfrm>
+        </p:spPr>
+        <p:txBody>
+          <a:bodyPr/>
+          <a:lstStyle/>
+          <a:p>
+            <a:pPr marL="285750" indent="-285750">
+              <a:buFont typeface="Arial" panose="020B0604020202020204" pitchFamily="34" charset="0"/>
+              <a:buChar char="•"/>
+            </a:pPr>
+            <a:r>
+              <a:rPr lang="fr-FR" dirty="0"/>
+              <a:t>Centrale 2021</a:t>
+            </a:r>
+          </a:p>
+          <a:p>
+            <a:pPr marL="285750" indent="-285750">
+              <a:buFont typeface="Arial" panose="020B0604020202020204" pitchFamily="34" charset="0"/>
+              <a:buChar char="•"/>
+            </a:pPr>
             <a:endParaRPr lang="fr-FR" dirty="0"/>
           </a:p>
         </p:txBody>
       </p:sp>
-      <p:pic>
-        <p:nvPicPr>
-          <p:cNvPr id="2050" name="Picture 2">
-            <a:extLst>
-              <a:ext uri="{FF2B5EF4-FFF2-40B4-BE49-F238E27FC236}">
-                <a16:creationId xmlns:a16="http://schemas.microsoft.com/office/drawing/2014/main" id="{FC9A3B17-9173-41BC-BBBE-C5C7242A9338}"/>
-              </a:ext>
-            </a:extLst>
-          </p:cNvPr>
-          <p:cNvPicPr>
-            <a:picLocks noChangeAspect="1" noChangeArrowheads="1"/>
-          </p:cNvPicPr>
-          <p:nvPr/>
-        </p:nvPicPr>
-        <p:blipFill>
-          <a:blip r:embed="rId2">
-            <a:extLst>
-              <a:ext uri="{28A0092B-C50C-407E-A947-70E740481C1C}">
-                <a14:useLocalDpi xmlns:a14="http://schemas.microsoft.com/office/drawing/2010/main" val="0"/>
-              </a:ext>
-            </a:extLst>
-          </a:blip>
-          <a:srcRect/>
-          <a:stretch>
-            <a:fillRect/>
-          </a:stretch>
-        </p:blipFill>
-        <p:spPr bwMode="auto">
-          <a:xfrm>
-            <a:off x="1" y="0"/>
-            <a:ext cx="5760000" cy="3993452"/>
-          </a:xfrm>
-          <a:prstGeom prst="rect">
-            <a:avLst/>
-          </a:prstGeom>
-          <a:noFill/>
-          <a:extLst>
-            <a:ext uri="{909E8E84-426E-40DD-AFC4-6F175D3DCCD1}">
-              <a14:hiddenFill xmlns:a14="http://schemas.microsoft.com/office/drawing/2010/main">
-                <a:solidFill>
-                  <a:srgbClr val="FFFFFF"/>
-                </a:solidFill>
-              </a14:hiddenFill>
-            </a:ext>
-          </a:extLst>
-        </p:spPr>
-      </p:pic>
-      <p:sp>
-        <p:nvSpPr>
-          <p:cNvPr id="5" name="Espace réservé pour une image  4">
-            <a:extLst>
-              <a:ext uri="{FF2B5EF4-FFF2-40B4-BE49-F238E27FC236}">
-                <a16:creationId xmlns:a16="http://schemas.microsoft.com/office/drawing/2014/main" id="{22DC41DD-CC33-FCE3-F89B-897F51B75668}"/>
-              </a:ext>
-            </a:extLst>
-          </p:cNvPr>
-          <p:cNvSpPr>
-            <a:spLocks noGrp="1"/>
-          </p:cNvSpPr>
-          <p:nvPr>
-            <p:ph type="pic" idx="1"/>
-          </p:nvPr>
-        </p:nvSpPr>
-        <p:spPr/>
-      </p:sp>
-      <p:pic>
-        <p:nvPicPr>
-          <p:cNvPr id="1030" name="Picture 6">
-            <a:extLst>
-              <a:ext uri="{FF2B5EF4-FFF2-40B4-BE49-F238E27FC236}">
-                <a16:creationId xmlns:a16="http://schemas.microsoft.com/office/drawing/2014/main" id="{95506521-2237-4335-3CDD-101C539C98C0}"/>
-              </a:ext>
-            </a:extLst>
-          </p:cNvPr>
-          <p:cNvPicPr>
-            <a:picLocks noChangeAspect="1" noChangeArrowheads="1"/>
-          </p:cNvPicPr>
-          <p:nvPr/>
-        </p:nvPicPr>
-        <p:blipFill>
-          <a:blip r:embed="rId3">
-            <a:extLst>
-              <a:ext uri="{28A0092B-C50C-407E-A947-70E740481C1C}">
-                <a14:useLocalDpi xmlns:a14="http://schemas.microsoft.com/office/drawing/2010/main" val="0"/>
-              </a:ext>
-            </a:extLst>
-          </a:blip>
-          <a:srcRect/>
-          <a:stretch>
-            <a:fillRect/>
-          </a:stretch>
-        </p:blipFill>
-        <p:spPr bwMode="auto">
-          <a:xfrm>
-            <a:off x="1066080" y="4066348"/>
-            <a:ext cx="3627840" cy="2718756"/>
-          </a:xfrm>
-          <a:prstGeom prst="rect">
-            <a:avLst/>
-          </a:prstGeom>
-          <a:noFill/>
-          <a:extLst>
-            <a:ext uri="{909E8E84-426E-40DD-AFC4-6F175D3DCCD1}">
-              <a14:hiddenFill xmlns:a14="http://schemas.microsoft.com/office/drawing/2010/main">
-                <a:solidFill>
-                  <a:srgbClr val="FFFFFF"/>
-                </a:solidFill>
-              </a14:hiddenFill>
-            </a:ext>
-          </a:extLst>
-        </p:spPr>
-      </p:pic>
     </p:spTree>
     <p:extLst>
       <p:ext uri="{BB962C8B-B14F-4D97-AF65-F5344CB8AC3E}">
-        <p14:creationId xmlns:p14="http://schemas.microsoft.com/office/powerpoint/2010/main" val="2027204547"/>
+        <p14:creationId xmlns:p14="http://schemas.microsoft.com/office/powerpoint/2010/main" val="254358762"/>
       </p:ext>
     </p:extLst>
   </p:cSld>
@@ -4041,13 +3988,7 @@
       </p:grpSpPr>
       <p:sp>
         <p:nvSpPr>
-          <p:cNvPr id="5" name="Titre 4">
-            <a:extLst>
-              <a:ext uri="{FF2B5EF4-FFF2-40B4-BE49-F238E27FC236}">
-                <a16:creationId xmlns:a16="http://schemas.microsoft.com/office/drawing/2014/main" id="{1B3466BE-90DA-460C-89D2-467B99FE9911}"/>
-              </a:ext>
-            </a:extLst>
-          </p:cNvPr>
+          <p:cNvPr id="4" name="Titre 3"/>
           <p:cNvSpPr>
             <a:spLocks noGrp="1"/>
           </p:cNvSpPr>
@@ -4062,40 +4003,70 @@
           <a:p>
             <a:r>
               <a:rPr lang="fr-FR" dirty="0"/>
-              <a:t>Détermination de la constante électrique ou de la constante de couple</a:t>
-            </a:r>
-          </a:p>
-        </p:txBody>
-      </p:sp>
-      <p:sp>
-        <p:nvSpPr>
-          <p:cNvPr id="6" name="Espace réservé du contenu 5">
-            <a:extLst>
-              <a:ext uri="{FF2B5EF4-FFF2-40B4-BE49-F238E27FC236}">
-                <a16:creationId xmlns:a16="http://schemas.microsoft.com/office/drawing/2014/main" id="{DD3182B1-2E49-4758-9780-442FDA2CB3F8}"/>
-              </a:ext>
-            </a:extLst>
-          </p:cNvPr>
-          <p:cNvSpPr>
-            <a:spLocks noGrp="1"/>
-          </p:cNvSpPr>
-          <p:nvPr>
-            <p:ph idx="1"/>
-          </p:nvPr>
-        </p:nvSpPr>
-        <p:spPr/>
-        <p:txBody>
-          <a:bodyPr/>
-          <a:lstStyle/>
-          <a:p>
-            <a:endParaRPr lang="fr-FR"/>
+              <a:t>Robot caméraman </a:t>
+            </a:r>
+            <a:r>
+              <a:rPr lang="fr-FR" dirty="0" err="1"/>
+              <a:t>Pixio</a:t>
+            </a:r>
+            <a:endParaRPr lang="fr-FR" dirty="0"/>
+          </a:p>
+        </p:txBody>
+      </p:sp>
+      <p:sp>
+        <p:nvSpPr>
+          <p:cNvPr id="6" name="Espace réservé pour une image  5"/>
+          <p:cNvSpPr>
+            <a:spLocks noGrp="1"/>
+          </p:cNvSpPr>
+          <p:nvPr>
+            <p:ph type="pic" idx="1"/>
+          </p:nvPr>
+        </p:nvSpPr>
+        <p:spPr/>
+      </p:sp>
+      <p:sp>
+        <p:nvSpPr>
+          <p:cNvPr id="7" name="Espace réservé du texte 6"/>
+          <p:cNvSpPr>
+            <a:spLocks noGrp="1"/>
+          </p:cNvSpPr>
+          <p:nvPr>
+            <p:ph type="body" sz="half" idx="2"/>
+          </p:nvPr>
+        </p:nvSpPr>
+        <p:spPr>
+          <a:xfrm>
+            <a:off x="5800874" y="1885278"/>
+            <a:ext cx="6195656" cy="4972722"/>
+          </a:xfrm>
+        </p:spPr>
+        <p:txBody>
+          <a:bodyPr/>
+          <a:lstStyle/>
+          <a:p>
+            <a:pPr marL="285750" indent="-285750">
+              <a:buFont typeface="Arial" panose="020B0604020202020204" pitchFamily="34" charset="0"/>
+              <a:buChar char="•"/>
+            </a:pPr>
+            <a:r>
+              <a:rPr lang="fr-FR" dirty="0"/>
+              <a:t>Centrale 2021</a:t>
+            </a:r>
+          </a:p>
+          <a:p>
+            <a:pPr marL="285750" indent="-285750">
+              <a:buFont typeface="Arial" panose="020B0604020202020204" pitchFamily="34" charset="0"/>
+              <a:buChar char="•"/>
+            </a:pPr>
+            <a:endParaRPr lang="fr-FR" dirty="0"/>
           </a:p>
         </p:txBody>
       </p:sp>
     </p:spTree>
     <p:extLst>
       <p:ext uri="{BB962C8B-B14F-4D97-AF65-F5344CB8AC3E}">
-        <p14:creationId xmlns:p14="http://schemas.microsoft.com/office/powerpoint/2010/main" val="2801543763"/>
+        <p14:creationId xmlns:p14="http://schemas.microsoft.com/office/powerpoint/2010/main" val="1062210759"/>
       </p:ext>
     </p:extLst>
   </p:cSld>
@@ -4124,13 +4095,7 @@
       </p:grpSpPr>
       <p:sp>
         <p:nvSpPr>
-          <p:cNvPr id="5" name="Titre 4">
-            <a:extLst>
-              <a:ext uri="{FF2B5EF4-FFF2-40B4-BE49-F238E27FC236}">
-                <a16:creationId xmlns:a16="http://schemas.microsoft.com/office/drawing/2014/main" id="{1B3466BE-90DA-460C-89D2-467B99FE9911}"/>
-              </a:ext>
-            </a:extLst>
-          </p:cNvPr>
+          <p:cNvPr id="4" name="Titre 3"/>
           <p:cNvSpPr>
             <a:spLocks noGrp="1"/>
           </p:cNvSpPr>
@@ -4145,40 +4110,76 @@
           <a:p>
             <a:r>
               <a:rPr lang="fr-FR" dirty="0"/>
-              <a:t>Détermination de la résistance</a:t>
-            </a:r>
-          </a:p>
-        </p:txBody>
-      </p:sp>
-      <p:sp>
-        <p:nvSpPr>
-          <p:cNvPr id="6" name="Espace réservé du contenu 5">
-            <a:extLst>
-              <a:ext uri="{FF2B5EF4-FFF2-40B4-BE49-F238E27FC236}">
-                <a16:creationId xmlns:a16="http://schemas.microsoft.com/office/drawing/2014/main" id="{DD3182B1-2E49-4758-9780-442FDA2CB3F8}"/>
-              </a:ext>
-            </a:extLst>
-          </p:cNvPr>
-          <p:cNvSpPr>
-            <a:spLocks noGrp="1"/>
-          </p:cNvSpPr>
-          <p:nvPr>
-            <p:ph idx="1"/>
-          </p:nvPr>
-        </p:nvSpPr>
-        <p:spPr/>
-        <p:txBody>
-          <a:bodyPr/>
-          <a:lstStyle/>
-          <a:p>
-            <a:endParaRPr lang="fr-FR"/>
+              <a:t>Robot Delta</a:t>
+            </a:r>
+            <a:br>
+              <a:rPr lang="fr-FR" dirty="0"/>
+            </a:br>
+            <a:r>
+              <a:rPr lang="fr-FR" dirty="0" err="1"/>
+              <a:t>Delta</a:t>
+            </a:r>
+            <a:r>
+              <a:rPr lang="fr-FR" dirty="0"/>
+              <a:t> 2D 3Sigma ?</a:t>
+            </a:r>
+          </a:p>
+        </p:txBody>
+      </p:sp>
+      <p:sp>
+        <p:nvSpPr>
+          <p:cNvPr id="6" name="Espace réservé pour une image  5"/>
+          <p:cNvSpPr>
+            <a:spLocks noGrp="1"/>
+          </p:cNvSpPr>
+          <p:nvPr>
+            <p:ph type="pic" idx="1"/>
+          </p:nvPr>
+        </p:nvSpPr>
+        <p:spPr/>
+      </p:sp>
+      <p:sp>
+        <p:nvSpPr>
+          <p:cNvPr id="7" name="Espace réservé du texte 6"/>
+          <p:cNvSpPr>
+            <a:spLocks noGrp="1"/>
+          </p:cNvSpPr>
+          <p:nvPr>
+            <p:ph type="body" sz="half" idx="2"/>
+          </p:nvPr>
+        </p:nvSpPr>
+        <p:spPr>
+          <a:xfrm>
+            <a:off x="5800874" y="1885278"/>
+            <a:ext cx="6195656" cy="4972722"/>
+          </a:xfrm>
+        </p:spPr>
+        <p:txBody>
+          <a:bodyPr/>
+          <a:lstStyle/>
+          <a:p>
+            <a:pPr marL="285750" indent="-285750">
+              <a:buFont typeface="Arial" panose="020B0604020202020204" pitchFamily="34" charset="0"/>
+              <a:buChar char="•"/>
+            </a:pPr>
+            <a:r>
+              <a:rPr lang="fr-FR" dirty="0"/>
+              <a:t>Centrale 2021</a:t>
+            </a:r>
+          </a:p>
+          <a:p>
+            <a:pPr marL="285750" indent="-285750">
+              <a:buFont typeface="Arial" panose="020B0604020202020204" pitchFamily="34" charset="0"/>
+              <a:buChar char="•"/>
+            </a:pPr>
+            <a:endParaRPr lang="fr-FR" dirty="0"/>
           </a:p>
         </p:txBody>
       </p:sp>
     </p:spTree>
     <p:extLst>
       <p:ext uri="{BB962C8B-B14F-4D97-AF65-F5344CB8AC3E}">
-        <p14:creationId xmlns:p14="http://schemas.microsoft.com/office/powerpoint/2010/main" val="1218073976"/>
+        <p14:creationId xmlns:p14="http://schemas.microsoft.com/office/powerpoint/2010/main" val="4289236977"/>
       </p:ext>
     </p:extLst>
   </p:cSld>
@@ -4207,13 +4208,7 @@
       </p:grpSpPr>
       <p:sp>
         <p:nvSpPr>
-          <p:cNvPr id="5" name="Titre 4">
-            <a:extLst>
-              <a:ext uri="{FF2B5EF4-FFF2-40B4-BE49-F238E27FC236}">
-                <a16:creationId xmlns:a16="http://schemas.microsoft.com/office/drawing/2014/main" id="{1B3466BE-90DA-460C-89D2-467B99FE9911}"/>
-              </a:ext>
-            </a:extLst>
-          </p:cNvPr>
+          <p:cNvPr id="4" name="Titre 3"/>
           <p:cNvSpPr>
             <a:spLocks noGrp="1"/>
           </p:cNvSpPr>
@@ -4228,40 +4223,65 @@
           <a:p>
             <a:r>
               <a:rPr lang="fr-FR" dirty="0"/>
-              <a:t>Détermination de l’inductance</a:t>
-            </a:r>
-          </a:p>
-        </p:txBody>
-      </p:sp>
-      <p:sp>
-        <p:nvSpPr>
-          <p:cNvPr id="6" name="Espace réservé du contenu 5">
-            <a:extLst>
-              <a:ext uri="{FF2B5EF4-FFF2-40B4-BE49-F238E27FC236}">
-                <a16:creationId xmlns:a16="http://schemas.microsoft.com/office/drawing/2014/main" id="{DD3182B1-2E49-4758-9780-442FDA2CB3F8}"/>
-              </a:ext>
-            </a:extLst>
-          </p:cNvPr>
-          <p:cNvSpPr>
-            <a:spLocks noGrp="1"/>
-          </p:cNvSpPr>
-          <p:nvPr>
-            <p:ph idx="1"/>
-          </p:nvPr>
-        </p:nvSpPr>
-        <p:spPr/>
-        <p:txBody>
-          <a:bodyPr/>
-          <a:lstStyle/>
-          <a:p>
-            <a:endParaRPr lang="fr-FR"/>
+              <a:t>Robot nettoyeur de vitres</a:t>
+            </a:r>
+          </a:p>
+        </p:txBody>
+      </p:sp>
+      <p:sp>
+        <p:nvSpPr>
+          <p:cNvPr id="6" name="Espace réservé pour une image  5"/>
+          <p:cNvSpPr>
+            <a:spLocks noGrp="1"/>
+          </p:cNvSpPr>
+          <p:nvPr>
+            <p:ph type="pic" idx="1"/>
+          </p:nvPr>
+        </p:nvSpPr>
+        <p:spPr/>
+      </p:sp>
+      <p:sp>
+        <p:nvSpPr>
+          <p:cNvPr id="7" name="Espace réservé du texte 6"/>
+          <p:cNvSpPr>
+            <a:spLocks noGrp="1"/>
+          </p:cNvSpPr>
+          <p:nvPr>
+            <p:ph type="body" sz="half" idx="2"/>
+          </p:nvPr>
+        </p:nvSpPr>
+        <p:spPr>
+          <a:xfrm>
+            <a:off x="5800874" y="1885278"/>
+            <a:ext cx="6195656" cy="4972722"/>
+          </a:xfrm>
+        </p:spPr>
+        <p:txBody>
+          <a:bodyPr/>
+          <a:lstStyle/>
+          <a:p>
+            <a:pPr marL="285750" indent="-285750">
+              <a:buFont typeface="Arial" panose="020B0604020202020204" pitchFamily="34" charset="0"/>
+              <a:buChar char="•"/>
+            </a:pPr>
+            <a:r>
+              <a:rPr lang="fr-FR" dirty="0"/>
+              <a:t>Centrale 2021</a:t>
+            </a:r>
+          </a:p>
+          <a:p>
+            <a:pPr marL="285750" indent="-285750">
+              <a:buFont typeface="Arial" panose="020B0604020202020204" pitchFamily="34" charset="0"/>
+              <a:buChar char="•"/>
+            </a:pPr>
+            <a:endParaRPr lang="fr-FR" dirty="0"/>
           </a:p>
         </p:txBody>
       </p:sp>
     </p:spTree>
     <p:extLst>
       <p:ext uri="{BB962C8B-B14F-4D97-AF65-F5344CB8AC3E}">
-        <p14:creationId xmlns:p14="http://schemas.microsoft.com/office/powerpoint/2010/main" val="77956961"/>
+        <p14:creationId xmlns:p14="http://schemas.microsoft.com/office/powerpoint/2010/main" val="761531650"/>
       </p:ext>
     </p:extLst>
   </p:cSld>
@@ -4290,7 +4310,7 @@
       </p:grpSpPr>
       <p:sp>
         <p:nvSpPr>
-          <p:cNvPr id="2" name="Titre 1"/>
+          <p:cNvPr id="4" name="Titre 3"/>
           <p:cNvSpPr>
             <a:spLocks noGrp="1"/>
           </p:cNvSpPr>
@@ -4303,1003 +4323,283 @@
           <a:bodyPr/>
           <a:lstStyle/>
           <a:p>
+            <a:r>
+              <a:rPr lang="fr-FR" dirty="0"/>
+              <a:t>Robot porte-endoscope </a:t>
+            </a:r>
+            <a:br>
+              <a:rPr lang="fr-FR" dirty="0"/>
+            </a:br>
+            <a:r>
+              <a:rPr lang="fr-FR" dirty="0" err="1"/>
+              <a:t>Evolap</a:t>
+            </a:r>
             <a:endParaRPr lang="fr-FR" dirty="0"/>
           </a:p>
         </p:txBody>
       </p:sp>
       <p:sp>
         <p:nvSpPr>
-          <p:cNvPr id="6" name="Rectangle 5"/>
-          <p:cNvSpPr/>
-          <p:nvPr/>
-        </p:nvSpPr>
-        <p:spPr>
-          <a:xfrm>
-            <a:off x="950258" y="1414258"/>
-            <a:ext cx="259977" cy="259977"/>
-          </a:xfrm>
-          <a:prstGeom prst="rect">
-            <a:avLst/>
-          </a:prstGeom>
-          <a:solidFill>
-            <a:srgbClr val="118977"/>
-          </a:solidFill>
-          <a:ln>
-            <a:noFill/>
-          </a:ln>
-        </p:spPr>
-        <p:style>
-          <a:lnRef idx="2">
-            <a:schemeClr val="accent1">
-              <a:shade val="50000"/>
-            </a:schemeClr>
-          </a:lnRef>
-          <a:fillRef idx="1">
-            <a:schemeClr val="accent1"/>
-          </a:fillRef>
-          <a:effectRef idx="0">
-            <a:schemeClr val="accent1"/>
-          </a:effectRef>
-          <a:fontRef idx="minor">
-            <a:schemeClr val="lt1"/>
-          </a:fontRef>
-        </p:style>
-        <p:txBody>
-          <a:bodyPr rtlCol="0" anchor="ctr"/>
-          <a:lstStyle/>
-          <a:p>
-            <a:pPr algn="ctr"/>
-            <a:endParaRPr lang="fr-FR">
-              <a:solidFill>
-                <a:srgbClr val="118977"/>
-              </a:solidFill>
-            </a:endParaRPr>
-          </a:p>
-        </p:txBody>
-      </p:sp>
-      <p:sp>
-        <p:nvSpPr>
-          <p:cNvPr id="7" name="Rectangle 6"/>
-          <p:cNvSpPr/>
-          <p:nvPr/>
-        </p:nvSpPr>
-        <p:spPr>
-          <a:xfrm>
-            <a:off x="950258" y="1883412"/>
-            <a:ext cx="259977" cy="259977"/>
-          </a:xfrm>
-          <a:prstGeom prst="rect">
-            <a:avLst/>
-          </a:prstGeom>
-          <a:solidFill>
-            <a:srgbClr val="1CAE97"/>
-          </a:solidFill>
-          <a:ln>
-            <a:noFill/>
-          </a:ln>
-        </p:spPr>
-        <p:style>
-          <a:lnRef idx="2">
-            <a:schemeClr val="accent1">
-              <a:shade val="50000"/>
-            </a:schemeClr>
-          </a:lnRef>
-          <a:fillRef idx="1">
-            <a:schemeClr val="accent1"/>
-          </a:fillRef>
-          <a:effectRef idx="0">
-            <a:schemeClr val="accent1"/>
-          </a:effectRef>
-          <a:fontRef idx="minor">
-            <a:schemeClr val="lt1"/>
-          </a:fontRef>
-        </p:style>
-        <p:txBody>
-          <a:bodyPr rtlCol="0" anchor="ctr"/>
-          <a:lstStyle/>
-          <a:p>
-            <a:pPr algn="ctr"/>
-            <a:endParaRPr lang="fr-FR"/>
-          </a:p>
-        </p:txBody>
-      </p:sp>
-      <p:sp>
-        <p:nvSpPr>
-          <p:cNvPr id="8" name="Rectangle 7"/>
-          <p:cNvSpPr/>
-          <p:nvPr/>
-        </p:nvSpPr>
-        <p:spPr>
-          <a:xfrm>
-            <a:off x="950258" y="2258382"/>
-            <a:ext cx="259977" cy="259977"/>
-          </a:xfrm>
-          <a:prstGeom prst="rect">
-            <a:avLst/>
-          </a:prstGeom>
-          <a:solidFill>
-            <a:srgbClr val="CEE3E0"/>
-          </a:solidFill>
-          <a:ln>
-            <a:noFill/>
-          </a:ln>
-        </p:spPr>
-        <p:style>
-          <a:lnRef idx="2">
-            <a:schemeClr val="accent1">
-              <a:shade val="50000"/>
-            </a:schemeClr>
-          </a:lnRef>
-          <a:fillRef idx="1">
-            <a:schemeClr val="accent1"/>
-          </a:fillRef>
-          <a:effectRef idx="0">
-            <a:schemeClr val="accent1"/>
-          </a:effectRef>
-          <a:fontRef idx="minor">
-            <a:schemeClr val="lt1"/>
-          </a:fontRef>
-        </p:style>
-        <p:txBody>
-          <a:bodyPr rtlCol="0" anchor="ctr"/>
-          <a:lstStyle/>
-          <a:p>
-            <a:pPr algn="ctr"/>
-            <a:endParaRPr lang="fr-FR">
-              <a:solidFill>
-                <a:srgbClr val="CEE3E0"/>
-              </a:solidFill>
-            </a:endParaRPr>
-          </a:p>
-        </p:txBody>
-      </p:sp>
-      <p:sp>
-        <p:nvSpPr>
-          <p:cNvPr id="10" name="Rectangle 9"/>
-          <p:cNvSpPr/>
-          <p:nvPr/>
-        </p:nvSpPr>
-        <p:spPr>
-          <a:xfrm>
-            <a:off x="999514" y="2741238"/>
-            <a:ext cx="259977" cy="259977"/>
-          </a:xfrm>
-          <a:prstGeom prst="rect">
-            <a:avLst/>
-          </a:prstGeom>
-          <a:solidFill>
-            <a:srgbClr val="F6AB32"/>
-          </a:solidFill>
-          <a:ln>
-            <a:noFill/>
-          </a:ln>
-        </p:spPr>
-        <p:style>
-          <a:lnRef idx="2">
-            <a:schemeClr val="accent1">
-              <a:shade val="50000"/>
-            </a:schemeClr>
-          </a:lnRef>
-          <a:fillRef idx="1">
-            <a:schemeClr val="accent1"/>
-          </a:fillRef>
-          <a:effectRef idx="0">
-            <a:schemeClr val="accent1"/>
-          </a:effectRef>
-          <a:fontRef idx="minor">
-            <a:schemeClr val="lt1"/>
-          </a:fontRef>
-        </p:style>
-        <p:txBody>
-          <a:bodyPr rtlCol="0" anchor="ctr"/>
-          <a:lstStyle/>
-          <a:p>
-            <a:pPr algn="ctr"/>
-            <a:endParaRPr lang="fr-FR">
-              <a:solidFill>
-                <a:srgbClr val="F6AB32"/>
-              </a:solidFill>
-            </a:endParaRPr>
-          </a:p>
-        </p:txBody>
-      </p:sp>
-      <p:sp>
-        <p:nvSpPr>
-          <p:cNvPr id="11" name="Rectangle 10"/>
-          <p:cNvSpPr/>
-          <p:nvPr/>
-        </p:nvSpPr>
-        <p:spPr>
-          <a:xfrm>
-            <a:off x="1017493" y="3135596"/>
-            <a:ext cx="259977" cy="259977"/>
-          </a:xfrm>
-          <a:prstGeom prst="rect">
-            <a:avLst/>
-          </a:prstGeom>
-          <a:solidFill>
-            <a:srgbClr val="FACE8F"/>
-          </a:solidFill>
-          <a:ln>
-            <a:noFill/>
-          </a:ln>
-        </p:spPr>
-        <p:style>
-          <a:lnRef idx="2">
-            <a:schemeClr val="accent1">
-              <a:shade val="50000"/>
-            </a:schemeClr>
-          </a:lnRef>
-          <a:fillRef idx="1">
-            <a:schemeClr val="accent1"/>
-          </a:fillRef>
-          <a:effectRef idx="0">
-            <a:schemeClr val="accent1"/>
-          </a:effectRef>
-          <a:fontRef idx="minor">
-            <a:schemeClr val="lt1"/>
-          </a:fontRef>
-        </p:style>
-        <p:txBody>
-          <a:bodyPr rtlCol="0" anchor="ctr"/>
-          <a:lstStyle/>
-          <a:p>
-            <a:pPr algn="ctr"/>
-            <a:endParaRPr lang="fr-FR"/>
-          </a:p>
-        </p:txBody>
-      </p:sp>
-      <p:sp>
-        <p:nvSpPr>
-          <p:cNvPr id="12" name="Rectangle 11"/>
-          <p:cNvSpPr/>
-          <p:nvPr/>
-        </p:nvSpPr>
-        <p:spPr>
-          <a:xfrm>
-            <a:off x="1020258" y="3531937"/>
-            <a:ext cx="259977" cy="259977"/>
-          </a:xfrm>
-          <a:prstGeom prst="rect">
-            <a:avLst/>
-          </a:prstGeom>
-          <a:solidFill>
-            <a:srgbClr val="FEEAD4"/>
-          </a:solidFill>
-          <a:ln>
-            <a:noFill/>
-          </a:ln>
-        </p:spPr>
-        <p:style>
-          <a:lnRef idx="2">
-            <a:schemeClr val="accent1">
-              <a:shade val="50000"/>
-            </a:schemeClr>
-          </a:lnRef>
-          <a:fillRef idx="1">
-            <a:schemeClr val="accent1"/>
-          </a:fillRef>
-          <a:effectRef idx="0">
-            <a:schemeClr val="accent1"/>
-          </a:effectRef>
-          <a:fontRef idx="minor">
-            <a:schemeClr val="lt1"/>
-          </a:fontRef>
-        </p:style>
-        <p:txBody>
-          <a:bodyPr rtlCol="0" anchor="ctr"/>
-          <a:lstStyle/>
-          <a:p>
-            <a:pPr algn="ctr"/>
-            <a:endParaRPr lang="fr-FR"/>
-          </a:p>
-        </p:txBody>
-      </p:sp>
-      <p:sp>
-        <p:nvSpPr>
-          <p:cNvPr id="13" name="Rectangle 12"/>
-          <p:cNvSpPr/>
-          <p:nvPr/>
-        </p:nvSpPr>
-        <p:spPr>
-          <a:xfrm>
-            <a:off x="1017493" y="3911102"/>
-            <a:ext cx="259977" cy="259977"/>
-          </a:xfrm>
-          <a:prstGeom prst="rect">
-            <a:avLst/>
-          </a:prstGeom>
-          <a:solidFill>
-            <a:srgbClr val="CB4E3D"/>
-          </a:solidFill>
-          <a:ln>
-            <a:noFill/>
-          </a:ln>
-        </p:spPr>
-        <p:style>
-          <a:lnRef idx="2">
-            <a:schemeClr val="accent1">
-              <a:shade val="50000"/>
-            </a:schemeClr>
-          </a:lnRef>
-          <a:fillRef idx="1">
-            <a:schemeClr val="accent1"/>
-          </a:fillRef>
-          <a:effectRef idx="0">
-            <a:schemeClr val="accent1"/>
-          </a:effectRef>
-          <a:fontRef idx="minor">
-            <a:schemeClr val="lt1"/>
-          </a:fontRef>
-        </p:style>
-        <p:txBody>
-          <a:bodyPr rtlCol="0" anchor="ctr"/>
-          <a:lstStyle/>
-          <a:p>
-            <a:pPr algn="ctr"/>
-            <a:endParaRPr lang="fr-FR"/>
-          </a:p>
-        </p:txBody>
-      </p:sp>
-      <p:sp>
-        <p:nvSpPr>
-          <p:cNvPr id="14" name="Rectangle 13"/>
-          <p:cNvSpPr/>
-          <p:nvPr/>
-        </p:nvSpPr>
-        <p:spPr>
-          <a:xfrm>
-            <a:off x="1047255" y="4415886"/>
-            <a:ext cx="259977" cy="259977"/>
-          </a:xfrm>
-          <a:prstGeom prst="rect">
-            <a:avLst/>
-          </a:prstGeom>
-          <a:solidFill>
-            <a:srgbClr val="E7968E"/>
-          </a:solidFill>
-          <a:ln>
-            <a:noFill/>
-          </a:ln>
-        </p:spPr>
-        <p:style>
-          <a:lnRef idx="2">
-            <a:schemeClr val="accent1">
-              <a:shade val="50000"/>
-            </a:schemeClr>
-          </a:lnRef>
-          <a:fillRef idx="1">
-            <a:schemeClr val="accent1"/>
-          </a:fillRef>
-          <a:effectRef idx="0">
-            <a:schemeClr val="accent1"/>
-          </a:effectRef>
-          <a:fontRef idx="minor">
-            <a:schemeClr val="lt1"/>
-          </a:fontRef>
-        </p:style>
-        <p:txBody>
-          <a:bodyPr rtlCol="0" anchor="ctr"/>
-          <a:lstStyle/>
-          <a:p>
-            <a:pPr algn="ctr"/>
-            <a:endParaRPr lang="fr-FR"/>
-          </a:p>
-        </p:txBody>
-      </p:sp>
-      <p:sp>
-        <p:nvSpPr>
-          <p:cNvPr id="15" name="Rectangle 14"/>
-          <p:cNvSpPr/>
-          <p:nvPr/>
-        </p:nvSpPr>
-        <p:spPr>
-          <a:xfrm>
-            <a:off x="1080022" y="4851190"/>
-            <a:ext cx="259977" cy="259977"/>
-          </a:xfrm>
-          <a:prstGeom prst="rect">
-            <a:avLst/>
-          </a:prstGeom>
-          <a:solidFill>
-            <a:srgbClr val="F3D6D3"/>
-          </a:solidFill>
-          <a:ln>
-            <a:noFill/>
-          </a:ln>
-        </p:spPr>
-        <p:style>
-          <a:lnRef idx="2">
-            <a:schemeClr val="accent1">
-              <a:shade val="50000"/>
-            </a:schemeClr>
-          </a:lnRef>
-          <a:fillRef idx="1">
-            <a:schemeClr val="accent1"/>
-          </a:fillRef>
-          <a:effectRef idx="0">
-            <a:schemeClr val="accent1"/>
-          </a:effectRef>
-          <a:fontRef idx="minor">
-            <a:schemeClr val="lt1"/>
-          </a:fontRef>
-        </p:style>
-        <p:txBody>
-          <a:bodyPr rtlCol="0" anchor="ctr"/>
-          <a:lstStyle/>
-          <a:p>
-            <a:pPr algn="ctr"/>
-            <a:endParaRPr lang="fr-FR"/>
-          </a:p>
-        </p:txBody>
-      </p:sp>
-      <p:sp>
-        <p:nvSpPr>
-          <p:cNvPr id="16" name="Rectangle 15"/>
-          <p:cNvSpPr/>
-          <p:nvPr/>
-        </p:nvSpPr>
-        <p:spPr>
-          <a:xfrm>
-            <a:off x="1043803" y="5327250"/>
-            <a:ext cx="259977" cy="259977"/>
-          </a:xfrm>
-          <a:prstGeom prst="rect">
-            <a:avLst/>
-          </a:prstGeom>
-          <a:solidFill>
-            <a:srgbClr val="55687C"/>
-          </a:solidFill>
-          <a:ln>
-            <a:noFill/>
-          </a:ln>
-        </p:spPr>
-        <p:style>
-          <a:lnRef idx="2">
-            <a:schemeClr val="accent1">
-              <a:shade val="50000"/>
-            </a:schemeClr>
-          </a:lnRef>
-          <a:fillRef idx="1">
-            <a:schemeClr val="accent1"/>
-          </a:fillRef>
-          <a:effectRef idx="0">
-            <a:schemeClr val="accent1"/>
-          </a:effectRef>
-          <a:fontRef idx="minor">
-            <a:schemeClr val="lt1"/>
-          </a:fontRef>
-        </p:style>
-        <p:txBody>
-          <a:bodyPr rtlCol="0" anchor="ctr"/>
-          <a:lstStyle/>
-          <a:p>
-            <a:pPr algn="ctr"/>
-            <a:endParaRPr lang="fr-FR">
-              <a:solidFill>
-                <a:srgbClr val="55687C"/>
-              </a:solidFill>
-            </a:endParaRPr>
-          </a:p>
-        </p:txBody>
-      </p:sp>
-      <p:sp>
-        <p:nvSpPr>
-          <p:cNvPr id="17" name="Rectangle 16"/>
-          <p:cNvSpPr/>
-          <p:nvPr/>
-        </p:nvSpPr>
-        <p:spPr>
-          <a:xfrm>
-            <a:off x="1015778" y="5673321"/>
-            <a:ext cx="259977" cy="259977"/>
-          </a:xfrm>
-          <a:prstGeom prst="rect">
-            <a:avLst/>
-          </a:prstGeom>
-          <a:solidFill>
-            <a:srgbClr val="BBC7D4"/>
-          </a:solidFill>
-          <a:ln>
-            <a:noFill/>
-          </a:ln>
-        </p:spPr>
-        <p:style>
-          <a:lnRef idx="2">
-            <a:schemeClr val="accent1">
-              <a:shade val="50000"/>
-            </a:schemeClr>
-          </a:lnRef>
-          <a:fillRef idx="1">
-            <a:schemeClr val="accent1"/>
-          </a:fillRef>
-          <a:effectRef idx="0">
-            <a:schemeClr val="accent1"/>
-          </a:effectRef>
-          <a:fontRef idx="minor">
-            <a:schemeClr val="lt1"/>
-          </a:fontRef>
-        </p:style>
-        <p:txBody>
-          <a:bodyPr rtlCol="0" anchor="ctr"/>
-          <a:lstStyle/>
-          <a:p>
-            <a:pPr algn="ctr"/>
-            <a:endParaRPr lang="fr-FR">
-              <a:solidFill>
-                <a:srgbClr val="BBC7D4"/>
-              </a:solidFill>
-            </a:endParaRPr>
-          </a:p>
-        </p:txBody>
-      </p:sp>
-      <p:sp>
-        <p:nvSpPr>
-          <p:cNvPr id="18" name="Rectangle 17"/>
-          <p:cNvSpPr/>
-          <p:nvPr/>
-        </p:nvSpPr>
-        <p:spPr>
-          <a:xfrm>
-            <a:off x="950258" y="1106755"/>
-            <a:ext cx="259977" cy="259977"/>
-          </a:xfrm>
-          <a:prstGeom prst="rect">
-            <a:avLst/>
-          </a:prstGeom>
-          <a:solidFill>
-            <a:srgbClr val="455368"/>
-          </a:solidFill>
-          <a:ln>
-            <a:noFill/>
-          </a:ln>
-        </p:spPr>
-        <p:style>
-          <a:lnRef idx="2">
-            <a:schemeClr val="accent1">
-              <a:shade val="50000"/>
-            </a:schemeClr>
-          </a:lnRef>
-          <a:fillRef idx="1">
-            <a:schemeClr val="accent1"/>
-          </a:fillRef>
-          <a:effectRef idx="0">
-            <a:schemeClr val="accent1"/>
-          </a:effectRef>
-          <a:fontRef idx="minor">
-            <a:schemeClr val="lt1"/>
-          </a:fontRef>
-        </p:style>
-        <p:txBody>
-          <a:bodyPr rtlCol="0" anchor="ctr"/>
-          <a:lstStyle/>
-          <a:p>
-            <a:pPr algn="ctr"/>
-            <a:endParaRPr lang="fr-FR"/>
-          </a:p>
-        </p:txBody>
-      </p:sp>
-      <p:pic>
-        <p:nvPicPr>
-          <p:cNvPr id="19" name="Image 18"/>
-          <p:cNvPicPr>
-            <a:picLocks noChangeAspect="1"/>
-          </p:cNvPicPr>
-          <p:nvPr/>
-        </p:nvPicPr>
-        <p:blipFill>
-          <a:blip r:embed="rId2"/>
-          <a:stretch>
-            <a:fillRect/>
-          </a:stretch>
-        </p:blipFill>
-        <p:spPr>
-          <a:xfrm>
-            <a:off x="6096000" y="1718702"/>
-            <a:ext cx="3152775" cy="1152525"/>
-          </a:xfrm>
-          <a:prstGeom prst="rect">
-            <a:avLst/>
-          </a:prstGeom>
-        </p:spPr>
-      </p:pic>
-      <p:pic>
-        <p:nvPicPr>
-          <p:cNvPr id="20" name="Image 19"/>
-          <p:cNvPicPr>
-            <a:picLocks noChangeAspect="1"/>
-          </p:cNvPicPr>
-          <p:nvPr/>
-        </p:nvPicPr>
-        <p:blipFill>
-          <a:blip r:embed="rId3"/>
-          <a:stretch>
-            <a:fillRect/>
-          </a:stretch>
-        </p:blipFill>
-        <p:spPr>
-          <a:xfrm>
-            <a:off x="6891338" y="3063879"/>
-            <a:ext cx="1724502" cy="663388"/>
-          </a:xfrm>
-          <a:prstGeom prst="rect">
-            <a:avLst/>
-          </a:prstGeom>
-        </p:spPr>
-      </p:pic>
-      <p:pic>
-        <p:nvPicPr>
-          <p:cNvPr id="21" name="Image 20"/>
-          <p:cNvPicPr>
-            <a:picLocks noChangeAspect="1"/>
-          </p:cNvPicPr>
-          <p:nvPr/>
-        </p:nvPicPr>
-        <p:blipFill>
-          <a:blip r:embed="rId4"/>
-          <a:stretch>
-            <a:fillRect/>
-          </a:stretch>
-        </p:blipFill>
-        <p:spPr>
-          <a:xfrm>
-            <a:off x="5952510" y="3814562"/>
-            <a:ext cx="3820139" cy="720908"/>
-          </a:xfrm>
-          <a:prstGeom prst="rect">
-            <a:avLst/>
-          </a:prstGeom>
-        </p:spPr>
-      </p:pic>
-      <p:pic>
-        <p:nvPicPr>
-          <p:cNvPr id="22" name="Image 21"/>
-          <p:cNvPicPr>
-            <a:picLocks noChangeAspect="1"/>
-          </p:cNvPicPr>
-          <p:nvPr/>
-        </p:nvPicPr>
-        <p:blipFill>
-          <a:blip r:embed="rId5"/>
-          <a:stretch>
-            <a:fillRect/>
-          </a:stretch>
-        </p:blipFill>
-        <p:spPr>
-          <a:xfrm>
-            <a:off x="7095508" y="4535438"/>
-            <a:ext cx="2490175" cy="825871"/>
-          </a:xfrm>
-          <a:prstGeom prst="rect">
-            <a:avLst/>
-          </a:prstGeom>
-        </p:spPr>
-      </p:pic>
-      <p:pic>
-        <p:nvPicPr>
-          <p:cNvPr id="23" name="Image 22"/>
-          <p:cNvPicPr>
-            <a:picLocks noChangeAspect="1"/>
-          </p:cNvPicPr>
-          <p:nvPr/>
-        </p:nvPicPr>
-        <p:blipFill>
-          <a:blip r:embed="rId6"/>
-          <a:stretch>
-            <a:fillRect/>
-          </a:stretch>
-        </p:blipFill>
-        <p:spPr>
-          <a:xfrm>
-            <a:off x="5952510" y="5924549"/>
-            <a:ext cx="2352587" cy="541855"/>
-          </a:xfrm>
-          <a:prstGeom prst="rect">
-            <a:avLst/>
-          </a:prstGeom>
-        </p:spPr>
-      </p:pic>
-      <p:pic>
-        <p:nvPicPr>
-          <p:cNvPr id="24" name="Image 23"/>
-          <p:cNvPicPr>
-            <a:picLocks noChangeAspect="1"/>
-          </p:cNvPicPr>
-          <p:nvPr/>
-        </p:nvPicPr>
-        <p:blipFill>
-          <a:blip r:embed="rId7"/>
-          <a:stretch>
-            <a:fillRect/>
-          </a:stretch>
-        </p:blipFill>
-        <p:spPr>
-          <a:xfrm>
-            <a:off x="8615840" y="5993887"/>
-            <a:ext cx="2556985" cy="549865"/>
-          </a:xfrm>
-          <a:prstGeom prst="rect">
-            <a:avLst/>
-          </a:prstGeom>
-        </p:spPr>
-      </p:pic>
-      <p:pic>
-        <p:nvPicPr>
-          <p:cNvPr id="25" name="Image 24"/>
-          <p:cNvPicPr>
-            <a:picLocks noChangeAspect="1"/>
-          </p:cNvPicPr>
-          <p:nvPr/>
-        </p:nvPicPr>
-        <p:blipFill>
-          <a:blip r:embed="rId8"/>
-          <a:stretch>
-            <a:fillRect/>
-          </a:stretch>
-        </p:blipFill>
-        <p:spPr>
-          <a:xfrm>
-            <a:off x="9894332" y="1785377"/>
-            <a:ext cx="1771650" cy="1085850"/>
-          </a:xfrm>
-          <a:prstGeom prst="rect">
-            <a:avLst/>
-          </a:prstGeom>
-        </p:spPr>
-      </p:pic>
-      <p:sp>
-        <p:nvSpPr>
-          <p:cNvPr id="26" name="ZoneTexte 25">
-            <a:extLst>
-              <a:ext uri="{FF2B5EF4-FFF2-40B4-BE49-F238E27FC236}">
-                <a16:creationId xmlns:a16="http://schemas.microsoft.com/office/drawing/2014/main" id="{6460248B-FF48-49DE-8DA2-099732AD8E83}"/>
-              </a:ext>
-            </a:extLst>
-          </p:cNvPr>
-          <p:cNvSpPr txBox="1"/>
-          <p:nvPr/>
-        </p:nvSpPr>
-        <p:spPr>
-          <a:xfrm>
-            <a:off x="1210235" y="1373521"/>
-            <a:ext cx="1732990" cy="369332"/>
-          </a:xfrm>
-          <a:prstGeom prst="rect">
-            <a:avLst/>
-          </a:prstGeom>
-          <a:noFill/>
-        </p:spPr>
-        <p:txBody>
-          <a:bodyPr wrap="square">
-            <a:spAutoFit/>
-          </a:bodyPr>
-          <a:lstStyle/>
-          <a:p>
-            <a:r>
-              <a:rPr lang="fr-FR" dirty="0"/>
-              <a:t>#118977</a:t>
-            </a:r>
-          </a:p>
-        </p:txBody>
-      </p:sp>
-      <p:sp>
-        <p:nvSpPr>
-          <p:cNvPr id="27" name="ZoneTexte 26">
-            <a:extLst>
-              <a:ext uri="{FF2B5EF4-FFF2-40B4-BE49-F238E27FC236}">
-                <a16:creationId xmlns:a16="http://schemas.microsoft.com/office/drawing/2014/main" id="{80CECD6C-2540-44B5-96C9-1E5C26732843}"/>
-              </a:ext>
-            </a:extLst>
-          </p:cNvPr>
-          <p:cNvSpPr txBox="1"/>
-          <p:nvPr/>
-        </p:nvSpPr>
-        <p:spPr>
-          <a:xfrm>
-            <a:off x="1275755" y="1780646"/>
-            <a:ext cx="6094948" cy="369332"/>
-          </a:xfrm>
-          <a:prstGeom prst="rect">
-            <a:avLst/>
-          </a:prstGeom>
-          <a:noFill/>
-        </p:spPr>
-        <p:txBody>
-          <a:bodyPr wrap="square">
-            <a:spAutoFit/>
-          </a:bodyPr>
-          <a:lstStyle/>
-          <a:p>
-            <a:r>
-              <a:rPr lang="fr-FR" dirty="0"/>
-              <a:t>#1CAE97</a:t>
-            </a:r>
-          </a:p>
-        </p:txBody>
-      </p:sp>
-      <p:sp>
-        <p:nvSpPr>
-          <p:cNvPr id="28" name="ZoneTexte 27">
-            <a:extLst>
-              <a:ext uri="{FF2B5EF4-FFF2-40B4-BE49-F238E27FC236}">
-                <a16:creationId xmlns:a16="http://schemas.microsoft.com/office/drawing/2014/main" id="{50B7A1B0-A0EA-415A-BD9F-3D1368ECB67D}"/>
-              </a:ext>
-            </a:extLst>
-          </p:cNvPr>
-          <p:cNvSpPr txBox="1"/>
-          <p:nvPr/>
-        </p:nvSpPr>
-        <p:spPr>
-          <a:xfrm>
-            <a:off x="1275755" y="2152950"/>
-            <a:ext cx="6094948" cy="369332"/>
-          </a:xfrm>
-          <a:prstGeom prst="rect">
-            <a:avLst/>
-          </a:prstGeom>
-          <a:noFill/>
-        </p:spPr>
-        <p:txBody>
-          <a:bodyPr wrap="square">
-            <a:spAutoFit/>
-          </a:bodyPr>
-          <a:lstStyle/>
-          <a:p>
-            <a:r>
-              <a:rPr lang="fr-FR" dirty="0"/>
-              <a:t>#CEE3E0</a:t>
-            </a:r>
-          </a:p>
-        </p:txBody>
-      </p:sp>
-      <p:sp>
-        <p:nvSpPr>
-          <p:cNvPr id="29" name="ZoneTexte 28">
-            <a:extLst>
-              <a:ext uri="{FF2B5EF4-FFF2-40B4-BE49-F238E27FC236}">
-                <a16:creationId xmlns:a16="http://schemas.microsoft.com/office/drawing/2014/main" id="{5475E71E-62E7-4940-B19F-94C99AF18DE7}"/>
-              </a:ext>
-            </a:extLst>
-          </p:cNvPr>
-          <p:cNvSpPr txBox="1"/>
-          <p:nvPr/>
-        </p:nvSpPr>
-        <p:spPr>
-          <a:xfrm>
-            <a:off x="1210235" y="1017766"/>
-            <a:ext cx="6094476" cy="369332"/>
-          </a:xfrm>
-          <a:prstGeom prst="rect">
-            <a:avLst/>
-          </a:prstGeom>
-          <a:noFill/>
-        </p:spPr>
-        <p:txBody>
-          <a:bodyPr wrap="square">
-            <a:spAutoFit/>
-          </a:bodyPr>
-          <a:lstStyle/>
-          <a:p>
-            <a:r>
-              <a:rPr lang="fr-FR" dirty="0"/>
-              <a:t>#455368</a:t>
-            </a:r>
-          </a:p>
-        </p:txBody>
-      </p:sp>
-      <p:sp>
-        <p:nvSpPr>
-          <p:cNvPr id="31" name="ZoneTexte 30">
-            <a:extLst>
-              <a:ext uri="{FF2B5EF4-FFF2-40B4-BE49-F238E27FC236}">
-                <a16:creationId xmlns:a16="http://schemas.microsoft.com/office/drawing/2014/main" id="{D793CD8C-A67B-4DFD-B6D2-E9398A9B9BAE}"/>
-              </a:ext>
-            </a:extLst>
-          </p:cNvPr>
-          <p:cNvSpPr txBox="1"/>
-          <p:nvPr/>
-        </p:nvSpPr>
-        <p:spPr>
-          <a:xfrm>
-            <a:off x="1303780" y="2710241"/>
-            <a:ext cx="6094476" cy="369332"/>
-          </a:xfrm>
-          <a:prstGeom prst="rect">
-            <a:avLst/>
-          </a:prstGeom>
-          <a:noFill/>
-        </p:spPr>
-        <p:txBody>
-          <a:bodyPr wrap="square">
-            <a:spAutoFit/>
-          </a:bodyPr>
-          <a:lstStyle/>
-          <a:p>
-            <a:r>
-              <a:rPr lang="fr-FR" dirty="0">
-                <a:solidFill>
-                  <a:srgbClr val="CB4E3D"/>
-                </a:solidFill>
-              </a:rPr>
-              <a:t>#F6AB32</a:t>
-            </a:r>
-          </a:p>
-        </p:txBody>
-      </p:sp>
-      <p:sp>
-        <p:nvSpPr>
-          <p:cNvPr id="33" name="ZoneTexte 32">
-            <a:extLst>
-              <a:ext uri="{FF2B5EF4-FFF2-40B4-BE49-F238E27FC236}">
-                <a16:creationId xmlns:a16="http://schemas.microsoft.com/office/drawing/2014/main" id="{2F610191-175A-41B6-8AAF-DCF20AFD5E54}"/>
-              </a:ext>
-            </a:extLst>
-          </p:cNvPr>
-          <p:cNvSpPr txBox="1"/>
-          <p:nvPr/>
-        </p:nvSpPr>
-        <p:spPr>
-          <a:xfrm>
-            <a:off x="1339999" y="3894169"/>
-            <a:ext cx="6094476" cy="369332"/>
-          </a:xfrm>
-          <a:prstGeom prst="rect">
-            <a:avLst/>
-          </a:prstGeom>
-          <a:noFill/>
-        </p:spPr>
-        <p:txBody>
-          <a:bodyPr wrap="square">
-            <a:spAutoFit/>
-          </a:bodyPr>
-          <a:lstStyle/>
-          <a:p>
-            <a:r>
-              <a:rPr lang="fr-FR" dirty="0"/>
-              <a:t>#CB4E3D</a:t>
-            </a:r>
-          </a:p>
-        </p:txBody>
-      </p:sp>
-      <p:sp>
-        <p:nvSpPr>
-          <p:cNvPr id="35" name="ZoneTexte 34">
-            <a:extLst>
-              <a:ext uri="{FF2B5EF4-FFF2-40B4-BE49-F238E27FC236}">
-                <a16:creationId xmlns:a16="http://schemas.microsoft.com/office/drawing/2014/main" id="{2285B10A-76A4-4E86-9978-EBCC5CD76582}"/>
-              </a:ext>
-            </a:extLst>
-          </p:cNvPr>
-          <p:cNvSpPr txBox="1"/>
-          <p:nvPr/>
-        </p:nvSpPr>
-        <p:spPr>
-          <a:xfrm>
-            <a:off x="1339999" y="5361309"/>
-            <a:ext cx="6094476" cy="369332"/>
-          </a:xfrm>
-          <a:prstGeom prst="rect">
-            <a:avLst/>
-          </a:prstGeom>
-          <a:noFill/>
-        </p:spPr>
-        <p:txBody>
-          <a:bodyPr wrap="square">
-            <a:spAutoFit/>
-          </a:bodyPr>
-          <a:lstStyle/>
-          <a:p>
-            <a:r>
-              <a:rPr lang="fr-FR" dirty="0"/>
-              <a:t>#55687C</a:t>
-            </a:r>
+          <p:cNvPr id="6" name="Espace réservé pour une image  5"/>
+          <p:cNvSpPr>
+            <a:spLocks noGrp="1"/>
+          </p:cNvSpPr>
+          <p:nvPr>
+            <p:ph type="pic" idx="1"/>
+          </p:nvPr>
+        </p:nvSpPr>
+        <p:spPr/>
+      </p:sp>
+      <p:sp>
+        <p:nvSpPr>
+          <p:cNvPr id="7" name="Espace réservé du texte 6"/>
+          <p:cNvSpPr>
+            <a:spLocks noGrp="1"/>
+          </p:cNvSpPr>
+          <p:nvPr>
+            <p:ph type="body" sz="half" idx="2"/>
+          </p:nvPr>
+        </p:nvSpPr>
+        <p:spPr>
+          <a:xfrm>
+            <a:off x="5800874" y="1885278"/>
+            <a:ext cx="6195656" cy="4972722"/>
+          </a:xfrm>
+        </p:spPr>
+        <p:txBody>
+          <a:bodyPr/>
+          <a:lstStyle/>
+          <a:p>
+            <a:pPr marL="285750" indent="-285750">
+              <a:buFont typeface="Arial" panose="020B0604020202020204" pitchFamily="34" charset="0"/>
+              <a:buChar char="•"/>
+            </a:pPr>
+            <a:r>
+              <a:rPr lang="fr-FR" dirty="0"/>
+              <a:t>Centrale 2021</a:t>
+            </a:r>
+          </a:p>
+          <a:p>
+            <a:pPr marL="285750" indent="-285750">
+              <a:buFont typeface="Arial" panose="020B0604020202020204" pitchFamily="34" charset="0"/>
+              <a:buChar char="•"/>
+            </a:pPr>
+            <a:endParaRPr lang="fr-FR" dirty="0"/>
           </a:p>
         </p:txBody>
       </p:sp>
     </p:spTree>
     <p:extLst>
       <p:ext uri="{BB962C8B-B14F-4D97-AF65-F5344CB8AC3E}">
-        <p14:creationId xmlns:p14="http://schemas.microsoft.com/office/powerpoint/2010/main" val="12836855"/>
+        <p14:creationId xmlns:p14="http://schemas.microsoft.com/office/powerpoint/2010/main" val="1885825926"/>
+      </p:ext>
+    </p:extLst>
+  </p:cSld>
+  <p:clrMapOvr>
+    <a:masterClrMapping/>
+  </p:clrMapOvr>
+</p:sld>
+</file>
+
+<file path=ppt/slides/slide18.xml><?xml version="1.0" encoding="utf-8"?>
+<p:sld xmlns:a="http://schemas.openxmlformats.org/drawingml/2006/main" xmlns:r="http://schemas.openxmlformats.org/officeDocument/2006/relationships" xmlns:p="http://schemas.openxmlformats.org/presentationml/2006/main">
+  <p:cSld>
+    <p:spTree>
+      <p:nvGrpSpPr>
+        <p:cNvPr id="1" name=""/>
+        <p:cNvGrpSpPr/>
+        <p:nvPr/>
+      </p:nvGrpSpPr>
+      <p:grpSpPr>
+        <a:xfrm>
+          <a:off x="0" y="0"/>
+          <a:ext cx="0" cy="0"/>
+          <a:chOff x="0" y="0"/>
+          <a:chExt cx="0" cy="0"/>
+        </a:xfrm>
+      </p:grpSpPr>
+      <p:sp>
+        <p:nvSpPr>
+          <p:cNvPr id="4" name="Titre 3"/>
+          <p:cNvSpPr>
+            <a:spLocks noGrp="1"/>
+          </p:cNvSpPr>
+          <p:nvPr>
+            <p:ph type="title"/>
+          </p:nvPr>
+        </p:nvSpPr>
+        <p:spPr/>
+        <p:txBody>
+          <a:bodyPr/>
+          <a:lstStyle/>
+          <a:p>
+            <a:r>
+              <a:rPr lang="fr-FR" dirty="0" err="1"/>
+              <a:t>Slider</a:t>
+            </a:r>
+            <a:r>
+              <a:rPr lang="fr-FR" dirty="0"/>
+              <a:t> Camera</a:t>
+            </a:r>
+          </a:p>
+        </p:txBody>
+      </p:sp>
+      <p:sp>
+        <p:nvSpPr>
+          <p:cNvPr id="6" name="Espace réservé pour une image  5"/>
+          <p:cNvSpPr>
+            <a:spLocks noGrp="1"/>
+          </p:cNvSpPr>
+          <p:nvPr>
+            <p:ph type="pic" idx="1"/>
+          </p:nvPr>
+        </p:nvSpPr>
+        <p:spPr/>
+      </p:sp>
+      <p:sp>
+        <p:nvSpPr>
+          <p:cNvPr id="7" name="Espace réservé du texte 6"/>
+          <p:cNvSpPr>
+            <a:spLocks noGrp="1"/>
+          </p:cNvSpPr>
+          <p:nvPr>
+            <p:ph type="body" sz="half" idx="2"/>
+          </p:nvPr>
+        </p:nvSpPr>
+        <p:spPr>
+          <a:xfrm>
+            <a:off x="5800874" y="1885278"/>
+            <a:ext cx="6195656" cy="4972722"/>
+          </a:xfrm>
+        </p:spPr>
+        <p:txBody>
+          <a:bodyPr/>
+          <a:lstStyle/>
+          <a:p>
+            <a:pPr marL="285750" indent="-285750">
+              <a:buFont typeface="Arial" panose="020B0604020202020204" pitchFamily="34" charset="0"/>
+              <a:buChar char="•"/>
+            </a:pPr>
+            <a:r>
+              <a:rPr lang="fr-FR" dirty="0"/>
+              <a:t>Centrale 2021</a:t>
+            </a:r>
+          </a:p>
+          <a:p>
+            <a:pPr marL="285750" indent="-285750">
+              <a:buFont typeface="Arial" panose="020B0604020202020204" pitchFamily="34" charset="0"/>
+              <a:buChar char="•"/>
+            </a:pPr>
+            <a:endParaRPr lang="fr-FR" dirty="0"/>
+          </a:p>
+        </p:txBody>
+      </p:sp>
+    </p:spTree>
+    <p:extLst>
+      <p:ext uri="{BB962C8B-B14F-4D97-AF65-F5344CB8AC3E}">
+        <p14:creationId xmlns:p14="http://schemas.microsoft.com/office/powerpoint/2010/main" val="2869593729"/>
+      </p:ext>
+    </p:extLst>
+  </p:cSld>
+  <p:clrMapOvr>
+    <a:masterClrMapping/>
+  </p:clrMapOvr>
+</p:sld>
+</file>
+
+<file path=ppt/slides/slide19.xml><?xml version="1.0" encoding="utf-8"?>
+<p:sld xmlns:a="http://schemas.openxmlformats.org/drawingml/2006/main" xmlns:r="http://schemas.openxmlformats.org/officeDocument/2006/relationships" xmlns:p="http://schemas.openxmlformats.org/presentationml/2006/main">
+  <p:cSld>
+    <p:spTree>
+      <p:nvGrpSpPr>
+        <p:cNvPr id="1" name=""/>
+        <p:cNvGrpSpPr/>
+        <p:nvPr/>
+      </p:nvGrpSpPr>
+      <p:grpSpPr>
+        <a:xfrm>
+          <a:off x="0" y="0"/>
+          <a:ext cx="0" cy="0"/>
+          <a:chOff x="0" y="0"/>
+          <a:chExt cx="0" cy="0"/>
+        </a:xfrm>
+      </p:grpSpPr>
+      <p:sp>
+        <p:nvSpPr>
+          <p:cNvPr id="4" name="Titre 3"/>
+          <p:cNvSpPr>
+            <a:spLocks noGrp="1"/>
+          </p:cNvSpPr>
+          <p:nvPr>
+            <p:ph type="title"/>
+          </p:nvPr>
+        </p:nvSpPr>
+        <p:spPr/>
+        <p:txBody>
+          <a:bodyPr/>
+          <a:lstStyle/>
+          <a:p>
+            <a:r>
+              <a:rPr lang="fr-FR" dirty="0"/>
+              <a:t>Trieuse de pièces</a:t>
+            </a:r>
+          </a:p>
+        </p:txBody>
+      </p:sp>
+      <p:sp>
+        <p:nvSpPr>
+          <p:cNvPr id="6" name="Espace réservé pour une image  5"/>
+          <p:cNvSpPr>
+            <a:spLocks noGrp="1"/>
+          </p:cNvSpPr>
+          <p:nvPr>
+            <p:ph type="pic" idx="1"/>
+          </p:nvPr>
+        </p:nvSpPr>
+        <p:spPr/>
+      </p:sp>
+      <p:sp>
+        <p:nvSpPr>
+          <p:cNvPr id="7" name="Espace réservé du texte 6"/>
+          <p:cNvSpPr>
+            <a:spLocks noGrp="1"/>
+          </p:cNvSpPr>
+          <p:nvPr>
+            <p:ph type="body" sz="half" idx="2"/>
+          </p:nvPr>
+        </p:nvSpPr>
+        <p:spPr>
+          <a:xfrm>
+            <a:off x="5800874" y="1885278"/>
+            <a:ext cx="6195656" cy="4972722"/>
+          </a:xfrm>
+        </p:spPr>
+        <p:txBody>
+          <a:bodyPr/>
+          <a:lstStyle/>
+          <a:p>
+            <a:pPr marL="285750" indent="-285750">
+              <a:buFont typeface="Arial" panose="020B0604020202020204" pitchFamily="34" charset="0"/>
+              <a:buChar char="•"/>
+            </a:pPr>
+            <a:r>
+              <a:rPr lang="fr-FR" dirty="0"/>
+              <a:t>Centrale 2021</a:t>
+            </a:r>
+          </a:p>
+          <a:p>
+            <a:pPr marL="285750" indent="-285750">
+              <a:buFont typeface="Arial" panose="020B0604020202020204" pitchFamily="34" charset="0"/>
+              <a:buChar char="•"/>
+            </a:pPr>
+            <a:endParaRPr lang="fr-FR" dirty="0"/>
+          </a:p>
+        </p:txBody>
+      </p:sp>
+    </p:spTree>
+    <p:extLst>
+      <p:ext uri="{BB962C8B-B14F-4D97-AF65-F5344CB8AC3E}">
+        <p14:creationId xmlns:p14="http://schemas.microsoft.com/office/powerpoint/2010/main" val="219799641"/>
       </p:ext>
     </p:extLst>
   </p:cSld>
@@ -5342,9 +4642,10 @@
           <a:lstStyle/>
           <a:p>
             <a:r>
-              <a:rPr lang="fr-FR" dirty="0"/>
-              <a:t>Identification du modèle de comportement d’un système ou d’un composant</a:t>
-            </a:r>
+              <a:rPr lang="fr-FR" dirty="0" err="1"/>
+              <a:t>MaxPID</a:t>
+            </a:r>
+            <a:endParaRPr lang="fr-FR" dirty="0"/>
           </a:p>
         </p:txBody>
       </p:sp>
@@ -5388,6 +4689,384 @@
     <p:extLst>
       <p:ext uri="{BB962C8B-B14F-4D97-AF65-F5344CB8AC3E}">
         <p14:creationId xmlns:p14="http://schemas.microsoft.com/office/powerpoint/2010/main" val="4161981368"/>
+      </p:ext>
+    </p:extLst>
+  </p:cSld>
+  <p:clrMapOvr>
+    <a:masterClrMapping/>
+  </p:clrMapOvr>
+</p:sld>
+</file>
+
+<file path=ppt/slides/slide20.xml><?xml version="1.0" encoding="utf-8"?>
+<p:sld xmlns:a="http://schemas.openxmlformats.org/drawingml/2006/main" xmlns:r="http://schemas.openxmlformats.org/officeDocument/2006/relationships" xmlns:p="http://schemas.openxmlformats.org/presentationml/2006/main">
+  <p:cSld>
+    <p:spTree>
+      <p:nvGrpSpPr>
+        <p:cNvPr id="1" name=""/>
+        <p:cNvGrpSpPr/>
+        <p:nvPr/>
+      </p:nvGrpSpPr>
+      <p:grpSpPr>
+        <a:xfrm>
+          <a:off x="0" y="0"/>
+          <a:ext cx="0" cy="0"/>
+          <a:chOff x="0" y="0"/>
+          <a:chExt cx="0" cy="0"/>
+        </a:xfrm>
+      </p:grpSpPr>
+      <p:sp>
+        <p:nvSpPr>
+          <p:cNvPr id="4" name="Titre 3"/>
+          <p:cNvSpPr>
+            <a:spLocks noGrp="1"/>
+          </p:cNvSpPr>
+          <p:nvPr>
+            <p:ph type="title"/>
+          </p:nvPr>
+        </p:nvSpPr>
+        <p:spPr/>
+        <p:txBody>
+          <a:bodyPr/>
+          <a:lstStyle/>
+          <a:p>
+            <a:r>
+              <a:rPr lang="fr-FR" dirty="0"/>
+              <a:t>Véhicule autonome Park </a:t>
+            </a:r>
+            <a:r>
+              <a:rPr lang="fr-FR" dirty="0" err="1"/>
+              <a:t>Lab</a:t>
+            </a:r>
+            <a:endParaRPr lang="fr-FR" dirty="0"/>
+          </a:p>
+        </p:txBody>
+      </p:sp>
+      <p:sp>
+        <p:nvSpPr>
+          <p:cNvPr id="6" name="Espace réservé pour une image  5"/>
+          <p:cNvSpPr>
+            <a:spLocks noGrp="1"/>
+          </p:cNvSpPr>
+          <p:nvPr>
+            <p:ph type="pic" idx="1"/>
+          </p:nvPr>
+        </p:nvSpPr>
+        <p:spPr/>
+      </p:sp>
+      <p:sp>
+        <p:nvSpPr>
+          <p:cNvPr id="7" name="Espace réservé du texte 6"/>
+          <p:cNvSpPr>
+            <a:spLocks noGrp="1"/>
+          </p:cNvSpPr>
+          <p:nvPr>
+            <p:ph type="body" sz="half" idx="2"/>
+          </p:nvPr>
+        </p:nvSpPr>
+        <p:spPr>
+          <a:xfrm>
+            <a:off x="5800874" y="1885278"/>
+            <a:ext cx="6195656" cy="4972722"/>
+          </a:xfrm>
+        </p:spPr>
+        <p:txBody>
+          <a:bodyPr/>
+          <a:lstStyle/>
+          <a:p>
+            <a:pPr marL="285750" indent="-285750">
+              <a:buFont typeface="Arial" panose="020B0604020202020204" pitchFamily="34" charset="0"/>
+              <a:buChar char="•"/>
+            </a:pPr>
+            <a:r>
+              <a:rPr lang="fr-FR" dirty="0"/>
+              <a:t>Centrale 2021</a:t>
+            </a:r>
+          </a:p>
+          <a:p>
+            <a:pPr marL="285750" indent="-285750">
+              <a:buFont typeface="Arial" panose="020B0604020202020204" pitchFamily="34" charset="0"/>
+              <a:buChar char="•"/>
+            </a:pPr>
+            <a:endParaRPr lang="fr-FR" dirty="0"/>
+          </a:p>
+        </p:txBody>
+      </p:sp>
+    </p:spTree>
+    <p:extLst>
+      <p:ext uri="{BB962C8B-B14F-4D97-AF65-F5344CB8AC3E}">
+        <p14:creationId xmlns:p14="http://schemas.microsoft.com/office/powerpoint/2010/main" val="3155238446"/>
+      </p:ext>
+    </p:extLst>
+  </p:cSld>
+  <p:clrMapOvr>
+    <a:masterClrMapping/>
+  </p:clrMapOvr>
+</p:sld>
+</file>
+
+<file path=ppt/slides/slide21.xml><?xml version="1.0" encoding="utf-8"?>
+<p:sld xmlns:a="http://schemas.openxmlformats.org/drawingml/2006/main" xmlns:r="http://schemas.openxmlformats.org/officeDocument/2006/relationships" xmlns:p="http://schemas.openxmlformats.org/presentationml/2006/main">
+  <p:cSld>
+    <p:spTree>
+      <p:nvGrpSpPr>
+        <p:cNvPr id="1" name=""/>
+        <p:cNvGrpSpPr/>
+        <p:nvPr/>
+      </p:nvGrpSpPr>
+      <p:grpSpPr>
+        <a:xfrm>
+          <a:off x="0" y="0"/>
+          <a:ext cx="0" cy="0"/>
+          <a:chOff x="0" y="0"/>
+          <a:chExt cx="0" cy="0"/>
+        </a:xfrm>
+      </p:grpSpPr>
+      <p:sp>
+        <p:nvSpPr>
+          <p:cNvPr id="4" name="Titre 3"/>
+          <p:cNvSpPr>
+            <a:spLocks noGrp="1"/>
+          </p:cNvSpPr>
+          <p:nvPr>
+            <p:ph type="title"/>
+          </p:nvPr>
+        </p:nvSpPr>
+        <p:spPr/>
+        <p:txBody>
+          <a:bodyPr/>
+          <a:lstStyle/>
+          <a:p>
+            <a:r>
+              <a:rPr lang="fr-FR" dirty="0"/>
+              <a:t>Compacteur solaire communicant</a:t>
+            </a:r>
+          </a:p>
+        </p:txBody>
+      </p:sp>
+      <p:sp>
+        <p:nvSpPr>
+          <p:cNvPr id="6" name="Espace réservé pour une image  5"/>
+          <p:cNvSpPr>
+            <a:spLocks noGrp="1"/>
+          </p:cNvSpPr>
+          <p:nvPr>
+            <p:ph type="pic" idx="1"/>
+          </p:nvPr>
+        </p:nvSpPr>
+        <p:spPr/>
+      </p:sp>
+      <p:sp>
+        <p:nvSpPr>
+          <p:cNvPr id="7" name="Espace réservé du texte 6"/>
+          <p:cNvSpPr>
+            <a:spLocks noGrp="1"/>
+          </p:cNvSpPr>
+          <p:nvPr>
+            <p:ph type="body" sz="half" idx="2"/>
+          </p:nvPr>
+        </p:nvSpPr>
+        <p:spPr>
+          <a:xfrm>
+            <a:off x="5800874" y="1885278"/>
+            <a:ext cx="6195656" cy="4972722"/>
+          </a:xfrm>
+        </p:spPr>
+        <p:txBody>
+          <a:bodyPr/>
+          <a:lstStyle/>
+          <a:p>
+            <a:pPr marL="285750" indent="-285750">
+              <a:buFont typeface="Arial" panose="020B0604020202020204" pitchFamily="34" charset="0"/>
+              <a:buChar char="•"/>
+            </a:pPr>
+            <a:r>
+              <a:rPr lang="fr-FR" dirty="0"/>
+              <a:t>Centrale 2021</a:t>
+            </a:r>
+          </a:p>
+          <a:p>
+            <a:pPr marL="285750" indent="-285750">
+              <a:buFont typeface="Arial" panose="020B0604020202020204" pitchFamily="34" charset="0"/>
+              <a:buChar char="•"/>
+            </a:pPr>
+            <a:endParaRPr lang="fr-FR" dirty="0"/>
+          </a:p>
+        </p:txBody>
+      </p:sp>
+    </p:spTree>
+    <p:extLst>
+      <p:ext uri="{BB962C8B-B14F-4D97-AF65-F5344CB8AC3E}">
+        <p14:creationId xmlns:p14="http://schemas.microsoft.com/office/powerpoint/2010/main" val="2587353073"/>
+      </p:ext>
+    </p:extLst>
+  </p:cSld>
+  <p:clrMapOvr>
+    <a:masterClrMapping/>
+  </p:clrMapOvr>
+</p:sld>
+</file>
+
+<file path=ppt/slides/slide22.xml><?xml version="1.0" encoding="utf-8"?>
+<p:sld xmlns:a="http://schemas.openxmlformats.org/drawingml/2006/main" xmlns:r="http://schemas.openxmlformats.org/officeDocument/2006/relationships" xmlns:p="http://schemas.openxmlformats.org/presentationml/2006/main">
+  <p:cSld>
+    <p:spTree>
+      <p:nvGrpSpPr>
+        <p:cNvPr id="1" name=""/>
+        <p:cNvGrpSpPr/>
+        <p:nvPr/>
+      </p:nvGrpSpPr>
+      <p:grpSpPr>
+        <a:xfrm>
+          <a:off x="0" y="0"/>
+          <a:ext cx="0" cy="0"/>
+          <a:chOff x="0" y="0"/>
+          <a:chExt cx="0" cy="0"/>
+        </a:xfrm>
+      </p:grpSpPr>
+      <p:sp>
+        <p:nvSpPr>
+          <p:cNvPr id="4" name="Titre 3"/>
+          <p:cNvSpPr>
+            <a:spLocks noGrp="1"/>
+          </p:cNvSpPr>
+          <p:nvPr>
+            <p:ph type="title"/>
+          </p:nvPr>
+        </p:nvSpPr>
+        <p:spPr/>
+        <p:txBody>
+          <a:bodyPr/>
+          <a:lstStyle/>
+          <a:p>
+            <a:r>
+              <a:rPr lang="fr-FR" dirty="0" err="1"/>
+              <a:t>MaxPID</a:t>
+            </a:r>
+            <a:endParaRPr lang="fr-FR" dirty="0"/>
+          </a:p>
+        </p:txBody>
+      </p:sp>
+      <p:sp>
+        <p:nvSpPr>
+          <p:cNvPr id="6" name="Espace réservé pour une image  5"/>
+          <p:cNvSpPr>
+            <a:spLocks noGrp="1"/>
+          </p:cNvSpPr>
+          <p:nvPr>
+            <p:ph type="pic" idx="1"/>
+          </p:nvPr>
+        </p:nvSpPr>
+        <p:spPr/>
+      </p:sp>
+      <p:sp>
+        <p:nvSpPr>
+          <p:cNvPr id="7" name="Espace réservé du texte 6"/>
+          <p:cNvSpPr>
+            <a:spLocks noGrp="1"/>
+          </p:cNvSpPr>
+          <p:nvPr>
+            <p:ph type="body" sz="half" idx="2"/>
+          </p:nvPr>
+        </p:nvSpPr>
+        <p:spPr>
+          <a:xfrm>
+            <a:off x="5800874" y="1885278"/>
+            <a:ext cx="6195656" cy="4972722"/>
+          </a:xfrm>
+        </p:spPr>
+        <p:txBody>
+          <a:bodyPr/>
+          <a:lstStyle/>
+          <a:p>
+            <a:endParaRPr lang="fr-FR" dirty="0"/>
+          </a:p>
+        </p:txBody>
+      </p:sp>
+    </p:spTree>
+    <p:extLst>
+      <p:ext uri="{BB962C8B-B14F-4D97-AF65-F5344CB8AC3E}">
+        <p14:creationId xmlns:p14="http://schemas.microsoft.com/office/powerpoint/2010/main" val="1567886867"/>
+      </p:ext>
+    </p:extLst>
+  </p:cSld>
+  <p:clrMapOvr>
+    <a:masterClrMapping/>
+  </p:clrMapOvr>
+</p:sld>
+</file>
+
+<file path=ppt/slides/slide23.xml><?xml version="1.0" encoding="utf-8"?>
+<p:sld xmlns:a="http://schemas.openxmlformats.org/drawingml/2006/main" xmlns:r="http://schemas.openxmlformats.org/officeDocument/2006/relationships" xmlns:p="http://schemas.openxmlformats.org/presentationml/2006/main">
+  <p:cSld>
+    <p:spTree>
+      <p:nvGrpSpPr>
+        <p:cNvPr id="1" name=""/>
+        <p:cNvGrpSpPr/>
+        <p:nvPr/>
+      </p:nvGrpSpPr>
+      <p:grpSpPr>
+        <a:xfrm>
+          <a:off x="0" y="0"/>
+          <a:ext cx="0" cy="0"/>
+          <a:chOff x="0" y="0"/>
+          <a:chExt cx="0" cy="0"/>
+        </a:xfrm>
+      </p:grpSpPr>
+      <p:sp>
+        <p:nvSpPr>
+          <p:cNvPr id="2" name="Titre 1">
+            <a:extLst>
+              <a:ext uri="{FF2B5EF4-FFF2-40B4-BE49-F238E27FC236}">
+                <a16:creationId xmlns:a16="http://schemas.microsoft.com/office/drawing/2014/main" id="{1F8BF1B8-9FE3-8151-EF68-FA08DF757A35}"/>
+              </a:ext>
+            </a:extLst>
+          </p:cNvPr>
+          <p:cNvSpPr>
+            <a:spLocks noGrp="1"/>
+          </p:cNvSpPr>
+          <p:nvPr>
+            <p:ph type="title"/>
+          </p:nvPr>
+        </p:nvSpPr>
+        <p:spPr/>
+        <p:txBody>
+          <a:bodyPr/>
+          <a:lstStyle/>
+          <a:p>
+            <a:endParaRPr lang="fr-FR"/>
+          </a:p>
+        </p:txBody>
+      </p:sp>
+      <p:sp>
+        <p:nvSpPr>
+          <p:cNvPr id="3" name="Espace réservé du contenu 2">
+            <a:extLst>
+              <a:ext uri="{FF2B5EF4-FFF2-40B4-BE49-F238E27FC236}">
+                <a16:creationId xmlns:a16="http://schemas.microsoft.com/office/drawing/2014/main" id="{908ABD4D-AD2B-1282-5AEE-962ABC2F82F2}"/>
+              </a:ext>
+            </a:extLst>
+          </p:cNvPr>
+          <p:cNvSpPr>
+            <a:spLocks noGrp="1"/>
+          </p:cNvSpPr>
+          <p:nvPr>
+            <p:ph idx="1"/>
+          </p:nvPr>
+        </p:nvSpPr>
+        <p:spPr/>
+        <p:txBody>
+          <a:bodyPr/>
+          <a:lstStyle/>
+          <a:p>
+            <a:endParaRPr lang="fr-FR"/>
+          </a:p>
+        </p:txBody>
+      </p:sp>
+    </p:spTree>
+    <p:extLst>
+      <p:ext uri="{BB962C8B-B14F-4D97-AF65-F5344CB8AC3E}">
+        <p14:creationId xmlns:p14="http://schemas.microsoft.com/office/powerpoint/2010/main" val="2448493360"/>
       </p:ext>
     </p:extLst>
   </p:cSld>
@@ -5416,7 +5095,7 @@
       </p:grpSpPr>
       <p:sp>
         <p:nvSpPr>
-          <p:cNvPr id="2" name="Titre 1"/>
+          <p:cNvPr id="4" name="Titre 3"/>
           <p:cNvSpPr>
             <a:spLocks noGrp="1"/>
           </p:cNvSpPr>
@@ -5431,29 +5110,39 @@
           <a:p>
             <a:r>
               <a:rPr lang="fr-FR" dirty="0"/>
-              <a:t>Modèle de comportement</a:t>
-            </a:r>
-            <a:br>
-              <a:rPr lang="fr-FR" dirty="0"/>
-            </a:br>
-            <a:r>
-              <a:rPr lang="fr-FR" dirty="0"/>
-              <a:t>Comportement linéaire</a:t>
-            </a:r>
-          </a:p>
-        </p:txBody>
-      </p:sp>
-      <p:sp>
-        <p:nvSpPr>
-          <p:cNvPr id="3" name="Espace réservé du contenu 2"/>
-          <p:cNvSpPr>
-            <a:spLocks noGrp="1"/>
-          </p:cNvSpPr>
-          <p:nvPr>
-            <p:ph idx="1"/>
-          </p:nvPr>
-        </p:nvSpPr>
-        <p:spPr/>
+              <a:t>Quelques questions classiques</a:t>
+            </a:r>
+          </a:p>
+        </p:txBody>
+      </p:sp>
+      <p:sp>
+        <p:nvSpPr>
+          <p:cNvPr id="6" name="Espace réservé pour une image  5"/>
+          <p:cNvSpPr>
+            <a:spLocks noGrp="1"/>
+          </p:cNvSpPr>
+          <p:nvPr>
+            <p:ph type="pic" idx="1"/>
+          </p:nvPr>
+        </p:nvSpPr>
+        <p:spPr/>
+      </p:sp>
+      <p:sp>
+        <p:nvSpPr>
+          <p:cNvPr id="7" name="Espace réservé du texte 6"/>
+          <p:cNvSpPr>
+            <a:spLocks noGrp="1"/>
+          </p:cNvSpPr>
+          <p:nvPr>
+            <p:ph type="body" sz="half" idx="2"/>
+          </p:nvPr>
+        </p:nvSpPr>
+        <p:spPr>
+          <a:xfrm>
+            <a:off x="5800874" y="1885278"/>
+            <a:ext cx="6195656" cy="4972722"/>
+          </a:xfrm>
+        </p:spPr>
         <p:txBody>
           <a:bodyPr/>
           <a:lstStyle/>
@@ -5465,7 +5154,7 @@
     </p:spTree>
     <p:extLst>
       <p:ext uri="{BB962C8B-B14F-4D97-AF65-F5344CB8AC3E}">
-        <p14:creationId xmlns:p14="http://schemas.microsoft.com/office/powerpoint/2010/main" val="61539236"/>
+        <p14:creationId xmlns:p14="http://schemas.microsoft.com/office/powerpoint/2010/main" val="1606760964"/>
       </p:ext>
     </p:extLst>
   </p:cSld>
@@ -5494,7 +5183,13 @@
       </p:grpSpPr>
       <p:sp>
         <p:nvSpPr>
-          <p:cNvPr id="2" name="Titre 1"/>
+          <p:cNvPr id="6" name="Titre 5">
+            <a:extLst>
+              <a:ext uri="{FF2B5EF4-FFF2-40B4-BE49-F238E27FC236}">
+                <a16:creationId xmlns:a16="http://schemas.microsoft.com/office/drawing/2014/main" id="{F82268FF-4C93-293D-AD03-BDDB102C2FBC}"/>
+              </a:ext>
+            </a:extLst>
+          </p:cNvPr>
           <p:cNvSpPr>
             <a:spLocks noGrp="1"/>
           </p:cNvSpPr>
@@ -5509,21 +5204,20 @@
           <a:p>
             <a:r>
               <a:rPr lang="fr-FR" dirty="0"/>
-              <a:t>Modèle de comportement</a:t>
-            </a:r>
-            <a:br>
-              <a:rPr lang="fr-FR" dirty="0"/>
-            </a:br>
-            <a:r>
-              <a:rPr lang="fr-FR" dirty="0"/>
-              <a:t>Identification du comportement d’un système d’ordre 1</a:t>
-            </a:r>
-          </a:p>
-        </p:txBody>
-      </p:sp>
-      <p:sp>
-        <p:nvSpPr>
-          <p:cNvPr id="3" name="Espace réservé du contenu 2"/>
+              <a:t>Quelques questions classiques</a:t>
+            </a:r>
+          </a:p>
+        </p:txBody>
+      </p:sp>
+      <p:sp>
+        <p:nvSpPr>
+          <p:cNvPr id="7" name="Espace réservé du contenu 6">
+            <a:extLst>
+              <a:ext uri="{FF2B5EF4-FFF2-40B4-BE49-F238E27FC236}">
+                <a16:creationId xmlns:a16="http://schemas.microsoft.com/office/drawing/2014/main" id="{6C43C52A-F751-0F1E-BBB5-BCD9BBFBD69D}"/>
+              </a:ext>
+            </a:extLst>
+          </p:cNvPr>
           <p:cNvSpPr>
             <a:spLocks noGrp="1"/>
           </p:cNvSpPr>
@@ -5536,14 +5230,70 @@
           <a:bodyPr/>
           <a:lstStyle/>
           <a:p>
-            <a:endParaRPr lang="fr-FR" dirty="0"/>
+            <a:r>
+              <a:rPr lang="fr-FR" dirty="0"/>
+              <a:t>Systèmes</a:t>
+            </a:r>
+          </a:p>
+          <a:p>
+            <a:pPr lvl="1"/>
+            <a:r>
+              <a:rPr lang="fr-FR" dirty="0"/>
+              <a:t>Indiquer quels sont les capteurs présents sur le systèmes réels ? Indiquer les capteurs ajoutés sur le système pédagogique pour faire des mesures annexes ?</a:t>
+            </a:r>
+          </a:p>
+          <a:p>
+            <a:r>
+              <a:rPr lang="fr-FR" dirty="0"/>
+              <a:t>Cinématique</a:t>
+            </a:r>
+          </a:p>
+          <a:p>
+            <a:pPr lvl="1"/>
+            <a:r>
+              <a:rPr lang="fr-FR" dirty="0"/>
+              <a:t>Proposer un modèle de liaison entre pièces.</a:t>
+            </a:r>
+          </a:p>
+          <a:p>
+            <a:r>
+              <a:rPr lang="fr-FR" dirty="0"/>
+              <a:t>Hyperstatisme</a:t>
+            </a:r>
+          </a:p>
+          <a:p>
+            <a:pPr lvl="1"/>
+            <a:r>
+              <a:rPr lang="fr-FR" dirty="0"/>
+              <a:t>Indiquer en quoi il est préférable qu’un mécanisme soit isostatique ? Hyperstatique ?</a:t>
+            </a:r>
+          </a:p>
+          <a:p>
+            <a:r>
+              <a:rPr lang="fr-FR" dirty="0"/>
+              <a:t>Asservissements</a:t>
+            </a:r>
+          </a:p>
+          <a:p>
+            <a:pPr lvl="1"/>
+            <a:r>
+              <a:rPr lang="fr-FR" dirty="0"/>
+              <a:t>Déterminer les performances d’un système.</a:t>
+            </a:r>
+          </a:p>
+          <a:p>
+            <a:pPr lvl="1"/>
+            <a:r>
+              <a:rPr lang="fr-FR" dirty="0"/>
+              <a:t>Donner l’influence d’un correcteur proportionnel ? d’un correcteur intégrale ? d’un correcteur PID ?</a:t>
+            </a:r>
           </a:p>
         </p:txBody>
       </p:sp>
     </p:spTree>
     <p:extLst>
       <p:ext uri="{BB962C8B-B14F-4D97-AF65-F5344CB8AC3E}">
-        <p14:creationId xmlns:p14="http://schemas.microsoft.com/office/powerpoint/2010/main" val="2519183450"/>
+        <p14:creationId xmlns:p14="http://schemas.microsoft.com/office/powerpoint/2010/main" val="2639870661"/>
       </p:ext>
     </p:extLst>
   </p:cSld>
@@ -5572,7 +5322,7 @@
       </p:grpSpPr>
       <p:sp>
         <p:nvSpPr>
-          <p:cNvPr id="2" name="Titre 1"/>
+          <p:cNvPr id="4" name="Titre 3"/>
           <p:cNvSpPr>
             <a:spLocks noGrp="1"/>
           </p:cNvSpPr>
@@ -5586,34 +5336,59 @@
           <a:lstStyle/>
           <a:p>
             <a:r>
-              <a:rPr lang="fr-FR" dirty="0"/>
-              <a:t>Modèle de comportement</a:t>
-            </a:r>
-            <a:br>
-              <a:rPr lang="fr-FR" dirty="0"/>
-            </a:br>
-            <a:r>
-              <a:rPr lang="fr-FR" dirty="0"/>
-              <a:t>Identification du comportement d’un système d’ordre 2</a:t>
-            </a:r>
-          </a:p>
-        </p:txBody>
-      </p:sp>
-      <p:sp>
-        <p:nvSpPr>
-          <p:cNvPr id="3" name="Espace réservé du contenu 2"/>
-          <p:cNvSpPr>
-            <a:spLocks noGrp="1"/>
-          </p:cNvSpPr>
-          <p:nvPr>
-            <p:ph idx="1"/>
-          </p:nvPr>
-        </p:nvSpPr>
-        <p:spPr/>
-        <p:txBody>
-          <a:bodyPr/>
-          <a:lstStyle/>
-          <a:p>
+              <a:rPr lang="fr-FR" dirty="0" err="1"/>
+              <a:t>BGR</a:t>
+            </a:r>
+            <a:endParaRPr lang="fr-FR" dirty="0"/>
+          </a:p>
+        </p:txBody>
+      </p:sp>
+      <p:sp>
+        <p:nvSpPr>
+          <p:cNvPr id="6" name="Espace réservé pour une image  5"/>
+          <p:cNvSpPr>
+            <a:spLocks noGrp="1"/>
+          </p:cNvSpPr>
+          <p:nvPr>
+            <p:ph type="pic" idx="1"/>
+          </p:nvPr>
+        </p:nvSpPr>
+        <p:spPr/>
+      </p:sp>
+      <p:sp>
+        <p:nvSpPr>
+          <p:cNvPr id="7" name="Espace réservé du texte 6"/>
+          <p:cNvSpPr>
+            <a:spLocks noGrp="1"/>
+          </p:cNvSpPr>
+          <p:nvPr>
+            <p:ph type="body" sz="half" idx="2"/>
+          </p:nvPr>
+        </p:nvSpPr>
+        <p:spPr>
+          <a:xfrm>
+            <a:off x="5800874" y="1885278"/>
+            <a:ext cx="6195656" cy="4972722"/>
+          </a:xfrm>
+        </p:spPr>
+        <p:txBody>
+          <a:bodyPr/>
+          <a:lstStyle/>
+          <a:p>
+            <a:pPr marL="285750" indent="-285750">
+              <a:buFont typeface="Arial" panose="020B0604020202020204" pitchFamily="34" charset="0"/>
+              <a:buChar char="•"/>
+            </a:pPr>
+            <a:r>
+              <a:rPr lang="fr-FR" dirty="0"/>
+              <a:t>Centrale 2021</a:t>
+            </a:r>
+          </a:p>
+          <a:p>
+            <a:pPr marL="285750" indent="-285750">
+              <a:buFont typeface="Arial" panose="020B0604020202020204" pitchFamily="34" charset="0"/>
+              <a:buChar char="•"/>
+            </a:pPr>
             <a:endParaRPr lang="fr-FR" dirty="0"/>
           </a:p>
         </p:txBody>
@@ -5621,7 +5396,7 @@
     </p:spTree>
     <p:extLst>
       <p:ext uri="{BB962C8B-B14F-4D97-AF65-F5344CB8AC3E}">
-        <p14:creationId xmlns:p14="http://schemas.microsoft.com/office/powerpoint/2010/main" val="4207868647"/>
+        <p14:creationId xmlns:p14="http://schemas.microsoft.com/office/powerpoint/2010/main" val="3813232152"/>
       </p:ext>
     </p:extLst>
   </p:cSld>
@@ -5650,34 +5425,6 @@
       </p:grpSpPr>
       <p:sp>
         <p:nvSpPr>
-          <p:cNvPr id="12" name="Rectangle 11"/>
-          <p:cNvSpPr/>
-          <p:nvPr/>
-        </p:nvSpPr>
-        <p:spPr>
-          <a:xfrm>
-            <a:off x="224589" y="5287561"/>
-            <a:ext cx="4860758" cy="923330"/>
-          </a:xfrm>
-          <a:prstGeom prst="rect">
-            <a:avLst/>
-          </a:prstGeom>
-        </p:spPr>
-        <p:txBody>
-          <a:bodyPr wrap="square">
-            <a:spAutoFit/>
-          </a:bodyPr>
-          <a:lstStyle/>
-          <a:p>
-            <a:r>
-              <a:rPr lang="fr-FR" dirty="0"/>
-              <a:t>https://upload.wikimedia.org/wikipedia/commons/a/ad/Foucault_gyroscope-CnAM_7688-IMG_5428-gradient.jpg</a:t>
-            </a:r>
-          </a:p>
-        </p:txBody>
-      </p:sp>
-      <p:sp>
-        <p:nvSpPr>
           <p:cNvPr id="4" name="Titre 3"/>
           <p:cNvSpPr>
             <a:spLocks noGrp="1"/>
@@ -5693,46 +5440,30 @@
           <a:p>
             <a:r>
               <a:rPr lang="fr-FR" dirty="0"/>
-              <a:t>Moment d’inertie</a:t>
+              <a:t>Bras à retour d’effort</a:t>
             </a:r>
             <a:br>
               <a:rPr lang="fr-FR" dirty="0"/>
             </a:br>
             <a:r>
               <a:rPr lang="fr-FR" dirty="0"/>
-              <a:t>Inertie équivalente</a:t>
-            </a:r>
-          </a:p>
-        </p:txBody>
-      </p:sp>
-      <p:pic>
-        <p:nvPicPr>
-          <p:cNvPr id="11" name="Espace réservé pour une image  10"/>
-          <p:cNvPicPr>
-            <a:picLocks noGrp="1" noChangeAspect="1"/>
-          </p:cNvPicPr>
+              <a:t>Robot haptique ?</a:t>
+            </a:r>
+          </a:p>
+        </p:txBody>
+      </p:sp>
+      <p:sp>
+        <p:nvSpPr>
+          <p:cNvPr id="6" name="Espace réservé pour une image  5"/>
+          <p:cNvSpPr>
+            <a:spLocks noGrp="1"/>
+          </p:cNvSpPr>
           <p:nvPr>
             <p:ph type="pic" idx="1"/>
           </p:nvPr>
-        </p:nvPicPr>
-        <p:blipFill rotWithShape="1">
-          <a:blip r:embed="rId2" cstate="print">
-            <a:extLst>
-              <a:ext uri="{28A0092B-C50C-407E-A947-70E740481C1C}">
-                <a14:useLocalDpi xmlns:a14="http://schemas.microsoft.com/office/drawing/2010/main" val="0"/>
-              </a:ext>
-            </a:extLst>
-          </a:blip>
-          <a:srcRect l="21364" t="12788" r="20468" b="11817"/>
-          <a:stretch/>
-        </p:blipFill>
-        <p:spPr>
-          <a:xfrm>
-            <a:off x="0" y="0"/>
-            <a:ext cx="5309936" cy="6882063"/>
-          </a:xfrm>
-        </p:spPr>
-      </p:pic>
+        </p:nvSpPr>
+        <p:spPr/>
+      </p:sp>
       <p:sp>
         <p:nvSpPr>
           <p:cNvPr id="7" name="Espace réservé du texte 6"/>
@@ -5743,19 +5474,38 @@
             <p:ph type="body" sz="half" idx="2"/>
           </p:nvPr>
         </p:nvSpPr>
-        <p:spPr/>
-        <p:txBody>
-          <a:bodyPr/>
-          <a:lstStyle/>
-          <a:p>
-            <a:endParaRPr lang="fr-FR"/>
+        <p:spPr>
+          <a:xfrm>
+            <a:off x="5800874" y="1885278"/>
+            <a:ext cx="6195656" cy="4972722"/>
+          </a:xfrm>
+        </p:spPr>
+        <p:txBody>
+          <a:bodyPr/>
+          <a:lstStyle/>
+          <a:p>
+            <a:pPr marL="285750" indent="-285750">
+              <a:buFont typeface="Arial" panose="020B0604020202020204" pitchFamily="34" charset="0"/>
+              <a:buChar char="•"/>
+            </a:pPr>
+            <a:r>
+              <a:rPr lang="fr-FR" dirty="0"/>
+              <a:t>Centrale 2021</a:t>
+            </a:r>
+          </a:p>
+          <a:p>
+            <a:pPr marL="285750" indent="-285750">
+              <a:buFont typeface="Arial" panose="020B0604020202020204" pitchFamily="34" charset="0"/>
+              <a:buChar char="•"/>
+            </a:pPr>
+            <a:endParaRPr lang="fr-FR" dirty="0"/>
           </a:p>
         </p:txBody>
       </p:sp>
     </p:spTree>
     <p:extLst>
       <p:ext uri="{BB962C8B-B14F-4D97-AF65-F5344CB8AC3E}">
-        <p14:creationId xmlns:p14="http://schemas.microsoft.com/office/powerpoint/2010/main" val="2670932415"/>
+        <p14:creationId xmlns:p14="http://schemas.microsoft.com/office/powerpoint/2010/main" val="3409292428"/>
       </p:ext>
     </p:extLst>
   </p:cSld>
@@ -5784,7 +5534,7 @@
       </p:grpSpPr>
       <p:sp>
         <p:nvSpPr>
-          <p:cNvPr id="2" name="Titre 1"/>
+          <p:cNvPr id="4" name="Titre 3"/>
           <p:cNvSpPr>
             <a:spLocks noGrp="1"/>
           </p:cNvSpPr>
@@ -5799,41 +5549,65 @@
           <a:p>
             <a:r>
               <a:rPr lang="fr-FR" dirty="0"/>
-              <a:t>Détermination d’un moment d’inertie</a:t>
-            </a:r>
-            <a:br>
-              <a:rPr lang="fr-FR" dirty="0"/>
-            </a:br>
-            <a:r>
-              <a:rPr lang="fr-FR" dirty="0"/>
-              <a:t>Inertie d’une pièce – Oscillations libres</a:t>
-            </a:r>
-          </a:p>
-        </p:txBody>
-      </p:sp>
-      <p:sp>
-        <p:nvSpPr>
-          <p:cNvPr id="3" name="Espace réservé du contenu 2"/>
-          <p:cNvSpPr>
-            <a:spLocks noGrp="1"/>
-          </p:cNvSpPr>
-          <p:nvPr>
-            <p:ph idx="1"/>
-          </p:nvPr>
-        </p:nvSpPr>
-        <p:spPr/>
-        <p:txBody>
-          <a:bodyPr/>
-          <a:lstStyle/>
-          <a:p>
-            <a:endParaRPr lang="fr-FR"/>
+              <a:t>Compacteur solaire communicant</a:t>
+            </a:r>
+          </a:p>
+        </p:txBody>
+      </p:sp>
+      <p:sp>
+        <p:nvSpPr>
+          <p:cNvPr id="6" name="Espace réservé pour une image  5"/>
+          <p:cNvSpPr>
+            <a:spLocks noGrp="1"/>
+          </p:cNvSpPr>
+          <p:nvPr>
+            <p:ph type="pic" idx="1"/>
+          </p:nvPr>
+        </p:nvSpPr>
+        <p:spPr/>
+      </p:sp>
+      <p:sp>
+        <p:nvSpPr>
+          <p:cNvPr id="7" name="Espace réservé du texte 6"/>
+          <p:cNvSpPr>
+            <a:spLocks noGrp="1"/>
+          </p:cNvSpPr>
+          <p:nvPr>
+            <p:ph type="body" sz="half" idx="2"/>
+          </p:nvPr>
+        </p:nvSpPr>
+        <p:spPr>
+          <a:xfrm>
+            <a:off x="5800874" y="1885278"/>
+            <a:ext cx="6195656" cy="4972722"/>
+          </a:xfrm>
+        </p:spPr>
+        <p:txBody>
+          <a:bodyPr/>
+          <a:lstStyle/>
+          <a:p>
+            <a:pPr marL="285750" indent="-285750">
+              <a:buFont typeface="Arial" panose="020B0604020202020204" pitchFamily="34" charset="0"/>
+              <a:buChar char="•"/>
+            </a:pPr>
+            <a:r>
+              <a:rPr lang="fr-FR" dirty="0"/>
+              <a:t>Centrale 2021</a:t>
+            </a:r>
+          </a:p>
+          <a:p>
+            <a:pPr marL="285750" indent="-285750">
+              <a:buFont typeface="Arial" panose="020B0604020202020204" pitchFamily="34" charset="0"/>
+              <a:buChar char="•"/>
+            </a:pPr>
+            <a:endParaRPr lang="fr-FR" dirty="0"/>
           </a:p>
         </p:txBody>
       </p:sp>
     </p:spTree>
     <p:extLst>
       <p:ext uri="{BB962C8B-B14F-4D97-AF65-F5344CB8AC3E}">
-        <p14:creationId xmlns:p14="http://schemas.microsoft.com/office/powerpoint/2010/main" val="935404769"/>
+        <p14:creationId xmlns:p14="http://schemas.microsoft.com/office/powerpoint/2010/main" val="2481774030"/>
       </p:ext>
     </p:extLst>
   </p:cSld>
@@ -5862,7 +5636,7 @@
       </p:grpSpPr>
       <p:sp>
         <p:nvSpPr>
-          <p:cNvPr id="2" name="Titre 1"/>
+          <p:cNvPr id="4" name="Titre 3"/>
           <p:cNvSpPr>
             <a:spLocks noGrp="1"/>
           </p:cNvSpPr>
@@ -5877,41 +5651,72 @@
           <a:p>
             <a:r>
               <a:rPr lang="fr-FR" dirty="0"/>
-              <a:t>Détermination d’un moment d’inertie</a:t>
+              <a:t>Drone Didactique</a:t>
             </a:r>
             <a:br>
               <a:rPr lang="fr-FR" dirty="0"/>
             </a:br>
             <a:r>
               <a:rPr lang="fr-FR" dirty="0"/>
-              <a:t>Inertie d’une pièce – Oscillations forcées</a:t>
-            </a:r>
-          </a:p>
-        </p:txBody>
-      </p:sp>
-      <p:sp>
-        <p:nvSpPr>
-          <p:cNvPr id="3" name="Espace réservé du contenu 2"/>
-          <p:cNvSpPr>
-            <a:spLocks noGrp="1"/>
-          </p:cNvSpPr>
-          <p:nvPr>
-            <p:ph idx="1"/>
-          </p:nvPr>
-        </p:nvSpPr>
-        <p:spPr/>
-        <p:txBody>
-          <a:bodyPr/>
-          <a:lstStyle/>
-          <a:p>
-            <a:endParaRPr lang="fr-FR"/>
+              <a:t>D2C ?</a:t>
+            </a:r>
+          </a:p>
+        </p:txBody>
+      </p:sp>
+      <p:sp>
+        <p:nvSpPr>
+          <p:cNvPr id="6" name="Espace réservé pour une image  5"/>
+          <p:cNvSpPr>
+            <a:spLocks noGrp="1"/>
+          </p:cNvSpPr>
+          <p:nvPr>
+            <p:ph type="pic" idx="1"/>
+          </p:nvPr>
+        </p:nvSpPr>
+        <p:spPr/>
+      </p:sp>
+      <p:sp>
+        <p:nvSpPr>
+          <p:cNvPr id="7" name="Espace réservé du texte 6"/>
+          <p:cNvSpPr>
+            <a:spLocks noGrp="1"/>
+          </p:cNvSpPr>
+          <p:nvPr>
+            <p:ph type="body" sz="half" idx="2"/>
+          </p:nvPr>
+        </p:nvSpPr>
+        <p:spPr>
+          <a:xfrm>
+            <a:off x="5800874" y="1885278"/>
+            <a:ext cx="6195656" cy="4972722"/>
+          </a:xfrm>
+        </p:spPr>
+        <p:txBody>
+          <a:bodyPr/>
+          <a:lstStyle/>
+          <a:p>
+            <a:pPr marL="285750" indent="-285750">
+              <a:buFont typeface="Arial" panose="020B0604020202020204" pitchFamily="34" charset="0"/>
+              <a:buChar char="•"/>
+            </a:pPr>
+            <a:r>
+              <a:rPr lang="fr-FR" dirty="0"/>
+              <a:t>Centrale 2021</a:t>
+            </a:r>
+          </a:p>
+          <a:p>
+            <a:pPr marL="285750" indent="-285750">
+              <a:buFont typeface="Arial" panose="020B0604020202020204" pitchFamily="34" charset="0"/>
+              <a:buChar char="•"/>
+            </a:pPr>
+            <a:endParaRPr lang="fr-FR" dirty="0"/>
           </a:p>
         </p:txBody>
       </p:sp>
     </p:spTree>
     <p:extLst>
       <p:ext uri="{BB962C8B-B14F-4D97-AF65-F5344CB8AC3E}">
-        <p14:creationId xmlns:p14="http://schemas.microsoft.com/office/powerpoint/2010/main" val="3290701058"/>
+        <p14:creationId xmlns:p14="http://schemas.microsoft.com/office/powerpoint/2010/main" val="3490313984"/>
       </p:ext>
     </p:extLst>
   </p:cSld>
@@ -5940,7 +5745,7 @@
       </p:grpSpPr>
       <p:sp>
         <p:nvSpPr>
-          <p:cNvPr id="2" name="Titre 1"/>
+          <p:cNvPr id="4" name="Titre 3"/>
           <p:cNvSpPr>
             <a:spLocks noGrp="1"/>
           </p:cNvSpPr>
@@ -5955,34 +5760,69 @@
           <a:p>
             <a:r>
               <a:rPr lang="fr-FR" dirty="0"/>
-              <a:t>Détermination de l’inertie équivalente d’un ensemble de pièces</a:t>
-            </a:r>
-          </a:p>
-        </p:txBody>
-      </p:sp>
-      <p:sp>
-        <p:nvSpPr>
-          <p:cNvPr id="3" name="Espace réservé du contenu 2"/>
-          <p:cNvSpPr>
-            <a:spLocks noGrp="1"/>
-          </p:cNvSpPr>
-          <p:nvPr>
-            <p:ph idx="1"/>
-          </p:nvPr>
-        </p:nvSpPr>
-        <p:spPr/>
-        <p:txBody>
-          <a:bodyPr/>
-          <a:lstStyle/>
-          <a:p>
-            <a:endParaRPr lang="fr-FR"/>
+              <a:t>Hoverboard ?</a:t>
+            </a:r>
+            <a:br>
+              <a:rPr lang="fr-FR" dirty="0"/>
+            </a:br>
+            <a:endParaRPr lang="fr-FR" dirty="0"/>
+          </a:p>
+        </p:txBody>
+      </p:sp>
+      <p:sp>
+        <p:nvSpPr>
+          <p:cNvPr id="6" name="Espace réservé pour une image  5"/>
+          <p:cNvSpPr>
+            <a:spLocks noGrp="1"/>
+          </p:cNvSpPr>
+          <p:nvPr>
+            <p:ph type="pic" idx="1"/>
+          </p:nvPr>
+        </p:nvSpPr>
+        <p:spPr/>
+      </p:sp>
+      <p:sp>
+        <p:nvSpPr>
+          <p:cNvPr id="7" name="Espace réservé du texte 6"/>
+          <p:cNvSpPr>
+            <a:spLocks noGrp="1"/>
+          </p:cNvSpPr>
+          <p:nvPr>
+            <p:ph type="body" sz="half" idx="2"/>
+          </p:nvPr>
+        </p:nvSpPr>
+        <p:spPr>
+          <a:xfrm>
+            <a:off x="5800874" y="1885278"/>
+            <a:ext cx="6195656" cy="4972722"/>
+          </a:xfrm>
+        </p:spPr>
+        <p:txBody>
+          <a:bodyPr/>
+          <a:lstStyle/>
+          <a:p>
+            <a:pPr marL="285750" indent="-285750">
+              <a:buFont typeface="Arial" panose="020B0604020202020204" pitchFamily="34" charset="0"/>
+              <a:buChar char="•"/>
+            </a:pPr>
+            <a:r>
+              <a:rPr lang="fr-FR" dirty="0"/>
+              <a:t>Centrale 2021</a:t>
+            </a:r>
+          </a:p>
+          <a:p>
+            <a:pPr marL="285750" indent="-285750">
+              <a:buFont typeface="Arial" panose="020B0604020202020204" pitchFamily="34" charset="0"/>
+              <a:buChar char="•"/>
+            </a:pPr>
+            <a:endParaRPr lang="fr-FR" dirty="0"/>
           </a:p>
         </p:txBody>
       </p:sp>
     </p:spTree>
     <p:extLst>
       <p:ext uri="{BB962C8B-B14F-4D97-AF65-F5344CB8AC3E}">
-        <p14:creationId xmlns:p14="http://schemas.microsoft.com/office/powerpoint/2010/main" val="3737353599"/>
+        <p14:creationId xmlns:p14="http://schemas.microsoft.com/office/powerpoint/2010/main" val="452833039"/>
       </p:ext>
     </p:extLst>
   </p:cSld>

--- a/B_Fiches_Protocoles/FichesSystemes.pptx
+++ b/B_Fiches_Protocoles/FichesSystemes.pptx
@@ -6,28 +6,45 @@
   </p:sldMasterIdLst>
   <p:sldIdLst>
     <p:sldId id="256" r:id="rId2"/>
-    <p:sldId id="266" r:id="rId3"/>
-    <p:sldId id="295" r:id="rId4"/>
-    <p:sldId id="296" r:id="rId5"/>
-    <p:sldId id="277" r:id="rId6"/>
+    <p:sldId id="295" r:id="rId3"/>
+    <p:sldId id="296" r:id="rId4"/>
+    <p:sldId id="277" r:id="rId5"/>
+    <p:sldId id="297" r:id="rId6"/>
     <p:sldId id="279" r:id="rId7"/>
-    <p:sldId id="280" r:id="rId8"/>
-    <p:sldId id="281" r:id="rId9"/>
-    <p:sldId id="282" r:id="rId10"/>
-    <p:sldId id="283" r:id="rId11"/>
-    <p:sldId id="284" r:id="rId12"/>
-    <p:sldId id="286" r:id="rId13"/>
-    <p:sldId id="285" r:id="rId14"/>
-    <p:sldId id="288" r:id="rId15"/>
-    <p:sldId id="289" r:id="rId16"/>
-    <p:sldId id="290" r:id="rId17"/>
-    <p:sldId id="291" r:id="rId18"/>
-    <p:sldId id="292" r:id="rId19"/>
-    <p:sldId id="293" r:id="rId20"/>
-    <p:sldId id="294" r:id="rId21"/>
-    <p:sldId id="287" r:id="rId22"/>
-    <p:sldId id="278" r:id="rId23"/>
-    <p:sldId id="275" r:id="rId24"/>
+    <p:sldId id="298" r:id="rId8"/>
+    <p:sldId id="280" r:id="rId9"/>
+    <p:sldId id="299" r:id="rId10"/>
+    <p:sldId id="281" r:id="rId11"/>
+    <p:sldId id="300" r:id="rId12"/>
+    <p:sldId id="282" r:id="rId13"/>
+    <p:sldId id="301" r:id="rId14"/>
+    <p:sldId id="283" r:id="rId15"/>
+    <p:sldId id="302" r:id="rId16"/>
+    <p:sldId id="303" r:id="rId17"/>
+    <p:sldId id="284" r:id="rId18"/>
+    <p:sldId id="304" r:id="rId19"/>
+    <p:sldId id="286" r:id="rId20"/>
+    <p:sldId id="305" r:id="rId21"/>
+    <p:sldId id="285" r:id="rId22"/>
+    <p:sldId id="306" r:id="rId23"/>
+    <p:sldId id="288" r:id="rId24"/>
+    <p:sldId id="307" r:id="rId25"/>
+    <p:sldId id="289" r:id="rId26"/>
+    <p:sldId id="308" r:id="rId27"/>
+    <p:sldId id="290" r:id="rId28"/>
+    <p:sldId id="309" r:id="rId29"/>
+    <p:sldId id="291" r:id="rId30"/>
+    <p:sldId id="310" r:id="rId31"/>
+    <p:sldId id="292" r:id="rId32"/>
+    <p:sldId id="311" r:id="rId33"/>
+    <p:sldId id="293" r:id="rId34"/>
+    <p:sldId id="294" r:id="rId35"/>
+    <p:sldId id="312" r:id="rId36"/>
+    <p:sldId id="287" r:id="rId37"/>
+    <p:sldId id="313" r:id="rId38"/>
+    <p:sldId id="278" r:id="rId39"/>
+    <p:sldId id="314" r:id="rId40"/>
+    <p:sldId id="275" r:id="rId41"/>
   </p:sldIdLst>
   <p:sldSz cx="12192000" cy="6858000"/>
   <p:notesSz cx="6858000" cy="9144000"/>
@@ -3542,22 +3559,14 @@
           <a:p>
             <a:r>
               <a:rPr lang="fr-FR" dirty="0"/>
-              <a:t>Imprimante 3D</a:t>
+              <a:t>Drone Didactique</a:t>
             </a:r>
             <a:br>
               <a:rPr lang="fr-FR" dirty="0"/>
             </a:br>
             <a:r>
               <a:rPr lang="fr-FR" dirty="0"/>
-              <a:t>I3D </a:t>
-            </a:r>
-            <a:r>
-              <a:rPr lang="fr-FR" dirty="0" err="1"/>
-              <a:t>Didastel</a:t>
-            </a:r>
-            <a:r>
-              <a:rPr lang="fr-FR" dirty="0"/>
-              <a:t> ?</a:t>
+              <a:t>D2C ?</a:t>
             </a:r>
           </a:p>
         </p:txBody>
@@ -3615,7 +3624,7 @@
     </p:spTree>
     <p:extLst>
       <p:ext uri="{BB962C8B-B14F-4D97-AF65-F5344CB8AC3E}">
-        <p14:creationId xmlns:p14="http://schemas.microsoft.com/office/powerpoint/2010/main" val="3100325458"/>
+        <p14:creationId xmlns:p14="http://schemas.microsoft.com/office/powerpoint/2010/main" val="3490313984"/>
       </p:ext>
     </p:extLst>
   </p:cSld>
@@ -3644,7 +3653,13 @@
       </p:grpSpPr>
       <p:sp>
         <p:nvSpPr>
-          <p:cNvPr id="4" name="Titre 3"/>
+          <p:cNvPr id="5" name="Titre 4">
+            <a:extLst>
+              <a:ext uri="{FF2B5EF4-FFF2-40B4-BE49-F238E27FC236}">
+                <a16:creationId xmlns:a16="http://schemas.microsoft.com/office/drawing/2014/main" id="{32C87908-0B8D-63AB-2D3B-E276DA002F84}"/>
+              </a:ext>
+            </a:extLst>
+          </p:cNvPr>
           <p:cNvSpPr>
             <a:spLocks noGrp="1"/>
           </p:cNvSpPr>
@@ -3659,80 +3674,40 @@
           <a:p>
             <a:r>
               <a:rPr lang="fr-FR" dirty="0"/>
-              <a:t>Nacelle gyrostabilisée </a:t>
-            </a:r>
-            <a:br>
-              <a:rPr lang="fr-FR" dirty="0"/>
-            </a:br>
-            <a:r>
-              <a:rPr lang="fr-FR" dirty="0"/>
-              <a:t>?? Nacelle </a:t>
-            </a:r>
-            <a:r>
-              <a:rPr lang="fr-FR" dirty="0" err="1"/>
-              <a:t>ERM</a:t>
-            </a:r>
-            <a:r>
-              <a:rPr lang="fr-FR" dirty="0"/>
-              <a:t> ??</a:t>
-            </a:r>
-          </a:p>
-        </p:txBody>
-      </p:sp>
-      <p:sp>
-        <p:nvSpPr>
-          <p:cNvPr id="6" name="Espace réservé pour une image  5"/>
-          <p:cNvSpPr>
-            <a:spLocks noGrp="1"/>
-          </p:cNvSpPr>
-          <p:nvPr>
-            <p:ph type="pic" idx="1"/>
-          </p:nvPr>
-        </p:nvSpPr>
-        <p:spPr/>
-      </p:sp>
-      <p:sp>
-        <p:nvSpPr>
-          <p:cNvPr id="7" name="Espace réservé du texte 6"/>
-          <p:cNvSpPr>
-            <a:spLocks noGrp="1"/>
-          </p:cNvSpPr>
-          <p:nvPr>
-            <p:ph type="body" sz="half" idx="2"/>
-          </p:nvPr>
-        </p:nvSpPr>
-        <p:spPr>
-          <a:xfrm>
-            <a:off x="5800874" y="1885278"/>
-            <a:ext cx="6195656" cy="4972722"/>
-          </a:xfrm>
-        </p:spPr>
-        <p:txBody>
-          <a:bodyPr/>
-          <a:lstStyle/>
-          <a:p>
-            <a:pPr marL="285750" indent="-285750">
-              <a:buFont typeface="Arial" panose="020B0604020202020204" pitchFamily="34" charset="0"/>
-              <a:buChar char="•"/>
-            </a:pPr>
-            <a:r>
-              <a:rPr lang="fr-FR" dirty="0"/>
-              <a:t>Centrale 2021</a:t>
-            </a:r>
-          </a:p>
-          <a:p>
-            <a:pPr marL="285750" indent="-285750">
-              <a:buFont typeface="Arial" panose="020B0604020202020204" pitchFamily="34" charset="0"/>
-              <a:buChar char="•"/>
-            </a:pPr>
-            <a:endParaRPr lang="fr-FR" dirty="0"/>
+              <a:t>Chaine fonctionnelle</a:t>
+            </a:r>
+          </a:p>
+        </p:txBody>
+      </p:sp>
+      <p:sp>
+        <p:nvSpPr>
+          <p:cNvPr id="6" name="Espace réservé du contenu 5">
+            <a:extLst>
+              <a:ext uri="{FF2B5EF4-FFF2-40B4-BE49-F238E27FC236}">
+                <a16:creationId xmlns:a16="http://schemas.microsoft.com/office/drawing/2014/main" id="{BB7E0468-ABBC-488B-4C5A-D9A1AABBE3CD}"/>
+              </a:ext>
+            </a:extLst>
+          </p:cNvPr>
+          <p:cNvSpPr>
+            <a:spLocks noGrp="1"/>
+          </p:cNvSpPr>
+          <p:nvPr>
+            <p:ph idx="1"/>
+          </p:nvPr>
+        </p:nvSpPr>
+        <p:spPr/>
+        <p:txBody>
+          <a:bodyPr/>
+          <a:lstStyle/>
+          <a:p>
+            <a:endParaRPr lang="fr-FR"/>
           </a:p>
         </p:txBody>
       </p:sp>
     </p:spTree>
     <p:extLst>
       <p:ext uri="{BB962C8B-B14F-4D97-AF65-F5344CB8AC3E}">
-        <p14:creationId xmlns:p14="http://schemas.microsoft.com/office/powerpoint/2010/main" val="2302313103"/>
+        <p14:creationId xmlns:p14="http://schemas.microsoft.com/office/powerpoint/2010/main" val="895146230"/>
       </p:ext>
     </p:extLst>
   </p:cSld>
@@ -3776,23 +3751,11 @@
           <a:p>
             <a:r>
               <a:rPr lang="fr-FR" dirty="0"/>
-              <a:t>Nacelle gyrostabilisée </a:t>
+              <a:t>Hoverboard ?</a:t>
             </a:r>
             <a:br>
               <a:rPr lang="fr-FR" dirty="0"/>
             </a:br>
-            <a:r>
-              <a:rPr lang="fr-FR" dirty="0"/>
-              <a:t>?? Nacelle </a:t>
-            </a:r>
-            <a:r>
-              <a:rPr lang="fr-FR" dirty="0" err="1"/>
-              <a:t>ERM</a:t>
-            </a:r>
-            <a:r>
-              <a:rPr lang="fr-FR"/>
-              <a:t> ??</a:t>
-            </a:r>
             <a:endParaRPr lang="fr-FR" dirty="0"/>
           </a:p>
         </p:txBody>
@@ -3850,7 +3813,7 @@
     </p:spTree>
     <p:extLst>
       <p:ext uri="{BB962C8B-B14F-4D97-AF65-F5344CB8AC3E}">
-        <p14:creationId xmlns:p14="http://schemas.microsoft.com/office/powerpoint/2010/main" val="1651799315"/>
+        <p14:creationId xmlns:p14="http://schemas.microsoft.com/office/powerpoint/2010/main" val="452833039"/>
       </p:ext>
     </p:extLst>
   </p:cSld>
@@ -3879,7 +3842,13 @@
       </p:grpSpPr>
       <p:sp>
         <p:nvSpPr>
-          <p:cNvPr id="4" name="Titre 3"/>
+          <p:cNvPr id="5" name="Titre 4">
+            <a:extLst>
+              <a:ext uri="{FF2B5EF4-FFF2-40B4-BE49-F238E27FC236}">
+                <a16:creationId xmlns:a16="http://schemas.microsoft.com/office/drawing/2014/main" id="{32C87908-0B8D-63AB-2D3B-E276DA002F84}"/>
+              </a:ext>
+            </a:extLst>
+          </p:cNvPr>
           <p:cNvSpPr>
             <a:spLocks noGrp="1"/>
           </p:cNvSpPr>
@@ -3894,72 +3863,40 @@
           <a:p>
             <a:r>
               <a:rPr lang="fr-FR" dirty="0"/>
-              <a:t>Robot à câbles</a:t>
-            </a:r>
-            <a:br>
-              <a:rPr lang="fr-FR" dirty="0"/>
-            </a:br>
-            <a:r>
-              <a:rPr lang="fr-FR" dirty="0"/>
-              <a:t>RC4 ?</a:t>
-            </a:r>
-          </a:p>
-        </p:txBody>
-      </p:sp>
-      <p:sp>
-        <p:nvSpPr>
-          <p:cNvPr id="6" name="Espace réservé pour une image  5"/>
-          <p:cNvSpPr>
-            <a:spLocks noGrp="1"/>
-          </p:cNvSpPr>
-          <p:nvPr>
-            <p:ph type="pic" idx="1"/>
-          </p:nvPr>
-        </p:nvSpPr>
-        <p:spPr/>
-      </p:sp>
-      <p:sp>
-        <p:nvSpPr>
-          <p:cNvPr id="7" name="Espace réservé du texte 6"/>
-          <p:cNvSpPr>
-            <a:spLocks noGrp="1"/>
-          </p:cNvSpPr>
-          <p:nvPr>
-            <p:ph type="body" sz="half" idx="2"/>
-          </p:nvPr>
-        </p:nvSpPr>
-        <p:spPr>
-          <a:xfrm>
-            <a:off x="5800874" y="1885278"/>
-            <a:ext cx="6195656" cy="4972722"/>
-          </a:xfrm>
-        </p:spPr>
-        <p:txBody>
-          <a:bodyPr/>
-          <a:lstStyle/>
-          <a:p>
-            <a:pPr marL="285750" indent="-285750">
-              <a:buFont typeface="Arial" panose="020B0604020202020204" pitchFamily="34" charset="0"/>
-              <a:buChar char="•"/>
-            </a:pPr>
-            <a:r>
-              <a:rPr lang="fr-FR" dirty="0"/>
-              <a:t>Centrale 2021</a:t>
-            </a:r>
-          </a:p>
-          <a:p>
-            <a:pPr marL="285750" indent="-285750">
-              <a:buFont typeface="Arial" panose="020B0604020202020204" pitchFamily="34" charset="0"/>
-              <a:buChar char="•"/>
-            </a:pPr>
-            <a:endParaRPr lang="fr-FR" dirty="0"/>
+              <a:t>Chaine fonctionnelle</a:t>
+            </a:r>
+          </a:p>
+        </p:txBody>
+      </p:sp>
+      <p:sp>
+        <p:nvSpPr>
+          <p:cNvPr id="6" name="Espace réservé du contenu 5">
+            <a:extLst>
+              <a:ext uri="{FF2B5EF4-FFF2-40B4-BE49-F238E27FC236}">
+                <a16:creationId xmlns:a16="http://schemas.microsoft.com/office/drawing/2014/main" id="{BB7E0468-ABBC-488B-4C5A-D9A1AABBE3CD}"/>
+              </a:ext>
+            </a:extLst>
+          </p:cNvPr>
+          <p:cNvSpPr>
+            <a:spLocks noGrp="1"/>
+          </p:cNvSpPr>
+          <p:nvPr>
+            <p:ph idx="1"/>
+          </p:nvPr>
+        </p:nvSpPr>
+        <p:spPr/>
+        <p:txBody>
+          <a:bodyPr/>
+          <a:lstStyle/>
+          <a:p>
+            <a:endParaRPr lang="fr-FR"/>
           </a:p>
         </p:txBody>
       </p:sp>
     </p:spTree>
     <p:extLst>
       <p:ext uri="{BB962C8B-B14F-4D97-AF65-F5344CB8AC3E}">
-        <p14:creationId xmlns:p14="http://schemas.microsoft.com/office/powerpoint/2010/main" val="254358762"/>
+        <p14:creationId xmlns:p14="http://schemas.microsoft.com/office/powerpoint/2010/main" val="3430602651"/>
       </p:ext>
     </p:extLst>
   </p:cSld>
@@ -4003,13 +3940,23 @@
           <a:p>
             <a:r>
               <a:rPr lang="fr-FR" dirty="0"/>
-              <a:t>Robot caméraman </a:t>
+              <a:t>Imprimante 3D</a:t>
+            </a:r>
+            <a:br>
+              <a:rPr lang="fr-FR" dirty="0"/>
+            </a:br>
+            <a:r>
+              <a:rPr lang="fr-FR" dirty="0"/>
+              <a:t>I3D </a:t>
             </a:r>
             <a:r>
               <a:rPr lang="fr-FR" dirty="0" err="1"/>
-              <a:t>Pixio</a:t>
-            </a:r>
-            <a:endParaRPr lang="fr-FR" dirty="0"/>
+              <a:t>Didastel</a:t>
+            </a:r>
+            <a:r>
+              <a:rPr lang="fr-FR" dirty="0"/>
+              <a:t> ?</a:t>
+            </a:r>
           </a:p>
         </p:txBody>
       </p:sp>
@@ -4066,7 +4013,7 @@
     </p:spTree>
     <p:extLst>
       <p:ext uri="{BB962C8B-B14F-4D97-AF65-F5344CB8AC3E}">
-        <p14:creationId xmlns:p14="http://schemas.microsoft.com/office/powerpoint/2010/main" val="1062210759"/>
+        <p14:creationId xmlns:p14="http://schemas.microsoft.com/office/powerpoint/2010/main" val="3100325458"/>
       </p:ext>
     </p:extLst>
   </p:cSld>
@@ -4095,7 +4042,13 @@
       </p:grpSpPr>
       <p:sp>
         <p:nvSpPr>
-          <p:cNvPr id="4" name="Titre 3"/>
+          <p:cNvPr id="5" name="Titre 4">
+            <a:extLst>
+              <a:ext uri="{FF2B5EF4-FFF2-40B4-BE49-F238E27FC236}">
+                <a16:creationId xmlns:a16="http://schemas.microsoft.com/office/drawing/2014/main" id="{32C87908-0B8D-63AB-2D3B-E276DA002F84}"/>
+              </a:ext>
+            </a:extLst>
+          </p:cNvPr>
           <p:cNvSpPr>
             <a:spLocks noGrp="1"/>
           </p:cNvSpPr>
@@ -4110,76 +4063,40 @@
           <a:p>
             <a:r>
               <a:rPr lang="fr-FR" dirty="0"/>
-              <a:t>Robot Delta</a:t>
-            </a:r>
-            <a:br>
-              <a:rPr lang="fr-FR" dirty="0"/>
-            </a:br>
-            <a:r>
-              <a:rPr lang="fr-FR" dirty="0" err="1"/>
-              <a:t>Delta</a:t>
-            </a:r>
-            <a:r>
-              <a:rPr lang="fr-FR" dirty="0"/>
-              <a:t> 2D 3Sigma ?</a:t>
-            </a:r>
-          </a:p>
-        </p:txBody>
-      </p:sp>
-      <p:sp>
-        <p:nvSpPr>
-          <p:cNvPr id="6" name="Espace réservé pour une image  5"/>
-          <p:cNvSpPr>
-            <a:spLocks noGrp="1"/>
-          </p:cNvSpPr>
-          <p:nvPr>
-            <p:ph type="pic" idx="1"/>
-          </p:nvPr>
-        </p:nvSpPr>
-        <p:spPr/>
-      </p:sp>
-      <p:sp>
-        <p:nvSpPr>
-          <p:cNvPr id="7" name="Espace réservé du texte 6"/>
-          <p:cNvSpPr>
-            <a:spLocks noGrp="1"/>
-          </p:cNvSpPr>
-          <p:nvPr>
-            <p:ph type="body" sz="half" idx="2"/>
-          </p:nvPr>
-        </p:nvSpPr>
-        <p:spPr>
-          <a:xfrm>
-            <a:off x="5800874" y="1885278"/>
-            <a:ext cx="6195656" cy="4972722"/>
-          </a:xfrm>
-        </p:spPr>
-        <p:txBody>
-          <a:bodyPr/>
-          <a:lstStyle/>
-          <a:p>
-            <a:pPr marL="285750" indent="-285750">
-              <a:buFont typeface="Arial" panose="020B0604020202020204" pitchFamily="34" charset="0"/>
-              <a:buChar char="•"/>
-            </a:pPr>
-            <a:r>
-              <a:rPr lang="fr-FR" dirty="0"/>
-              <a:t>Centrale 2021</a:t>
-            </a:r>
-          </a:p>
-          <a:p>
-            <a:pPr marL="285750" indent="-285750">
-              <a:buFont typeface="Arial" panose="020B0604020202020204" pitchFamily="34" charset="0"/>
-              <a:buChar char="•"/>
-            </a:pPr>
-            <a:endParaRPr lang="fr-FR" dirty="0"/>
+              <a:t>Chaine fonctionnelle</a:t>
+            </a:r>
+          </a:p>
+        </p:txBody>
+      </p:sp>
+      <p:sp>
+        <p:nvSpPr>
+          <p:cNvPr id="6" name="Espace réservé du contenu 5">
+            <a:extLst>
+              <a:ext uri="{FF2B5EF4-FFF2-40B4-BE49-F238E27FC236}">
+                <a16:creationId xmlns:a16="http://schemas.microsoft.com/office/drawing/2014/main" id="{BB7E0468-ABBC-488B-4C5A-D9A1AABBE3CD}"/>
+              </a:ext>
+            </a:extLst>
+          </p:cNvPr>
+          <p:cNvSpPr>
+            <a:spLocks noGrp="1"/>
+          </p:cNvSpPr>
+          <p:nvPr>
+            <p:ph idx="1"/>
+          </p:nvPr>
+        </p:nvSpPr>
+        <p:spPr/>
+        <p:txBody>
+          <a:bodyPr/>
+          <a:lstStyle/>
+          <a:p>
+            <a:endParaRPr lang="fr-FR"/>
           </a:p>
         </p:txBody>
       </p:sp>
     </p:spTree>
     <p:extLst>
       <p:ext uri="{BB962C8B-B14F-4D97-AF65-F5344CB8AC3E}">
-        <p14:creationId xmlns:p14="http://schemas.microsoft.com/office/powerpoint/2010/main" val="4289236977"/>
+        <p14:creationId xmlns:p14="http://schemas.microsoft.com/office/powerpoint/2010/main" val="1055081363"/>
       </p:ext>
     </p:extLst>
   </p:cSld>
@@ -4208,7 +4125,13 @@
       </p:grpSpPr>
       <p:sp>
         <p:nvSpPr>
-          <p:cNvPr id="4" name="Titre 3"/>
+          <p:cNvPr id="2" name="Titre 1">
+            <a:extLst>
+              <a:ext uri="{FF2B5EF4-FFF2-40B4-BE49-F238E27FC236}">
+                <a16:creationId xmlns:a16="http://schemas.microsoft.com/office/drawing/2014/main" id="{AF51733D-357A-4F5C-5563-78E3CF44F491}"/>
+              </a:ext>
+            </a:extLst>
+          </p:cNvPr>
           <p:cNvSpPr>
             <a:spLocks noGrp="1"/>
           </p:cNvSpPr>
@@ -4221,67 +4144,39 @@
           <a:bodyPr/>
           <a:lstStyle/>
           <a:p>
-            <a:r>
-              <a:rPr lang="fr-FR" dirty="0"/>
-              <a:t>Robot nettoyeur de vitres</a:t>
-            </a:r>
-          </a:p>
-        </p:txBody>
-      </p:sp>
-      <p:sp>
-        <p:nvSpPr>
-          <p:cNvPr id="6" name="Espace réservé pour une image  5"/>
-          <p:cNvSpPr>
-            <a:spLocks noGrp="1"/>
-          </p:cNvSpPr>
-          <p:nvPr>
-            <p:ph type="pic" idx="1"/>
-          </p:nvPr>
-        </p:nvSpPr>
-        <p:spPr/>
-      </p:sp>
-      <p:sp>
-        <p:nvSpPr>
-          <p:cNvPr id="7" name="Espace réservé du texte 6"/>
-          <p:cNvSpPr>
-            <a:spLocks noGrp="1"/>
-          </p:cNvSpPr>
-          <p:nvPr>
-            <p:ph type="body" sz="half" idx="2"/>
-          </p:nvPr>
-        </p:nvSpPr>
-        <p:spPr>
-          <a:xfrm>
-            <a:off x="5800874" y="1885278"/>
-            <a:ext cx="6195656" cy="4972722"/>
-          </a:xfrm>
-        </p:spPr>
-        <p:txBody>
-          <a:bodyPr/>
-          <a:lstStyle/>
-          <a:p>
-            <a:pPr marL="285750" indent="-285750">
-              <a:buFont typeface="Arial" panose="020B0604020202020204" pitchFamily="34" charset="0"/>
-              <a:buChar char="•"/>
-            </a:pPr>
-            <a:r>
-              <a:rPr lang="fr-FR" dirty="0"/>
-              <a:t>Centrale 2021</a:t>
-            </a:r>
-          </a:p>
-          <a:p>
-            <a:pPr marL="285750" indent="-285750">
-              <a:buFont typeface="Arial" panose="020B0604020202020204" pitchFamily="34" charset="0"/>
-              <a:buChar char="•"/>
-            </a:pPr>
-            <a:endParaRPr lang="fr-FR" dirty="0"/>
+            <a:endParaRPr lang="fr-FR"/>
+          </a:p>
+        </p:txBody>
+      </p:sp>
+      <p:sp>
+        <p:nvSpPr>
+          <p:cNvPr id="3" name="Espace réservé du contenu 2">
+            <a:extLst>
+              <a:ext uri="{FF2B5EF4-FFF2-40B4-BE49-F238E27FC236}">
+                <a16:creationId xmlns:a16="http://schemas.microsoft.com/office/drawing/2014/main" id="{617D04C8-13A5-CD43-DC1F-724655A874AA}"/>
+              </a:ext>
+            </a:extLst>
+          </p:cNvPr>
+          <p:cNvSpPr>
+            <a:spLocks noGrp="1"/>
+          </p:cNvSpPr>
+          <p:nvPr>
+            <p:ph idx="1"/>
+          </p:nvPr>
+        </p:nvSpPr>
+        <p:spPr/>
+        <p:txBody>
+          <a:bodyPr/>
+          <a:lstStyle/>
+          <a:p>
+            <a:endParaRPr lang="fr-FR"/>
           </a:p>
         </p:txBody>
       </p:sp>
     </p:spTree>
     <p:extLst>
       <p:ext uri="{BB962C8B-B14F-4D97-AF65-F5344CB8AC3E}">
-        <p14:creationId xmlns:p14="http://schemas.microsoft.com/office/powerpoint/2010/main" val="761531650"/>
+        <p14:creationId xmlns:p14="http://schemas.microsoft.com/office/powerpoint/2010/main" val="2999303445"/>
       </p:ext>
     </p:extLst>
   </p:cSld>
@@ -4325,16 +4220,23 @@
           <a:p>
             <a:r>
               <a:rPr lang="fr-FR" dirty="0"/>
-              <a:t>Robot porte-endoscope </a:t>
+              <a:t>Nacelle gyrostabilisée </a:t>
             </a:r>
             <a:br>
               <a:rPr lang="fr-FR" dirty="0"/>
             </a:br>
             <a:r>
+              <a:rPr lang="fr-FR" dirty="0"/>
+              <a:t>?? Nacelle </a:t>
+            </a:r>
+            <a:r>
               <a:rPr lang="fr-FR" dirty="0" err="1"/>
-              <a:t>Evolap</a:t>
-            </a:r>
-            <a:endParaRPr lang="fr-FR" dirty="0"/>
+              <a:t>ERM</a:t>
+            </a:r>
+            <a:r>
+              <a:rPr lang="fr-FR" dirty="0"/>
+              <a:t> ??</a:t>
+            </a:r>
           </a:p>
         </p:txBody>
       </p:sp>
@@ -4391,7 +4293,7 @@
     </p:spTree>
     <p:extLst>
       <p:ext uri="{BB962C8B-B14F-4D97-AF65-F5344CB8AC3E}">
-        <p14:creationId xmlns:p14="http://schemas.microsoft.com/office/powerpoint/2010/main" val="1885825926"/>
+        <p14:creationId xmlns:p14="http://schemas.microsoft.com/office/powerpoint/2010/main" val="2302313103"/>
       </p:ext>
     </p:extLst>
   </p:cSld>
@@ -4420,7 +4322,13 @@
       </p:grpSpPr>
       <p:sp>
         <p:nvSpPr>
-          <p:cNvPr id="4" name="Titre 3"/>
+          <p:cNvPr id="5" name="Titre 4">
+            <a:extLst>
+              <a:ext uri="{FF2B5EF4-FFF2-40B4-BE49-F238E27FC236}">
+                <a16:creationId xmlns:a16="http://schemas.microsoft.com/office/drawing/2014/main" id="{32C87908-0B8D-63AB-2D3B-E276DA002F84}"/>
+              </a:ext>
+            </a:extLst>
+          </p:cNvPr>
           <p:cNvSpPr>
             <a:spLocks noGrp="1"/>
           </p:cNvSpPr>
@@ -4434,70 +4342,41 @@
           <a:lstStyle/>
           <a:p>
             <a:r>
-              <a:rPr lang="fr-FR" dirty="0" err="1"/>
-              <a:t>Slider</a:t>
-            </a:r>
-            <a:r>
-              <a:rPr lang="fr-FR" dirty="0"/>
-              <a:t> Camera</a:t>
-            </a:r>
-          </a:p>
-        </p:txBody>
-      </p:sp>
-      <p:sp>
-        <p:nvSpPr>
-          <p:cNvPr id="6" name="Espace réservé pour une image  5"/>
-          <p:cNvSpPr>
-            <a:spLocks noGrp="1"/>
-          </p:cNvSpPr>
-          <p:nvPr>
-            <p:ph type="pic" idx="1"/>
-          </p:nvPr>
-        </p:nvSpPr>
-        <p:spPr/>
-      </p:sp>
-      <p:sp>
-        <p:nvSpPr>
-          <p:cNvPr id="7" name="Espace réservé du texte 6"/>
-          <p:cNvSpPr>
-            <a:spLocks noGrp="1"/>
-          </p:cNvSpPr>
-          <p:nvPr>
-            <p:ph type="body" sz="half" idx="2"/>
-          </p:nvPr>
-        </p:nvSpPr>
-        <p:spPr>
-          <a:xfrm>
-            <a:off x="5800874" y="1885278"/>
-            <a:ext cx="6195656" cy="4972722"/>
-          </a:xfrm>
-        </p:spPr>
-        <p:txBody>
-          <a:bodyPr/>
-          <a:lstStyle/>
-          <a:p>
-            <a:pPr marL="285750" indent="-285750">
-              <a:buFont typeface="Arial" panose="020B0604020202020204" pitchFamily="34" charset="0"/>
-              <a:buChar char="•"/>
-            </a:pPr>
-            <a:r>
-              <a:rPr lang="fr-FR" dirty="0"/>
-              <a:t>Centrale 2021</a:t>
-            </a:r>
-          </a:p>
-          <a:p>
-            <a:pPr marL="285750" indent="-285750">
-              <a:buFont typeface="Arial" panose="020B0604020202020204" pitchFamily="34" charset="0"/>
-              <a:buChar char="•"/>
-            </a:pPr>
-            <a:endParaRPr lang="fr-FR" dirty="0"/>
+              <a:rPr lang="fr-FR" dirty="0"/>
+              <a:t>Chaine fonctionnelle</a:t>
+            </a:r>
+          </a:p>
+        </p:txBody>
+      </p:sp>
+      <p:sp>
+        <p:nvSpPr>
+          <p:cNvPr id="6" name="Espace réservé du contenu 5">
+            <a:extLst>
+              <a:ext uri="{FF2B5EF4-FFF2-40B4-BE49-F238E27FC236}">
+                <a16:creationId xmlns:a16="http://schemas.microsoft.com/office/drawing/2014/main" id="{BB7E0468-ABBC-488B-4C5A-D9A1AABBE3CD}"/>
+              </a:ext>
+            </a:extLst>
+          </p:cNvPr>
+          <p:cNvSpPr>
+            <a:spLocks noGrp="1"/>
+          </p:cNvSpPr>
+          <p:nvPr>
+            <p:ph idx="1"/>
+          </p:nvPr>
+        </p:nvSpPr>
+        <p:spPr/>
+        <p:txBody>
+          <a:bodyPr/>
+          <a:lstStyle/>
+          <a:p>
+            <a:endParaRPr lang="fr-FR"/>
           </a:p>
         </p:txBody>
       </p:sp>
     </p:spTree>
     <p:extLst>
       <p:ext uri="{BB962C8B-B14F-4D97-AF65-F5344CB8AC3E}">
-        <p14:creationId xmlns:p14="http://schemas.microsoft.com/office/powerpoint/2010/main" val="2869593729"/>
+        <p14:creationId xmlns:p14="http://schemas.microsoft.com/office/powerpoint/2010/main" val="3290102488"/>
       </p:ext>
     </p:extLst>
   </p:cSld>
@@ -4541,8 +4420,24 @@
           <a:p>
             <a:r>
               <a:rPr lang="fr-FR" dirty="0"/>
-              <a:t>Trieuse de pièces</a:t>
-            </a:r>
+              <a:t>Nacelle gyrostabilisée </a:t>
+            </a:r>
+            <a:br>
+              <a:rPr lang="fr-FR" dirty="0"/>
+            </a:br>
+            <a:r>
+              <a:rPr lang="fr-FR" dirty="0"/>
+              <a:t>?? Nacelle </a:t>
+            </a:r>
+            <a:r>
+              <a:rPr lang="fr-FR" dirty="0" err="1"/>
+              <a:t>ERM</a:t>
+            </a:r>
+            <a:r>
+              <a:rPr lang="fr-FR"/>
+              <a:t> ??</a:t>
+            </a:r>
+            <a:endParaRPr lang="fr-FR" dirty="0"/>
           </a:p>
         </p:txBody>
       </p:sp>
@@ -4599,7 +4494,7 @@
     </p:spTree>
     <p:extLst>
       <p:ext uri="{BB962C8B-B14F-4D97-AF65-F5344CB8AC3E}">
-        <p14:creationId xmlns:p14="http://schemas.microsoft.com/office/powerpoint/2010/main" val="219799641"/>
+        <p14:creationId xmlns:p14="http://schemas.microsoft.com/office/powerpoint/2010/main" val="1651799315"/>
       </p:ext>
     </p:extLst>
   </p:cSld>
@@ -4642,10 +4537,9 @@
           <a:lstStyle/>
           <a:p>
             <a:r>
-              <a:rPr lang="fr-FR" dirty="0" err="1"/>
-              <a:t>MaxPID</a:t>
-            </a:r>
-            <a:endParaRPr lang="fr-FR" dirty="0"/>
+              <a:rPr lang="fr-FR" dirty="0"/>
+              <a:t>Quelques questions classiques</a:t>
+            </a:r>
           </a:p>
         </p:txBody>
       </p:sp>
@@ -4688,7 +4582,7 @@
     </p:spTree>
     <p:extLst>
       <p:ext uri="{BB962C8B-B14F-4D97-AF65-F5344CB8AC3E}">
-        <p14:creationId xmlns:p14="http://schemas.microsoft.com/office/powerpoint/2010/main" val="4161981368"/>
+        <p14:creationId xmlns:p14="http://schemas.microsoft.com/office/powerpoint/2010/main" val="1606760964"/>
       </p:ext>
     </p:extLst>
   </p:cSld>
@@ -4717,7 +4611,13 @@
       </p:grpSpPr>
       <p:sp>
         <p:nvSpPr>
-          <p:cNvPr id="4" name="Titre 3"/>
+          <p:cNvPr id="5" name="Titre 4">
+            <a:extLst>
+              <a:ext uri="{FF2B5EF4-FFF2-40B4-BE49-F238E27FC236}">
+                <a16:creationId xmlns:a16="http://schemas.microsoft.com/office/drawing/2014/main" id="{32C87908-0B8D-63AB-2D3B-E276DA002F84}"/>
+              </a:ext>
+            </a:extLst>
+          </p:cNvPr>
           <p:cNvSpPr>
             <a:spLocks noGrp="1"/>
           </p:cNvSpPr>
@@ -4732,70 +4632,40 @@
           <a:p>
             <a:r>
               <a:rPr lang="fr-FR" dirty="0"/>
-              <a:t>Véhicule autonome Park </a:t>
-            </a:r>
-            <a:r>
-              <a:rPr lang="fr-FR" dirty="0" err="1"/>
-              <a:t>Lab</a:t>
-            </a:r>
-            <a:endParaRPr lang="fr-FR" dirty="0"/>
-          </a:p>
-        </p:txBody>
-      </p:sp>
-      <p:sp>
-        <p:nvSpPr>
-          <p:cNvPr id="6" name="Espace réservé pour une image  5"/>
-          <p:cNvSpPr>
-            <a:spLocks noGrp="1"/>
-          </p:cNvSpPr>
-          <p:nvPr>
-            <p:ph type="pic" idx="1"/>
-          </p:nvPr>
-        </p:nvSpPr>
-        <p:spPr/>
-      </p:sp>
-      <p:sp>
-        <p:nvSpPr>
-          <p:cNvPr id="7" name="Espace réservé du texte 6"/>
-          <p:cNvSpPr>
-            <a:spLocks noGrp="1"/>
-          </p:cNvSpPr>
-          <p:nvPr>
-            <p:ph type="body" sz="half" idx="2"/>
-          </p:nvPr>
-        </p:nvSpPr>
-        <p:spPr>
-          <a:xfrm>
-            <a:off x="5800874" y="1885278"/>
-            <a:ext cx="6195656" cy="4972722"/>
-          </a:xfrm>
-        </p:spPr>
-        <p:txBody>
-          <a:bodyPr/>
-          <a:lstStyle/>
-          <a:p>
-            <a:pPr marL="285750" indent="-285750">
-              <a:buFont typeface="Arial" panose="020B0604020202020204" pitchFamily="34" charset="0"/>
-              <a:buChar char="•"/>
-            </a:pPr>
-            <a:r>
-              <a:rPr lang="fr-FR" dirty="0"/>
-              <a:t>Centrale 2021</a:t>
-            </a:r>
-          </a:p>
-          <a:p>
-            <a:pPr marL="285750" indent="-285750">
-              <a:buFont typeface="Arial" panose="020B0604020202020204" pitchFamily="34" charset="0"/>
-              <a:buChar char="•"/>
-            </a:pPr>
-            <a:endParaRPr lang="fr-FR" dirty="0"/>
+              <a:t>Chaine fonctionnelle</a:t>
+            </a:r>
+          </a:p>
+        </p:txBody>
+      </p:sp>
+      <p:sp>
+        <p:nvSpPr>
+          <p:cNvPr id="6" name="Espace réservé du contenu 5">
+            <a:extLst>
+              <a:ext uri="{FF2B5EF4-FFF2-40B4-BE49-F238E27FC236}">
+                <a16:creationId xmlns:a16="http://schemas.microsoft.com/office/drawing/2014/main" id="{BB7E0468-ABBC-488B-4C5A-D9A1AABBE3CD}"/>
+              </a:ext>
+            </a:extLst>
+          </p:cNvPr>
+          <p:cNvSpPr>
+            <a:spLocks noGrp="1"/>
+          </p:cNvSpPr>
+          <p:nvPr>
+            <p:ph idx="1"/>
+          </p:nvPr>
+        </p:nvSpPr>
+        <p:spPr/>
+        <p:txBody>
+          <a:bodyPr/>
+          <a:lstStyle/>
+          <a:p>
+            <a:endParaRPr lang="fr-FR"/>
           </a:p>
         </p:txBody>
       </p:sp>
     </p:spTree>
     <p:extLst>
       <p:ext uri="{BB962C8B-B14F-4D97-AF65-F5344CB8AC3E}">
-        <p14:creationId xmlns:p14="http://schemas.microsoft.com/office/powerpoint/2010/main" val="3155238446"/>
+        <p14:creationId xmlns:p14="http://schemas.microsoft.com/office/powerpoint/2010/main" val="3897430109"/>
       </p:ext>
     </p:extLst>
   </p:cSld>
@@ -4839,7 +4709,14 @@
           <a:p>
             <a:r>
               <a:rPr lang="fr-FR" dirty="0"/>
-              <a:t>Compacteur solaire communicant</a:t>
+              <a:t>Robot à câbles</a:t>
+            </a:r>
+            <a:br>
+              <a:rPr lang="fr-FR" dirty="0"/>
+            </a:br>
+            <a:r>
+              <a:rPr lang="fr-FR" dirty="0"/>
+              <a:t>RC4 ?</a:t>
             </a:r>
           </a:p>
         </p:txBody>
@@ -4897,7 +4774,7 @@
     </p:spTree>
     <p:extLst>
       <p:ext uri="{BB962C8B-B14F-4D97-AF65-F5344CB8AC3E}">
-        <p14:creationId xmlns:p14="http://schemas.microsoft.com/office/powerpoint/2010/main" val="2587353073"/>
+        <p14:creationId xmlns:p14="http://schemas.microsoft.com/office/powerpoint/2010/main" val="254358762"/>
       </p:ext>
     </p:extLst>
   </p:cSld>
@@ -4926,7 +4803,13 @@
       </p:grpSpPr>
       <p:sp>
         <p:nvSpPr>
-          <p:cNvPr id="4" name="Titre 3"/>
+          <p:cNvPr id="5" name="Titre 4">
+            <a:extLst>
+              <a:ext uri="{FF2B5EF4-FFF2-40B4-BE49-F238E27FC236}">
+                <a16:creationId xmlns:a16="http://schemas.microsoft.com/office/drawing/2014/main" id="{32C87908-0B8D-63AB-2D3B-E276DA002F84}"/>
+              </a:ext>
+            </a:extLst>
+          </p:cNvPr>
           <p:cNvSpPr>
             <a:spLocks noGrp="1"/>
           </p:cNvSpPr>
@@ -4940,53 +4823,41 @@
           <a:lstStyle/>
           <a:p>
             <a:r>
-              <a:rPr lang="fr-FR" dirty="0" err="1"/>
-              <a:t>MaxPID</a:t>
-            </a:r>
-            <a:endParaRPr lang="fr-FR" dirty="0"/>
-          </a:p>
-        </p:txBody>
-      </p:sp>
-      <p:sp>
-        <p:nvSpPr>
-          <p:cNvPr id="6" name="Espace réservé pour une image  5"/>
-          <p:cNvSpPr>
-            <a:spLocks noGrp="1"/>
-          </p:cNvSpPr>
-          <p:nvPr>
-            <p:ph type="pic" idx="1"/>
-          </p:nvPr>
-        </p:nvSpPr>
-        <p:spPr/>
-      </p:sp>
-      <p:sp>
-        <p:nvSpPr>
-          <p:cNvPr id="7" name="Espace réservé du texte 6"/>
-          <p:cNvSpPr>
-            <a:spLocks noGrp="1"/>
-          </p:cNvSpPr>
-          <p:nvPr>
-            <p:ph type="body" sz="half" idx="2"/>
-          </p:nvPr>
-        </p:nvSpPr>
-        <p:spPr>
-          <a:xfrm>
-            <a:off x="5800874" y="1885278"/>
-            <a:ext cx="6195656" cy="4972722"/>
-          </a:xfrm>
-        </p:spPr>
-        <p:txBody>
-          <a:bodyPr/>
-          <a:lstStyle/>
-          <a:p>
-            <a:endParaRPr lang="fr-FR" dirty="0"/>
+              <a:rPr lang="fr-FR" dirty="0"/>
+              <a:t>Chaine fonctionnelle</a:t>
+            </a:r>
+          </a:p>
+        </p:txBody>
+      </p:sp>
+      <p:sp>
+        <p:nvSpPr>
+          <p:cNvPr id="6" name="Espace réservé du contenu 5">
+            <a:extLst>
+              <a:ext uri="{FF2B5EF4-FFF2-40B4-BE49-F238E27FC236}">
+                <a16:creationId xmlns:a16="http://schemas.microsoft.com/office/drawing/2014/main" id="{BB7E0468-ABBC-488B-4C5A-D9A1AABBE3CD}"/>
+              </a:ext>
+            </a:extLst>
+          </p:cNvPr>
+          <p:cNvSpPr>
+            <a:spLocks noGrp="1"/>
+          </p:cNvSpPr>
+          <p:nvPr>
+            <p:ph idx="1"/>
+          </p:nvPr>
+        </p:nvSpPr>
+        <p:spPr/>
+        <p:txBody>
+          <a:bodyPr/>
+          <a:lstStyle/>
+          <a:p>
+            <a:endParaRPr lang="fr-FR"/>
           </a:p>
         </p:txBody>
       </p:sp>
     </p:spTree>
     <p:extLst>
       <p:ext uri="{BB962C8B-B14F-4D97-AF65-F5344CB8AC3E}">
-        <p14:creationId xmlns:p14="http://schemas.microsoft.com/office/powerpoint/2010/main" val="1567886867"/>
+        <p14:creationId xmlns:p14="http://schemas.microsoft.com/office/powerpoint/2010/main" val="2155188797"/>
       </p:ext>
     </p:extLst>
   </p:cSld>
@@ -5015,10 +4886,117 @@
       </p:grpSpPr>
       <p:sp>
         <p:nvSpPr>
-          <p:cNvPr id="2" name="Titre 1">
+          <p:cNvPr id="4" name="Titre 3"/>
+          <p:cNvSpPr>
+            <a:spLocks noGrp="1"/>
+          </p:cNvSpPr>
+          <p:nvPr>
+            <p:ph type="title"/>
+          </p:nvPr>
+        </p:nvSpPr>
+        <p:spPr/>
+        <p:txBody>
+          <a:bodyPr/>
+          <a:lstStyle/>
+          <a:p>
+            <a:r>
+              <a:rPr lang="fr-FR" dirty="0"/>
+              <a:t>Robot caméraman </a:t>
+            </a:r>
+            <a:r>
+              <a:rPr lang="fr-FR" dirty="0" err="1"/>
+              <a:t>Pixio</a:t>
+            </a:r>
+            <a:endParaRPr lang="fr-FR" dirty="0"/>
+          </a:p>
+        </p:txBody>
+      </p:sp>
+      <p:sp>
+        <p:nvSpPr>
+          <p:cNvPr id="6" name="Espace réservé pour une image  5"/>
+          <p:cNvSpPr>
+            <a:spLocks noGrp="1"/>
+          </p:cNvSpPr>
+          <p:nvPr>
+            <p:ph type="pic" idx="1"/>
+          </p:nvPr>
+        </p:nvSpPr>
+        <p:spPr/>
+      </p:sp>
+      <p:sp>
+        <p:nvSpPr>
+          <p:cNvPr id="7" name="Espace réservé du texte 6"/>
+          <p:cNvSpPr>
+            <a:spLocks noGrp="1"/>
+          </p:cNvSpPr>
+          <p:nvPr>
+            <p:ph type="body" sz="half" idx="2"/>
+          </p:nvPr>
+        </p:nvSpPr>
+        <p:spPr>
+          <a:xfrm>
+            <a:off x="5800874" y="1885278"/>
+            <a:ext cx="6195656" cy="4972722"/>
+          </a:xfrm>
+        </p:spPr>
+        <p:txBody>
+          <a:bodyPr/>
+          <a:lstStyle/>
+          <a:p>
+            <a:pPr marL="285750" indent="-285750">
+              <a:buFont typeface="Arial" panose="020B0604020202020204" pitchFamily="34" charset="0"/>
+              <a:buChar char="•"/>
+            </a:pPr>
+            <a:r>
+              <a:rPr lang="fr-FR" dirty="0"/>
+              <a:t>Centrale 2021</a:t>
+            </a:r>
+          </a:p>
+          <a:p>
+            <a:pPr marL="285750" indent="-285750">
+              <a:buFont typeface="Arial" panose="020B0604020202020204" pitchFamily="34" charset="0"/>
+              <a:buChar char="•"/>
+            </a:pPr>
+            <a:endParaRPr lang="fr-FR" dirty="0"/>
+          </a:p>
+        </p:txBody>
+      </p:sp>
+    </p:spTree>
+    <p:extLst>
+      <p:ext uri="{BB962C8B-B14F-4D97-AF65-F5344CB8AC3E}">
+        <p14:creationId xmlns:p14="http://schemas.microsoft.com/office/powerpoint/2010/main" val="1062210759"/>
+      </p:ext>
+    </p:extLst>
+  </p:cSld>
+  <p:clrMapOvr>
+    <a:masterClrMapping/>
+  </p:clrMapOvr>
+</p:sld>
+</file>
+
+<file path=ppt/slides/slide24.xml><?xml version="1.0" encoding="utf-8"?>
+<p:sld xmlns:a="http://schemas.openxmlformats.org/drawingml/2006/main" xmlns:r="http://schemas.openxmlformats.org/officeDocument/2006/relationships" xmlns:p="http://schemas.openxmlformats.org/presentationml/2006/main">
+  <p:cSld>
+    <p:spTree>
+      <p:nvGrpSpPr>
+        <p:cNvPr id="1" name=""/>
+        <p:cNvGrpSpPr/>
+        <p:nvPr/>
+      </p:nvGrpSpPr>
+      <p:grpSpPr>
+        <a:xfrm>
+          <a:off x="0" y="0"/>
+          <a:ext cx="0" cy="0"/>
+          <a:chOff x="0" y="0"/>
+          <a:chExt cx="0" cy="0"/>
+        </a:xfrm>
+      </p:grpSpPr>
+      <p:sp>
+        <p:nvSpPr>
+          <p:cNvPr id="5" name="Titre 4">
             <a:extLst>
               <a:ext uri="{FF2B5EF4-FFF2-40B4-BE49-F238E27FC236}">
-                <a16:creationId xmlns:a16="http://schemas.microsoft.com/office/drawing/2014/main" id="{1F8BF1B8-9FE3-8151-EF68-FA08DF757A35}"/>
+                <a16:creationId xmlns:a16="http://schemas.microsoft.com/office/drawing/2014/main" id="{32C87908-0B8D-63AB-2D3B-E276DA002F84}"/>
               </a:ext>
             </a:extLst>
           </p:cNvPr>
@@ -5034,16 +5012,19 @@
           <a:bodyPr/>
           <a:lstStyle/>
           <a:p>
-            <a:endParaRPr lang="fr-FR"/>
-          </a:p>
-        </p:txBody>
-      </p:sp>
-      <p:sp>
-        <p:nvSpPr>
-          <p:cNvPr id="3" name="Espace réservé du contenu 2">
+            <a:r>
+              <a:rPr lang="fr-FR" dirty="0"/>
+              <a:t>Chaine fonctionnelle</a:t>
+            </a:r>
+          </a:p>
+        </p:txBody>
+      </p:sp>
+      <p:sp>
+        <p:nvSpPr>
+          <p:cNvPr id="6" name="Espace réservé du contenu 5">
             <a:extLst>
               <a:ext uri="{FF2B5EF4-FFF2-40B4-BE49-F238E27FC236}">
-                <a16:creationId xmlns:a16="http://schemas.microsoft.com/office/drawing/2014/main" id="{908ABD4D-AD2B-1282-5AEE-962ABC2F82F2}"/>
+                <a16:creationId xmlns:a16="http://schemas.microsoft.com/office/drawing/2014/main" id="{BB7E0468-ABBC-488B-4C5A-D9A1AABBE3CD}"/>
               </a:ext>
             </a:extLst>
           </p:cNvPr>
@@ -5066,7 +5047,498 @@
     </p:spTree>
     <p:extLst>
       <p:ext uri="{BB962C8B-B14F-4D97-AF65-F5344CB8AC3E}">
-        <p14:creationId xmlns:p14="http://schemas.microsoft.com/office/powerpoint/2010/main" val="2448493360"/>
+        <p14:creationId xmlns:p14="http://schemas.microsoft.com/office/powerpoint/2010/main" val="3662809258"/>
+      </p:ext>
+    </p:extLst>
+  </p:cSld>
+  <p:clrMapOvr>
+    <a:masterClrMapping/>
+  </p:clrMapOvr>
+</p:sld>
+</file>
+
+<file path=ppt/slides/slide25.xml><?xml version="1.0" encoding="utf-8"?>
+<p:sld xmlns:a="http://schemas.openxmlformats.org/drawingml/2006/main" xmlns:r="http://schemas.openxmlformats.org/officeDocument/2006/relationships" xmlns:p="http://schemas.openxmlformats.org/presentationml/2006/main">
+  <p:cSld>
+    <p:spTree>
+      <p:nvGrpSpPr>
+        <p:cNvPr id="1" name=""/>
+        <p:cNvGrpSpPr/>
+        <p:nvPr/>
+      </p:nvGrpSpPr>
+      <p:grpSpPr>
+        <a:xfrm>
+          <a:off x="0" y="0"/>
+          <a:ext cx="0" cy="0"/>
+          <a:chOff x="0" y="0"/>
+          <a:chExt cx="0" cy="0"/>
+        </a:xfrm>
+      </p:grpSpPr>
+      <p:sp>
+        <p:nvSpPr>
+          <p:cNvPr id="4" name="Titre 3"/>
+          <p:cNvSpPr>
+            <a:spLocks noGrp="1"/>
+          </p:cNvSpPr>
+          <p:nvPr>
+            <p:ph type="title"/>
+          </p:nvPr>
+        </p:nvSpPr>
+        <p:spPr/>
+        <p:txBody>
+          <a:bodyPr/>
+          <a:lstStyle/>
+          <a:p>
+            <a:r>
+              <a:rPr lang="fr-FR" dirty="0"/>
+              <a:t>Robot Delta</a:t>
+            </a:r>
+            <a:br>
+              <a:rPr lang="fr-FR" dirty="0"/>
+            </a:br>
+            <a:r>
+              <a:rPr lang="fr-FR" dirty="0" err="1"/>
+              <a:t>Delta</a:t>
+            </a:r>
+            <a:r>
+              <a:rPr lang="fr-FR" dirty="0"/>
+              <a:t> 2D 3Sigma ?</a:t>
+            </a:r>
+          </a:p>
+        </p:txBody>
+      </p:sp>
+      <p:sp>
+        <p:nvSpPr>
+          <p:cNvPr id="6" name="Espace réservé pour une image  5"/>
+          <p:cNvSpPr>
+            <a:spLocks noGrp="1"/>
+          </p:cNvSpPr>
+          <p:nvPr>
+            <p:ph type="pic" idx="1"/>
+          </p:nvPr>
+        </p:nvSpPr>
+        <p:spPr/>
+      </p:sp>
+      <p:sp>
+        <p:nvSpPr>
+          <p:cNvPr id="7" name="Espace réservé du texte 6"/>
+          <p:cNvSpPr>
+            <a:spLocks noGrp="1"/>
+          </p:cNvSpPr>
+          <p:nvPr>
+            <p:ph type="body" sz="half" idx="2"/>
+          </p:nvPr>
+        </p:nvSpPr>
+        <p:spPr>
+          <a:xfrm>
+            <a:off x="5800874" y="1885278"/>
+            <a:ext cx="6195656" cy="4972722"/>
+          </a:xfrm>
+        </p:spPr>
+        <p:txBody>
+          <a:bodyPr/>
+          <a:lstStyle/>
+          <a:p>
+            <a:pPr marL="285750" indent="-285750">
+              <a:buFont typeface="Arial" panose="020B0604020202020204" pitchFamily="34" charset="0"/>
+              <a:buChar char="•"/>
+            </a:pPr>
+            <a:r>
+              <a:rPr lang="fr-FR" dirty="0"/>
+              <a:t>Centrale 2021</a:t>
+            </a:r>
+          </a:p>
+          <a:p>
+            <a:pPr marL="285750" indent="-285750">
+              <a:buFont typeface="Arial" panose="020B0604020202020204" pitchFamily="34" charset="0"/>
+              <a:buChar char="•"/>
+            </a:pPr>
+            <a:endParaRPr lang="fr-FR" dirty="0"/>
+          </a:p>
+        </p:txBody>
+      </p:sp>
+    </p:spTree>
+    <p:extLst>
+      <p:ext uri="{BB962C8B-B14F-4D97-AF65-F5344CB8AC3E}">
+        <p14:creationId xmlns:p14="http://schemas.microsoft.com/office/powerpoint/2010/main" val="4289236977"/>
+      </p:ext>
+    </p:extLst>
+  </p:cSld>
+  <p:clrMapOvr>
+    <a:masterClrMapping/>
+  </p:clrMapOvr>
+</p:sld>
+</file>
+
+<file path=ppt/slides/slide26.xml><?xml version="1.0" encoding="utf-8"?>
+<p:sld xmlns:a="http://schemas.openxmlformats.org/drawingml/2006/main" xmlns:r="http://schemas.openxmlformats.org/officeDocument/2006/relationships" xmlns:p="http://schemas.openxmlformats.org/presentationml/2006/main">
+  <p:cSld>
+    <p:spTree>
+      <p:nvGrpSpPr>
+        <p:cNvPr id="1" name=""/>
+        <p:cNvGrpSpPr/>
+        <p:nvPr/>
+      </p:nvGrpSpPr>
+      <p:grpSpPr>
+        <a:xfrm>
+          <a:off x="0" y="0"/>
+          <a:ext cx="0" cy="0"/>
+          <a:chOff x="0" y="0"/>
+          <a:chExt cx="0" cy="0"/>
+        </a:xfrm>
+      </p:grpSpPr>
+      <p:sp>
+        <p:nvSpPr>
+          <p:cNvPr id="5" name="Titre 4">
+            <a:extLst>
+              <a:ext uri="{FF2B5EF4-FFF2-40B4-BE49-F238E27FC236}">
+                <a16:creationId xmlns:a16="http://schemas.microsoft.com/office/drawing/2014/main" id="{32C87908-0B8D-63AB-2D3B-E276DA002F84}"/>
+              </a:ext>
+            </a:extLst>
+          </p:cNvPr>
+          <p:cNvSpPr>
+            <a:spLocks noGrp="1"/>
+          </p:cNvSpPr>
+          <p:nvPr>
+            <p:ph type="title"/>
+          </p:nvPr>
+        </p:nvSpPr>
+        <p:spPr/>
+        <p:txBody>
+          <a:bodyPr/>
+          <a:lstStyle/>
+          <a:p>
+            <a:r>
+              <a:rPr lang="fr-FR" dirty="0"/>
+              <a:t>Chaine fonctionnelle</a:t>
+            </a:r>
+          </a:p>
+        </p:txBody>
+      </p:sp>
+      <p:sp>
+        <p:nvSpPr>
+          <p:cNvPr id="6" name="Espace réservé du contenu 5">
+            <a:extLst>
+              <a:ext uri="{FF2B5EF4-FFF2-40B4-BE49-F238E27FC236}">
+                <a16:creationId xmlns:a16="http://schemas.microsoft.com/office/drawing/2014/main" id="{BB7E0468-ABBC-488B-4C5A-D9A1AABBE3CD}"/>
+              </a:ext>
+            </a:extLst>
+          </p:cNvPr>
+          <p:cNvSpPr>
+            <a:spLocks noGrp="1"/>
+          </p:cNvSpPr>
+          <p:nvPr>
+            <p:ph idx="1"/>
+          </p:nvPr>
+        </p:nvSpPr>
+        <p:spPr/>
+        <p:txBody>
+          <a:bodyPr/>
+          <a:lstStyle/>
+          <a:p>
+            <a:endParaRPr lang="fr-FR"/>
+          </a:p>
+        </p:txBody>
+      </p:sp>
+    </p:spTree>
+    <p:extLst>
+      <p:ext uri="{BB962C8B-B14F-4D97-AF65-F5344CB8AC3E}">
+        <p14:creationId xmlns:p14="http://schemas.microsoft.com/office/powerpoint/2010/main" val="2922143872"/>
+      </p:ext>
+    </p:extLst>
+  </p:cSld>
+  <p:clrMapOvr>
+    <a:masterClrMapping/>
+  </p:clrMapOvr>
+</p:sld>
+</file>
+
+<file path=ppt/slides/slide27.xml><?xml version="1.0" encoding="utf-8"?>
+<p:sld xmlns:a="http://schemas.openxmlformats.org/drawingml/2006/main" xmlns:r="http://schemas.openxmlformats.org/officeDocument/2006/relationships" xmlns:p="http://schemas.openxmlformats.org/presentationml/2006/main">
+  <p:cSld>
+    <p:spTree>
+      <p:nvGrpSpPr>
+        <p:cNvPr id="1" name=""/>
+        <p:cNvGrpSpPr/>
+        <p:nvPr/>
+      </p:nvGrpSpPr>
+      <p:grpSpPr>
+        <a:xfrm>
+          <a:off x="0" y="0"/>
+          <a:ext cx="0" cy="0"/>
+          <a:chOff x="0" y="0"/>
+          <a:chExt cx="0" cy="0"/>
+        </a:xfrm>
+      </p:grpSpPr>
+      <p:sp>
+        <p:nvSpPr>
+          <p:cNvPr id="4" name="Titre 3"/>
+          <p:cNvSpPr>
+            <a:spLocks noGrp="1"/>
+          </p:cNvSpPr>
+          <p:nvPr>
+            <p:ph type="title"/>
+          </p:nvPr>
+        </p:nvSpPr>
+        <p:spPr/>
+        <p:txBody>
+          <a:bodyPr/>
+          <a:lstStyle/>
+          <a:p>
+            <a:r>
+              <a:rPr lang="fr-FR" dirty="0"/>
+              <a:t>Robot nettoyeur de vitres</a:t>
+            </a:r>
+          </a:p>
+        </p:txBody>
+      </p:sp>
+      <p:sp>
+        <p:nvSpPr>
+          <p:cNvPr id="6" name="Espace réservé pour une image  5"/>
+          <p:cNvSpPr>
+            <a:spLocks noGrp="1"/>
+          </p:cNvSpPr>
+          <p:nvPr>
+            <p:ph type="pic" idx="1"/>
+          </p:nvPr>
+        </p:nvSpPr>
+        <p:spPr/>
+      </p:sp>
+      <p:sp>
+        <p:nvSpPr>
+          <p:cNvPr id="7" name="Espace réservé du texte 6"/>
+          <p:cNvSpPr>
+            <a:spLocks noGrp="1"/>
+          </p:cNvSpPr>
+          <p:nvPr>
+            <p:ph type="body" sz="half" idx="2"/>
+          </p:nvPr>
+        </p:nvSpPr>
+        <p:spPr>
+          <a:xfrm>
+            <a:off x="5800874" y="1885278"/>
+            <a:ext cx="6195656" cy="4972722"/>
+          </a:xfrm>
+        </p:spPr>
+        <p:txBody>
+          <a:bodyPr/>
+          <a:lstStyle/>
+          <a:p>
+            <a:pPr marL="285750" indent="-285750">
+              <a:buFont typeface="Arial" panose="020B0604020202020204" pitchFamily="34" charset="0"/>
+              <a:buChar char="•"/>
+            </a:pPr>
+            <a:r>
+              <a:rPr lang="fr-FR" dirty="0"/>
+              <a:t>Centrale 2021</a:t>
+            </a:r>
+          </a:p>
+          <a:p>
+            <a:pPr marL="285750" indent="-285750">
+              <a:buFont typeface="Arial" panose="020B0604020202020204" pitchFamily="34" charset="0"/>
+              <a:buChar char="•"/>
+            </a:pPr>
+            <a:endParaRPr lang="fr-FR" dirty="0"/>
+          </a:p>
+        </p:txBody>
+      </p:sp>
+    </p:spTree>
+    <p:extLst>
+      <p:ext uri="{BB962C8B-B14F-4D97-AF65-F5344CB8AC3E}">
+        <p14:creationId xmlns:p14="http://schemas.microsoft.com/office/powerpoint/2010/main" val="761531650"/>
+      </p:ext>
+    </p:extLst>
+  </p:cSld>
+  <p:clrMapOvr>
+    <a:masterClrMapping/>
+  </p:clrMapOvr>
+</p:sld>
+</file>
+
+<file path=ppt/slides/slide28.xml><?xml version="1.0" encoding="utf-8"?>
+<p:sld xmlns:a="http://schemas.openxmlformats.org/drawingml/2006/main" xmlns:r="http://schemas.openxmlformats.org/officeDocument/2006/relationships" xmlns:p="http://schemas.openxmlformats.org/presentationml/2006/main">
+  <p:cSld>
+    <p:spTree>
+      <p:nvGrpSpPr>
+        <p:cNvPr id="1" name=""/>
+        <p:cNvGrpSpPr/>
+        <p:nvPr/>
+      </p:nvGrpSpPr>
+      <p:grpSpPr>
+        <a:xfrm>
+          <a:off x="0" y="0"/>
+          <a:ext cx="0" cy="0"/>
+          <a:chOff x="0" y="0"/>
+          <a:chExt cx="0" cy="0"/>
+        </a:xfrm>
+      </p:grpSpPr>
+      <p:sp>
+        <p:nvSpPr>
+          <p:cNvPr id="5" name="Titre 4">
+            <a:extLst>
+              <a:ext uri="{FF2B5EF4-FFF2-40B4-BE49-F238E27FC236}">
+                <a16:creationId xmlns:a16="http://schemas.microsoft.com/office/drawing/2014/main" id="{32C87908-0B8D-63AB-2D3B-E276DA002F84}"/>
+              </a:ext>
+            </a:extLst>
+          </p:cNvPr>
+          <p:cNvSpPr>
+            <a:spLocks noGrp="1"/>
+          </p:cNvSpPr>
+          <p:nvPr>
+            <p:ph type="title"/>
+          </p:nvPr>
+        </p:nvSpPr>
+        <p:spPr/>
+        <p:txBody>
+          <a:bodyPr/>
+          <a:lstStyle/>
+          <a:p>
+            <a:r>
+              <a:rPr lang="fr-FR" dirty="0"/>
+              <a:t>Chaine fonctionnelle</a:t>
+            </a:r>
+          </a:p>
+        </p:txBody>
+      </p:sp>
+      <p:sp>
+        <p:nvSpPr>
+          <p:cNvPr id="6" name="Espace réservé du contenu 5">
+            <a:extLst>
+              <a:ext uri="{FF2B5EF4-FFF2-40B4-BE49-F238E27FC236}">
+                <a16:creationId xmlns:a16="http://schemas.microsoft.com/office/drawing/2014/main" id="{BB7E0468-ABBC-488B-4C5A-D9A1AABBE3CD}"/>
+              </a:ext>
+            </a:extLst>
+          </p:cNvPr>
+          <p:cNvSpPr>
+            <a:spLocks noGrp="1"/>
+          </p:cNvSpPr>
+          <p:nvPr>
+            <p:ph idx="1"/>
+          </p:nvPr>
+        </p:nvSpPr>
+        <p:spPr/>
+        <p:txBody>
+          <a:bodyPr/>
+          <a:lstStyle/>
+          <a:p>
+            <a:endParaRPr lang="fr-FR"/>
+          </a:p>
+        </p:txBody>
+      </p:sp>
+    </p:spTree>
+    <p:extLst>
+      <p:ext uri="{BB962C8B-B14F-4D97-AF65-F5344CB8AC3E}">
+        <p14:creationId xmlns:p14="http://schemas.microsoft.com/office/powerpoint/2010/main" val="1135333606"/>
+      </p:ext>
+    </p:extLst>
+  </p:cSld>
+  <p:clrMapOvr>
+    <a:masterClrMapping/>
+  </p:clrMapOvr>
+</p:sld>
+</file>
+
+<file path=ppt/slides/slide29.xml><?xml version="1.0" encoding="utf-8"?>
+<p:sld xmlns:a="http://schemas.openxmlformats.org/drawingml/2006/main" xmlns:r="http://schemas.openxmlformats.org/officeDocument/2006/relationships" xmlns:p="http://schemas.openxmlformats.org/presentationml/2006/main">
+  <p:cSld>
+    <p:spTree>
+      <p:nvGrpSpPr>
+        <p:cNvPr id="1" name=""/>
+        <p:cNvGrpSpPr/>
+        <p:nvPr/>
+      </p:nvGrpSpPr>
+      <p:grpSpPr>
+        <a:xfrm>
+          <a:off x="0" y="0"/>
+          <a:ext cx="0" cy="0"/>
+          <a:chOff x="0" y="0"/>
+          <a:chExt cx="0" cy="0"/>
+        </a:xfrm>
+      </p:grpSpPr>
+      <p:sp>
+        <p:nvSpPr>
+          <p:cNvPr id="4" name="Titre 3"/>
+          <p:cNvSpPr>
+            <a:spLocks noGrp="1"/>
+          </p:cNvSpPr>
+          <p:nvPr>
+            <p:ph type="title"/>
+          </p:nvPr>
+        </p:nvSpPr>
+        <p:spPr/>
+        <p:txBody>
+          <a:bodyPr/>
+          <a:lstStyle/>
+          <a:p>
+            <a:r>
+              <a:rPr lang="fr-FR" dirty="0"/>
+              <a:t>Robot porte-endoscope </a:t>
+            </a:r>
+            <a:br>
+              <a:rPr lang="fr-FR" dirty="0"/>
+            </a:br>
+            <a:r>
+              <a:rPr lang="fr-FR" dirty="0" err="1"/>
+              <a:t>Evolap</a:t>
+            </a:r>
+            <a:endParaRPr lang="fr-FR" dirty="0"/>
+          </a:p>
+        </p:txBody>
+      </p:sp>
+      <p:sp>
+        <p:nvSpPr>
+          <p:cNvPr id="6" name="Espace réservé pour une image  5"/>
+          <p:cNvSpPr>
+            <a:spLocks noGrp="1"/>
+          </p:cNvSpPr>
+          <p:nvPr>
+            <p:ph type="pic" idx="1"/>
+          </p:nvPr>
+        </p:nvSpPr>
+        <p:spPr/>
+      </p:sp>
+      <p:sp>
+        <p:nvSpPr>
+          <p:cNvPr id="7" name="Espace réservé du texte 6"/>
+          <p:cNvSpPr>
+            <a:spLocks noGrp="1"/>
+          </p:cNvSpPr>
+          <p:nvPr>
+            <p:ph type="body" sz="half" idx="2"/>
+          </p:nvPr>
+        </p:nvSpPr>
+        <p:spPr>
+          <a:xfrm>
+            <a:off x="5800874" y="1885278"/>
+            <a:ext cx="6195656" cy="4972722"/>
+          </a:xfrm>
+        </p:spPr>
+        <p:txBody>
+          <a:bodyPr/>
+          <a:lstStyle/>
+          <a:p>
+            <a:pPr marL="285750" indent="-285750">
+              <a:buFont typeface="Arial" panose="020B0604020202020204" pitchFamily="34" charset="0"/>
+              <a:buChar char="•"/>
+            </a:pPr>
+            <a:r>
+              <a:rPr lang="fr-FR" dirty="0"/>
+              <a:t>Centrale 2021</a:t>
+            </a:r>
+          </a:p>
+          <a:p>
+            <a:pPr marL="285750" indent="-285750">
+              <a:buFont typeface="Arial" panose="020B0604020202020204" pitchFamily="34" charset="0"/>
+              <a:buChar char="•"/>
+            </a:pPr>
+            <a:endParaRPr lang="fr-FR" dirty="0"/>
+          </a:p>
+        </p:txBody>
+      </p:sp>
+    </p:spTree>
+    <p:extLst>
+      <p:ext uri="{BB962C8B-B14F-4D97-AF65-F5344CB8AC3E}">
+        <p14:creationId xmlns:p14="http://schemas.microsoft.com/office/powerpoint/2010/main" val="1885825926"/>
       </p:ext>
     </p:extLst>
   </p:cSld>
@@ -5095,6 +5567,228 @@
       </p:grpSpPr>
       <p:sp>
         <p:nvSpPr>
+          <p:cNvPr id="6" name="Titre 5">
+            <a:extLst>
+              <a:ext uri="{FF2B5EF4-FFF2-40B4-BE49-F238E27FC236}">
+                <a16:creationId xmlns:a16="http://schemas.microsoft.com/office/drawing/2014/main" id="{F82268FF-4C93-293D-AD03-BDDB102C2FBC}"/>
+              </a:ext>
+            </a:extLst>
+          </p:cNvPr>
+          <p:cNvSpPr>
+            <a:spLocks noGrp="1"/>
+          </p:cNvSpPr>
+          <p:nvPr>
+            <p:ph type="title"/>
+          </p:nvPr>
+        </p:nvSpPr>
+        <p:spPr/>
+        <p:txBody>
+          <a:bodyPr/>
+          <a:lstStyle/>
+          <a:p>
+            <a:r>
+              <a:rPr lang="fr-FR" dirty="0"/>
+              <a:t>Quelques questions classiques</a:t>
+            </a:r>
+          </a:p>
+        </p:txBody>
+      </p:sp>
+      <p:sp>
+        <p:nvSpPr>
+          <p:cNvPr id="7" name="Espace réservé du contenu 6">
+            <a:extLst>
+              <a:ext uri="{FF2B5EF4-FFF2-40B4-BE49-F238E27FC236}">
+                <a16:creationId xmlns:a16="http://schemas.microsoft.com/office/drawing/2014/main" id="{6C43C52A-F751-0F1E-BBB5-BCD9BBFBD69D}"/>
+              </a:ext>
+            </a:extLst>
+          </p:cNvPr>
+          <p:cNvSpPr>
+            <a:spLocks noGrp="1"/>
+          </p:cNvSpPr>
+          <p:nvPr>
+            <p:ph idx="1"/>
+          </p:nvPr>
+        </p:nvSpPr>
+        <p:spPr/>
+        <p:txBody>
+          <a:bodyPr/>
+          <a:lstStyle/>
+          <a:p>
+            <a:r>
+              <a:rPr lang="fr-FR" dirty="0"/>
+              <a:t>Systèmes</a:t>
+            </a:r>
+          </a:p>
+          <a:p>
+            <a:pPr lvl="1"/>
+            <a:r>
+              <a:rPr lang="fr-FR" dirty="0"/>
+              <a:t>Indiquer quels sont les capteurs présents sur le systèmes réels ? Indiquer les capteurs ajoutés sur le système pédagogique pour faire des mesures annexes ?</a:t>
+            </a:r>
+          </a:p>
+          <a:p>
+            <a:r>
+              <a:rPr lang="fr-FR" dirty="0"/>
+              <a:t>Cinématique</a:t>
+            </a:r>
+          </a:p>
+          <a:p>
+            <a:pPr lvl="1"/>
+            <a:r>
+              <a:rPr lang="fr-FR" dirty="0"/>
+              <a:t>Proposer un modèle de liaison entre pièces.</a:t>
+            </a:r>
+          </a:p>
+          <a:p>
+            <a:r>
+              <a:rPr lang="fr-FR" dirty="0"/>
+              <a:t>Hyperstatisme</a:t>
+            </a:r>
+          </a:p>
+          <a:p>
+            <a:pPr lvl="1"/>
+            <a:r>
+              <a:rPr lang="fr-FR" dirty="0"/>
+              <a:t>Indiquer en quoi il est préférable qu’un mécanisme soit isostatique ? Hyperstatique ?</a:t>
+            </a:r>
+          </a:p>
+          <a:p>
+            <a:r>
+              <a:rPr lang="fr-FR" dirty="0"/>
+              <a:t>Asservissements</a:t>
+            </a:r>
+          </a:p>
+          <a:p>
+            <a:pPr lvl="1"/>
+            <a:r>
+              <a:rPr lang="fr-FR" dirty="0"/>
+              <a:t>Déterminer les performances d’un système.</a:t>
+            </a:r>
+          </a:p>
+          <a:p>
+            <a:pPr lvl="1"/>
+            <a:r>
+              <a:rPr lang="fr-FR" dirty="0"/>
+              <a:t>Donner l’influence d’un correcteur proportionnel ? d’un correcteur intégrale ? d’un correcteur PID ?</a:t>
+            </a:r>
+          </a:p>
+        </p:txBody>
+      </p:sp>
+    </p:spTree>
+    <p:extLst>
+      <p:ext uri="{BB962C8B-B14F-4D97-AF65-F5344CB8AC3E}">
+        <p14:creationId xmlns:p14="http://schemas.microsoft.com/office/powerpoint/2010/main" val="2639870661"/>
+      </p:ext>
+    </p:extLst>
+  </p:cSld>
+  <p:clrMapOvr>
+    <a:masterClrMapping/>
+  </p:clrMapOvr>
+</p:sld>
+</file>
+
+<file path=ppt/slides/slide30.xml><?xml version="1.0" encoding="utf-8"?>
+<p:sld xmlns:a="http://schemas.openxmlformats.org/drawingml/2006/main" xmlns:r="http://schemas.openxmlformats.org/officeDocument/2006/relationships" xmlns:p="http://schemas.openxmlformats.org/presentationml/2006/main">
+  <p:cSld>
+    <p:spTree>
+      <p:nvGrpSpPr>
+        <p:cNvPr id="1" name=""/>
+        <p:cNvGrpSpPr/>
+        <p:nvPr/>
+      </p:nvGrpSpPr>
+      <p:grpSpPr>
+        <a:xfrm>
+          <a:off x="0" y="0"/>
+          <a:ext cx="0" cy="0"/>
+          <a:chOff x="0" y="0"/>
+          <a:chExt cx="0" cy="0"/>
+        </a:xfrm>
+      </p:grpSpPr>
+      <p:sp>
+        <p:nvSpPr>
+          <p:cNvPr id="5" name="Titre 4">
+            <a:extLst>
+              <a:ext uri="{FF2B5EF4-FFF2-40B4-BE49-F238E27FC236}">
+                <a16:creationId xmlns:a16="http://schemas.microsoft.com/office/drawing/2014/main" id="{32C87908-0B8D-63AB-2D3B-E276DA002F84}"/>
+              </a:ext>
+            </a:extLst>
+          </p:cNvPr>
+          <p:cNvSpPr>
+            <a:spLocks noGrp="1"/>
+          </p:cNvSpPr>
+          <p:nvPr>
+            <p:ph type="title"/>
+          </p:nvPr>
+        </p:nvSpPr>
+        <p:spPr/>
+        <p:txBody>
+          <a:bodyPr/>
+          <a:lstStyle/>
+          <a:p>
+            <a:r>
+              <a:rPr lang="fr-FR" dirty="0"/>
+              <a:t>Chaine fonctionnelle</a:t>
+            </a:r>
+          </a:p>
+        </p:txBody>
+      </p:sp>
+      <p:sp>
+        <p:nvSpPr>
+          <p:cNvPr id="6" name="Espace réservé du contenu 5">
+            <a:extLst>
+              <a:ext uri="{FF2B5EF4-FFF2-40B4-BE49-F238E27FC236}">
+                <a16:creationId xmlns:a16="http://schemas.microsoft.com/office/drawing/2014/main" id="{BB7E0468-ABBC-488B-4C5A-D9A1AABBE3CD}"/>
+              </a:ext>
+            </a:extLst>
+          </p:cNvPr>
+          <p:cNvSpPr>
+            <a:spLocks noGrp="1"/>
+          </p:cNvSpPr>
+          <p:nvPr>
+            <p:ph idx="1"/>
+          </p:nvPr>
+        </p:nvSpPr>
+        <p:spPr/>
+        <p:txBody>
+          <a:bodyPr/>
+          <a:lstStyle/>
+          <a:p>
+            <a:endParaRPr lang="fr-FR"/>
+          </a:p>
+        </p:txBody>
+      </p:sp>
+    </p:spTree>
+    <p:extLst>
+      <p:ext uri="{BB962C8B-B14F-4D97-AF65-F5344CB8AC3E}">
+        <p14:creationId xmlns:p14="http://schemas.microsoft.com/office/powerpoint/2010/main" val="3169010607"/>
+      </p:ext>
+    </p:extLst>
+  </p:cSld>
+  <p:clrMapOvr>
+    <a:masterClrMapping/>
+  </p:clrMapOvr>
+</p:sld>
+</file>
+
+<file path=ppt/slides/slide31.xml><?xml version="1.0" encoding="utf-8"?>
+<p:sld xmlns:a="http://schemas.openxmlformats.org/drawingml/2006/main" xmlns:r="http://schemas.openxmlformats.org/officeDocument/2006/relationships" xmlns:p="http://schemas.openxmlformats.org/presentationml/2006/main">
+  <p:cSld>
+    <p:spTree>
+      <p:nvGrpSpPr>
+        <p:cNvPr id="1" name=""/>
+        <p:cNvGrpSpPr/>
+        <p:nvPr/>
+      </p:nvGrpSpPr>
+      <p:grpSpPr>
+        <a:xfrm>
+          <a:off x="0" y="0"/>
+          <a:ext cx="0" cy="0"/>
+          <a:chOff x="0" y="0"/>
+          <a:chExt cx="0" cy="0"/>
+        </a:xfrm>
+      </p:grpSpPr>
+      <p:sp>
+        <p:nvSpPr>
           <p:cNvPr id="4" name="Titre 3"/>
           <p:cNvSpPr>
             <a:spLocks noGrp="1"/>
@@ -5109,8 +5803,12 @@
           <a:lstStyle/>
           <a:p>
             <a:r>
-              <a:rPr lang="fr-FR" dirty="0"/>
-              <a:t>Quelques questions classiques</a:t>
+              <a:rPr lang="fr-FR" dirty="0" err="1"/>
+              <a:t>Slider</a:t>
+            </a:r>
+            <a:r>
+              <a:rPr lang="fr-FR" dirty="0"/>
+              <a:t> Camera</a:t>
             </a:r>
           </a:p>
         </p:txBody>
@@ -5147,6 +5845,20 @@
           <a:bodyPr/>
           <a:lstStyle/>
           <a:p>
+            <a:pPr marL="285750" indent="-285750">
+              <a:buFont typeface="Arial" panose="020B0604020202020204" pitchFamily="34" charset="0"/>
+              <a:buChar char="•"/>
+            </a:pPr>
+            <a:r>
+              <a:rPr lang="fr-FR" dirty="0"/>
+              <a:t>Centrale 2021</a:t>
+            </a:r>
+          </a:p>
+          <a:p>
+            <a:pPr marL="285750" indent="-285750">
+              <a:buFont typeface="Arial" panose="020B0604020202020204" pitchFamily="34" charset="0"/>
+              <a:buChar char="•"/>
+            </a:pPr>
             <a:endParaRPr lang="fr-FR" dirty="0"/>
           </a:p>
         </p:txBody>
@@ -5154,7 +5866,739 @@
     </p:spTree>
     <p:extLst>
       <p:ext uri="{BB962C8B-B14F-4D97-AF65-F5344CB8AC3E}">
-        <p14:creationId xmlns:p14="http://schemas.microsoft.com/office/powerpoint/2010/main" val="1606760964"/>
+        <p14:creationId xmlns:p14="http://schemas.microsoft.com/office/powerpoint/2010/main" val="2869593729"/>
+      </p:ext>
+    </p:extLst>
+  </p:cSld>
+  <p:clrMapOvr>
+    <a:masterClrMapping/>
+  </p:clrMapOvr>
+</p:sld>
+</file>
+
+<file path=ppt/slides/slide32.xml><?xml version="1.0" encoding="utf-8"?>
+<p:sld xmlns:a="http://schemas.openxmlformats.org/drawingml/2006/main" xmlns:r="http://schemas.openxmlformats.org/officeDocument/2006/relationships" xmlns:p="http://schemas.openxmlformats.org/presentationml/2006/main">
+  <p:cSld>
+    <p:spTree>
+      <p:nvGrpSpPr>
+        <p:cNvPr id="1" name=""/>
+        <p:cNvGrpSpPr/>
+        <p:nvPr/>
+      </p:nvGrpSpPr>
+      <p:grpSpPr>
+        <a:xfrm>
+          <a:off x="0" y="0"/>
+          <a:ext cx="0" cy="0"/>
+          <a:chOff x="0" y="0"/>
+          <a:chExt cx="0" cy="0"/>
+        </a:xfrm>
+      </p:grpSpPr>
+      <p:sp>
+        <p:nvSpPr>
+          <p:cNvPr id="5" name="Titre 4">
+            <a:extLst>
+              <a:ext uri="{FF2B5EF4-FFF2-40B4-BE49-F238E27FC236}">
+                <a16:creationId xmlns:a16="http://schemas.microsoft.com/office/drawing/2014/main" id="{32C87908-0B8D-63AB-2D3B-E276DA002F84}"/>
+              </a:ext>
+            </a:extLst>
+          </p:cNvPr>
+          <p:cNvSpPr>
+            <a:spLocks noGrp="1"/>
+          </p:cNvSpPr>
+          <p:nvPr>
+            <p:ph type="title"/>
+          </p:nvPr>
+        </p:nvSpPr>
+        <p:spPr/>
+        <p:txBody>
+          <a:bodyPr/>
+          <a:lstStyle/>
+          <a:p>
+            <a:r>
+              <a:rPr lang="fr-FR" dirty="0"/>
+              <a:t>Chaine fonctionnelle</a:t>
+            </a:r>
+          </a:p>
+        </p:txBody>
+      </p:sp>
+      <p:sp>
+        <p:nvSpPr>
+          <p:cNvPr id="6" name="Espace réservé du contenu 5">
+            <a:extLst>
+              <a:ext uri="{FF2B5EF4-FFF2-40B4-BE49-F238E27FC236}">
+                <a16:creationId xmlns:a16="http://schemas.microsoft.com/office/drawing/2014/main" id="{BB7E0468-ABBC-488B-4C5A-D9A1AABBE3CD}"/>
+              </a:ext>
+            </a:extLst>
+          </p:cNvPr>
+          <p:cNvSpPr>
+            <a:spLocks noGrp="1"/>
+          </p:cNvSpPr>
+          <p:nvPr>
+            <p:ph idx="1"/>
+          </p:nvPr>
+        </p:nvSpPr>
+        <p:spPr/>
+        <p:txBody>
+          <a:bodyPr/>
+          <a:lstStyle/>
+          <a:p>
+            <a:endParaRPr lang="fr-FR"/>
+          </a:p>
+        </p:txBody>
+      </p:sp>
+    </p:spTree>
+    <p:extLst>
+      <p:ext uri="{BB962C8B-B14F-4D97-AF65-F5344CB8AC3E}">
+        <p14:creationId xmlns:p14="http://schemas.microsoft.com/office/powerpoint/2010/main" val="1348222354"/>
+      </p:ext>
+    </p:extLst>
+  </p:cSld>
+  <p:clrMapOvr>
+    <a:masterClrMapping/>
+  </p:clrMapOvr>
+</p:sld>
+</file>
+
+<file path=ppt/slides/slide33.xml><?xml version="1.0" encoding="utf-8"?>
+<p:sld xmlns:a="http://schemas.openxmlformats.org/drawingml/2006/main" xmlns:r="http://schemas.openxmlformats.org/officeDocument/2006/relationships" xmlns:p="http://schemas.openxmlformats.org/presentationml/2006/main">
+  <p:cSld>
+    <p:spTree>
+      <p:nvGrpSpPr>
+        <p:cNvPr id="1" name=""/>
+        <p:cNvGrpSpPr/>
+        <p:nvPr/>
+      </p:nvGrpSpPr>
+      <p:grpSpPr>
+        <a:xfrm>
+          <a:off x="0" y="0"/>
+          <a:ext cx="0" cy="0"/>
+          <a:chOff x="0" y="0"/>
+          <a:chExt cx="0" cy="0"/>
+        </a:xfrm>
+      </p:grpSpPr>
+      <p:sp>
+        <p:nvSpPr>
+          <p:cNvPr id="4" name="Titre 3"/>
+          <p:cNvSpPr>
+            <a:spLocks noGrp="1"/>
+          </p:cNvSpPr>
+          <p:nvPr>
+            <p:ph type="title"/>
+          </p:nvPr>
+        </p:nvSpPr>
+        <p:spPr/>
+        <p:txBody>
+          <a:bodyPr/>
+          <a:lstStyle/>
+          <a:p>
+            <a:r>
+              <a:rPr lang="fr-FR" dirty="0"/>
+              <a:t>Trieuse de pièces</a:t>
+            </a:r>
+          </a:p>
+        </p:txBody>
+      </p:sp>
+      <p:sp>
+        <p:nvSpPr>
+          <p:cNvPr id="6" name="Espace réservé pour une image  5"/>
+          <p:cNvSpPr>
+            <a:spLocks noGrp="1"/>
+          </p:cNvSpPr>
+          <p:nvPr>
+            <p:ph type="pic" idx="1"/>
+          </p:nvPr>
+        </p:nvSpPr>
+        <p:spPr/>
+      </p:sp>
+      <p:sp>
+        <p:nvSpPr>
+          <p:cNvPr id="7" name="Espace réservé du texte 6"/>
+          <p:cNvSpPr>
+            <a:spLocks noGrp="1"/>
+          </p:cNvSpPr>
+          <p:nvPr>
+            <p:ph type="body" sz="half" idx="2"/>
+          </p:nvPr>
+        </p:nvSpPr>
+        <p:spPr>
+          <a:xfrm>
+            <a:off x="5800874" y="1885278"/>
+            <a:ext cx="6195656" cy="4972722"/>
+          </a:xfrm>
+        </p:spPr>
+        <p:txBody>
+          <a:bodyPr/>
+          <a:lstStyle/>
+          <a:p>
+            <a:pPr marL="285750" indent="-285750">
+              <a:buFont typeface="Arial" panose="020B0604020202020204" pitchFamily="34" charset="0"/>
+              <a:buChar char="•"/>
+            </a:pPr>
+            <a:r>
+              <a:rPr lang="fr-FR" dirty="0"/>
+              <a:t>Centrale 2021</a:t>
+            </a:r>
+          </a:p>
+          <a:p>
+            <a:pPr marL="285750" indent="-285750">
+              <a:buFont typeface="Arial" panose="020B0604020202020204" pitchFamily="34" charset="0"/>
+              <a:buChar char="•"/>
+            </a:pPr>
+            <a:endParaRPr lang="fr-FR" dirty="0"/>
+          </a:p>
+        </p:txBody>
+      </p:sp>
+    </p:spTree>
+    <p:extLst>
+      <p:ext uri="{BB962C8B-B14F-4D97-AF65-F5344CB8AC3E}">
+        <p14:creationId xmlns:p14="http://schemas.microsoft.com/office/powerpoint/2010/main" val="219799641"/>
+      </p:ext>
+    </p:extLst>
+  </p:cSld>
+  <p:clrMapOvr>
+    <a:masterClrMapping/>
+  </p:clrMapOvr>
+</p:sld>
+</file>
+
+<file path=ppt/slides/slide34.xml><?xml version="1.0" encoding="utf-8"?>
+<p:sld xmlns:a="http://schemas.openxmlformats.org/drawingml/2006/main" xmlns:r="http://schemas.openxmlformats.org/officeDocument/2006/relationships" xmlns:p="http://schemas.openxmlformats.org/presentationml/2006/main">
+  <p:cSld>
+    <p:spTree>
+      <p:nvGrpSpPr>
+        <p:cNvPr id="1" name=""/>
+        <p:cNvGrpSpPr/>
+        <p:nvPr/>
+      </p:nvGrpSpPr>
+      <p:grpSpPr>
+        <a:xfrm>
+          <a:off x="0" y="0"/>
+          <a:ext cx="0" cy="0"/>
+          <a:chOff x="0" y="0"/>
+          <a:chExt cx="0" cy="0"/>
+        </a:xfrm>
+      </p:grpSpPr>
+      <p:sp>
+        <p:nvSpPr>
+          <p:cNvPr id="4" name="Titre 3"/>
+          <p:cNvSpPr>
+            <a:spLocks noGrp="1"/>
+          </p:cNvSpPr>
+          <p:nvPr>
+            <p:ph type="title"/>
+          </p:nvPr>
+        </p:nvSpPr>
+        <p:spPr/>
+        <p:txBody>
+          <a:bodyPr/>
+          <a:lstStyle/>
+          <a:p>
+            <a:r>
+              <a:rPr lang="fr-FR" dirty="0"/>
+              <a:t>Véhicule autonome Park </a:t>
+            </a:r>
+            <a:r>
+              <a:rPr lang="fr-FR" dirty="0" err="1"/>
+              <a:t>Lab</a:t>
+            </a:r>
+            <a:endParaRPr lang="fr-FR" dirty="0"/>
+          </a:p>
+        </p:txBody>
+      </p:sp>
+      <p:sp>
+        <p:nvSpPr>
+          <p:cNvPr id="6" name="Espace réservé pour une image  5"/>
+          <p:cNvSpPr>
+            <a:spLocks noGrp="1"/>
+          </p:cNvSpPr>
+          <p:nvPr>
+            <p:ph type="pic" idx="1"/>
+          </p:nvPr>
+        </p:nvSpPr>
+        <p:spPr/>
+      </p:sp>
+      <p:sp>
+        <p:nvSpPr>
+          <p:cNvPr id="7" name="Espace réservé du texte 6"/>
+          <p:cNvSpPr>
+            <a:spLocks noGrp="1"/>
+          </p:cNvSpPr>
+          <p:nvPr>
+            <p:ph type="body" sz="half" idx="2"/>
+          </p:nvPr>
+        </p:nvSpPr>
+        <p:spPr>
+          <a:xfrm>
+            <a:off x="5800874" y="1885278"/>
+            <a:ext cx="6195656" cy="4972722"/>
+          </a:xfrm>
+        </p:spPr>
+        <p:txBody>
+          <a:bodyPr/>
+          <a:lstStyle/>
+          <a:p>
+            <a:pPr marL="285750" indent="-285750">
+              <a:buFont typeface="Arial" panose="020B0604020202020204" pitchFamily="34" charset="0"/>
+              <a:buChar char="•"/>
+            </a:pPr>
+            <a:r>
+              <a:rPr lang="fr-FR" dirty="0"/>
+              <a:t>Centrale 2021</a:t>
+            </a:r>
+          </a:p>
+          <a:p>
+            <a:pPr marL="285750" indent="-285750">
+              <a:buFont typeface="Arial" panose="020B0604020202020204" pitchFamily="34" charset="0"/>
+              <a:buChar char="•"/>
+            </a:pPr>
+            <a:endParaRPr lang="fr-FR" dirty="0"/>
+          </a:p>
+        </p:txBody>
+      </p:sp>
+    </p:spTree>
+    <p:extLst>
+      <p:ext uri="{BB962C8B-B14F-4D97-AF65-F5344CB8AC3E}">
+        <p14:creationId xmlns:p14="http://schemas.microsoft.com/office/powerpoint/2010/main" val="3155238446"/>
+      </p:ext>
+    </p:extLst>
+  </p:cSld>
+  <p:clrMapOvr>
+    <a:masterClrMapping/>
+  </p:clrMapOvr>
+</p:sld>
+</file>
+
+<file path=ppt/slides/slide35.xml><?xml version="1.0" encoding="utf-8"?>
+<p:sld xmlns:a="http://schemas.openxmlformats.org/drawingml/2006/main" xmlns:r="http://schemas.openxmlformats.org/officeDocument/2006/relationships" xmlns:p="http://schemas.openxmlformats.org/presentationml/2006/main">
+  <p:cSld>
+    <p:spTree>
+      <p:nvGrpSpPr>
+        <p:cNvPr id="1" name=""/>
+        <p:cNvGrpSpPr/>
+        <p:nvPr/>
+      </p:nvGrpSpPr>
+      <p:grpSpPr>
+        <a:xfrm>
+          <a:off x="0" y="0"/>
+          <a:ext cx="0" cy="0"/>
+          <a:chOff x="0" y="0"/>
+          <a:chExt cx="0" cy="0"/>
+        </a:xfrm>
+      </p:grpSpPr>
+      <p:sp>
+        <p:nvSpPr>
+          <p:cNvPr id="5" name="Titre 4">
+            <a:extLst>
+              <a:ext uri="{FF2B5EF4-FFF2-40B4-BE49-F238E27FC236}">
+                <a16:creationId xmlns:a16="http://schemas.microsoft.com/office/drawing/2014/main" id="{32C87908-0B8D-63AB-2D3B-E276DA002F84}"/>
+              </a:ext>
+            </a:extLst>
+          </p:cNvPr>
+          <p:cNvSpPr>
+            <a:spLocks noGrp="1"/>
+          </p:cNvSpPr>
+          <p:nvPr>
+            <p:ph type="title"/>
+          </p:nvPr>
+        </p:nvSpPr>
+        <p:spPr/>
+        <p:txBody>
+          <a:bodyPr/>
+          <a:lstStyle/>
+          <a:p>
+            <a:r>
+              <a:rPr lang="fr-FR" dirty="0"/>
+              <a:t>Chaine fonctionnelle</a:t>
+            </a:r>
+          </a:p>
+        </p:txBody>
+      </p:sp>
+      <p:sp>
+        <p:nvSpPr>
+          <p:cNvPr id="6" name="Espace réservé du contenu 5">
+            <a:extLst>
+              <a:ext uri="{FF2B5EF4-FFF2-40B4-BE49-F238E27FC236}">
+                <a16:creationId xmlns:a16="http://schemas.microsoft.com/office/drawing/2014/main" id="{BB7E0468-ABBC-488B-4C5A-D9A1AABBE3CD}"/>
+              </a:ext>
+            </a:extLst>
+          </p:cNvPr>
+          <p:cNvSpPr>
+            <a:spLocks noGrp="1"/>
+          </p:cNvSpPr>
+          <p:nvPr>
+            <p:ph idx="1"/>
+          </p:nvPr>
+        </p:nvSpPr>
+        <p:spPr/>
+        <p:txBody>
+          <a:bodyPr/>
+          <a:lstStyle/>
+          <a:p>
+            <a:endParaRPr lang="fr-FR"/>
+          </a:p>
+        </p:txBody>
+      </p:sp>
+    </p:spTree>
+    <p:extLst>
+      <p:ext uri="{BB962C8B-B14F-4D97-AF65-F5344CB8AC3E}">
+        <p14:creationId xmlns:p14="http://schemas.microsoft.com/office/powerpoint/2010/main" val="3127552415"/>
+      </p:ext>
+    </p:extLst>
+  </p:cSld>
+  <p:clrMapOvr>
+    <a:masterClrMapping/>
+  </p:clrMapOvr>
+</p:sld>
+</file>
+
+<file path=ppt/slides/slide36.xml><?xml version="1.0" encoding="utf-8"?>
+<p:sld xmlns:a="http://schemas.openxmlformats.org/drawingml/2006/main" xmlns:r="http://schemas.openxmlformats.org/officeDocument/2006/relationships" xmlns:p="http://schemas.openxmlformats.org/presentationml/2006/main">
+  <p:cSld>
+    <p:spTree>
+      <p:nvGrpSpPr>
+        <p:cNvPr id="1" name=""/>
+        <p:cNvGrpSpPr/>
+        <p:nvPr/>
+      </p:nvGrpSpPr>
+      <p:grpSpPr>
+        <a:xfrm>
+          <a:off x="0" y="0"/>
+          <a:ext cx="0" cy="0"/>
+          <a:chOff x="0" y="0"/>
+          <a:chExt cx="0" cy="0"/>
+        </a:xfrm>
+      </p:grpSpPr>
+      <p:sp>
+        <p:nvSpPr>
+          <p:cNvPr id="4" name="Titre 3"/>
+          <p:cNvSpPr>
+            <a:spLocks noGrp="1"/>
+          </p:cNvSpPr>
+          <p:nvPr>
+            <p:ph type="title"/>
+          </p:nvPr>
+        </p:nvSpPr>
+        <p:spPr/>
+        <p:txBody>
+          <a:bodyPr/>
+          <a:lstStyle/>
+          <a:p>
+            <a:r>
+              <a:rPr lang="fr-FR" dirty="0"/>
+              <a:t>Compacteur solaire communicant</a:t>
+            </a:r>
+          </a:p>
+        </p:txBody>
+      </p:sp>
+      <p:sp>
+        <p:nvSpPr>
+          <p:cNvPr id="6" name="Espace réservé pour une image  5"/>
+          <p:cNvSpPr>
+            <a:spLocks noGrp="1"/>
+          </p:cNvSpPr>
+          <p:nvPr>
+            <p:ph type="pic" idx="1"/>
+          </p:nvPr>
+        </p:nvSpPr>
+        <p:spPr/>
+      </p:sp>
+      <p:sp>
+        <p:nvSpPr>
+          <p:cNvPr id="7" name="Espace réservé du texte 6"/>
+          <p:cNvSpPr>
+            <a:spLocks noGrp="1"/>
+          </p:cNvSpPr>
+          <p:nvPr>
+            <p:ph type="body" sz="half" idx="2"/>
+          </p:nvPr>
+        </p:nvSpPr>
+        <p:spPr>
+          <a:xfrm>
+            <a:off x="5800874" y="1885278"/>
+            <a:ext cx="6195656" cy="4972722"/>
+          </a:xfrm>
+        </p:spPr>
+        <p:txBody>
+          <a:bodyPr/>
+          <a:lstStyle/>
+          <a:p>
+            <a:pPr marL="285750" indent="-285750">
+              <a:buFont typeface="Arial" panose="020B0604020202020204" pitchFamily="34" charset="0"/>
+              <a:buChar char="•"/>
+            </a:pPr>
+            <a:r>
+              <a:rPr lang="fr-FR" dirty="0"/>
+              <a:t>Centrale 2021</a:t>
+            </a:r>
+          </a:p>
+          <a:p>
+            <a:pPr marL="285750" indent="-285750">
+              <a:buFont typeface="Arial" panose="020B0604020202020204" pitchFamily="34" charset="0"/>
+              <a:buChar char="•"/>
+            </a:pPr>
+            <a:endParaRPr lang="fr-FR" dirty="0"/>
+          </a:p>
+        </p:txBody>
+      </p:sp>
+    </p:spTree>
+    <p:extLst>
+      <p:ext uri="{BB962C8B-B14F-4D97-AF65-F5344CB8AC3E}">
+        <p14:creationId xmlns:p14="http://schemas.microsoft.com/office/powerpoint/2010/main" val="2587353073"/>
+      </p:ext>
+    </p:extLst>
+  </p:cSld>
+  <p:clrMapOvr>
+    <a:masterClrMapping/>
+  </p:clrMapOvr>
+</p:sld>
+</file>
+
+<file path=ppt/slides/slide37.xml><?xml version="1.0" encoding="utf-8"?>
+<p:sld xmlns:a="http://schemas.openxmlformats.org/drawingml/2006/main" xmlns:r="http://schemas.openxmlformats.org/officeDocument/2006/relationships" xmlns:p="http://schemas.openxmlformats.org/presentationml/2006/main">
+  <p:cSld>
+    <p:spTree>
+      <p:nvGrpSpPr>
+        <p:cNvPr id="1" name=""/>
+        <p:cNvGrpSpPr/>
+        <p:nvPr/>
+      </p:nvGrpSpPr>
+      <p:grpSpPr>
+        <a:xfrm>
+          <a:off x="0" y="0"/>
+          <a:ext cx="0" cy="0"/>
+          <a:chOff x="0" y="0"/>
+          <a:chExt cx="0" cy="0"/>
+        </a:xfrm>
+      </p:grpSpPr>
+      <p:sp>
+        <p:nvSpPr>
+          <p:cNvPr id="5" name="Titre 4">
+            <a:extLst>
+              <a:ext uri="{FF2B5EF4-FFF2-40B4-BE49-F238E27FC236}">
+                <a16:creationId xmlns:a16="http://schemas.microsoft.com/office/drawing/2014/main" id="{32C87908-0B8D-63AB-2D3B-E276DA002F84}"/>
+              </a:ext>
+            </a:extLst>
+          </p:cNvPr>
+          <p:cNvSpPr>
+            <a:spLocks noGrp="1"/>
+          </p:cNvSpPr>
+          <p:nvPr>
+            <p:ph type="title"/>
+          </p:nvPr>
+        </p:nvSpPr>
+        <p:spPr/>
+        <p:txBody>
+          <a:bodyPr/>
+          <a:lstStyle/>
+          <a:p>
+            <a:r>
+              <a:rPr lang="fr-FR" dirty="0"/>
+              <a:t>Chaine fonctionnelle</a:t>
+            </a:r>
+          </a:p>
+        </p:txBody>
+      </p:sp>
+      <p:sp>
+        <p:nvSpPr>
+          <p:cNvPr id="6" name="Espace réservé du contenu 5">
+            <a:extLst>
+              <a:ext uri="{FF2B5EF4-FFF2-40B4-BE49-F238E27FC236}">
+                <a16:creationId xmlns:a16="http://schemas.microsoft.com/office/drawing/2014/main" id="{BB7E0468-ABBC-488B-4C5A-D9A1AABBE3CD}"/>
+              </a:ext>
+            </a:extLst>
+          </p:cNvPr>
+          <p:cNvSpPr>
+            <a:spLocks noGrp="1"/>
+          </p:cNvSpPr>
+          <p:nvPr>
+            <p:ph idx="1"/>
+          </p:nvPr>
+        </p:nvSpPr>
+        <p:spPr/>
+        <p:txBody>
+          <a:bodyPr/>
+          <a:lstStyle/>
+          <a:p>
+            <a:endParaRPr lang="fr-FR"/>
+          </a:p>
+        </p:txBody>
+      </p:sp>
+    </p:spTree>
+    <p:extLst>
+      <p:ext uri="{BB962C8B-B14F-4D97-AF65-F5344CB8AC3E}">
+        <p14:creationId xmlns:p14="http://schemas.microsoft.com/office/powerpoint/2010/main" val="2139198173"/>
+      </p:ext>
+    </p:extLst>
+  </p:cSld>
+  <p:clrMapOvr>
+    <a:masterClrMapping/>
+  </p:clrMapOvr>
+</p:sld>
+</file>
+
+<file path=ppt/slides/slide38.xml><?xml version="1.0" encoding="utf-8"?>
+<p:sld xmlns:a="http://schemas.openxmlformats.org/drawingml/2006/main" xmlns:r="http://schemas.openxmlformats.org/officeDocument/2006/relationships" xmlns:p="http://schemas.openxmlformats.org/presentationml/2006/main">
+  <p:cSld>
+    <p:spTree>
+      <p:nvGrpSpPr>
+        <p:cNvPr id="1" name=""/>
+        <p:cNvGrpSpPr/>
+        <p:nvPr/>
+      </p:nvGrpSpPr>
+      <p:grpSpPr>
+        <a:xfrm>
+          <a:off x="0" y="0"/>
+          <a:ext cx="0" cy="0"/>
+          <a:chOff x="0" y="0"/>
+          <a:chExt cx="0" cy="0"/>
+        </a:xfrm>
+      </p:grpSpPr>
+      <p:sp>
+        <p:nvSpPr>
+          <p:cNvPr id="4" name="Titre 3"/>
+          <p:cNvSpPr>
+            <a:spLocks noGrp="1"/>
+          </p:cNvSpPr>
+          <p:nvPr>
+            <p:ph type="title"/>
+          </p:nvPr>
+        </p:nvSpPr>
+        <p:spPr/>
+        <p:txBody>
+          <a:bodyPr/>
+          <a:lstStyle/>
+          <a:p>
+            <a:r>
+              <a:rPr lang="fr-FR" dirty="0" err="1"/>
+              <a:t>MaxPID</a:t>
+            </a:r>
+            <a:endParaRPr lang="fr-FR" dirty="0"/>
+          </a:p>
+        </p:txBody>
+      </p:sp>
+      <p:sp>
+        <p:nvSpPr>
+          <p:cNvPr id="6" name="Espace réservé pour une image  5"/>
+          <p:cNvSpPr>
+            <a:spLocks noGrp="1"/>
+          </p:cNvSpPr>
+          <p:nvPr>
+            <p:ph type="pic" idx="1"/>
+          </p:nvPr>
+        </p:nvSpPr>
+        <p:spPr/>
+      </p:sp>
+      <p:sp>
+        <p:nvSpPr>
+          <p:cNvPr id="7" name="Espace réservé du texte 6"/>
+          <p:cNvSpPr>
+            <a:spLocks noGrp="1"/>
+          </p:cNvSpPr>
+          <p:nvPr>
+            <p:ph type="body" sz="half" idx="2"/>
+          </p:nvPr>
+        </p:nvSpPr>
+        <p:spPr>
+          <a:xfrm>
+            <a:off x="5800874" y="1885278"/>
+            <a:ext cx="6195656" cy="4972722"/>
+          </a:xfrm>
+        </p:spPr>
+        <p:txBody>
+          <a:bodyPr/>
+          <a:lstStyle/>
+          <a:p>
+            <a:endParaRPr lang="fr-FR" dirty="0"/>
+          </a:p>
+        </p:txBody>
+      </p:sp>
+    </p:spTree>
+    <p:extLst>
+      <p:ext uri="{BB962C8B-B14F-4D97-AF65-F5344CB8AC3E}">
+        <p14:creationId xmlns:p14="http://schemas.microsoft.com/office/powerpoint/2010/main" val="1567886867"/>
+      </p:ext>
+    </p:extLst>
+  </p:cSld>
+  <p:clrMapOvr>
+    <a:masterClrMapping/>
+  </p:clrMapOvr>
+</p:sld>
+</file>
+
+<file path=ppt/slides/slide39.xml><?xml version="1.0" encoding="utf-8"?>
+<p:sld xmlns:a="http://schemas.openxmlformats.org/drawingml/2006/main" xmlns:r="http://schemas.openxmlformats.org/officeDocument/2006/relationships" xmlns:p="http://schemas.openxmlformats.org/presentationml/2006/main">
+  <p:cSld>
+    <p:spTree>
+      <p:nvGrpSpPr>
+        <p:cNvPr id="1" name=""/>
+        <p:cNvGrpSpPr/>
+        <p:nvPr/>
+      </p:nvGrpSpPr>
+      <p:grpSpPr>
+        <a:xfrm>
+          <a:off x="0" y="0"/>
+          <a:ext cx="0" cy="0"/>
+          <a:chOff x="0" y="0"/>
+          <a:chExt cx="0" cy="0"/>
+        </a:xfrm>
+      </p:grpSpPr>
+      <p:sp>
+        <p:nvSpPr>
+          <p:cNvPr id="5" name="Titre 4">
+            <a:extLst>
+              <a:ext uri="{FF2B5EF4-FFF2-40B4-BE49-F238E27FC236}">
+                <a16:creationId xmlns:a16="http://schemas.microsoft.com/office/drawing/2014/main" id="{32C87908-0B8D-63AB-2D3B-E276DA002F84}"/>
+              </a:ext>
+            </a:extLst>
+          </p:cNvPr>
+          <p:cNvSpPr>
+            <a:spLocks noGrp="1"/>
+          </p:cNvSpPr>
+          <p:nvPr>
+            <p:ph type="title"/>
+          </p:nvPr>
+        </p:nvSpPr>
+        <p:spPr/>
+        <p:txBody>
+          <a:bodyPr/>
+          <a:lstStyle/>
+          <a:p>
+            <a:r>
+              <a:rPr lang="fr-FR" dirty="0"/>
+              <a:t>Chaine fonctionnelle</a:t>
+            </a:r>
+          </a:p>
+        </p:txBody>
+      </p:sp>
+      <p:sp>
+        <p:nvSpPr>
+          <p:cNvPr id="6" name="Espace réservé du contenu 5">
+            <a:extLst>
+              <a:ext uri="{FF2B5EF4-FFF2-40B4-BE49-F238E27FC236}">
+                <a16:creationId xmlns:a16="http://schemas.microsoft.com/office/drawing/2014/main" id="{BB7E0468-ABBC-488B-4C5A-D9A1AABBE3CD}"/>
+              </a:ext>
+            </a:extLst>
+          </p:cNvPr>
+          <p:cNvSpPr>
+            <a:spLocks noGrp="1"/>
+          </p:cNvSpPr>
+          <p:nvPr>
+            <p:ph idx="1"/>
+          </p:nvPr>
+        </p:nvSpPr>
+        <p:spPr/>
+        <p:txBody>
+          <a:bodyPr/>
+          <a:lstStyle/>
+          <a:p>
+            <a:endParaRPr lang="fr-FR"/>
+          </a:p>
+        </p:txBody>
+      </p:sp>
+    </p:spTree>
+    <p:extLst>
+      <p:ext uri="{BB962C8B-B14F-4D97-AF65-F5344CB8AC3E}">
+        <p14:creationId xmlns:p14="http://schemas.microsoft.com/office/powerpoint/2010/main" val="872163790"/>
       </p:ext>
     </p:extLst>
   </p:cSld>
@@ -5183,10 +6627,113 @@
       </p:grpSpPr>
       <p:sp>
         <p:nvSpPr>
-          <p:cNvPr id="6" name="Titre 5">
+          <p:cNvPr id="4" name="Titre 3"/>
+          <p:cNvSpPr>
+            <a:spLocks noGrp="1"/>
+          </p:cNvSpPr>
+          <p:nvPr>
+            <p:ph type="title"/>
+          </p:nvPr>
+        </p:nvSpPr>
+        <p:spPr/>
+        <p:txBody>
+          <a:bodyPr/>
+          <a:lstStyle/>
+          <a:p>
+            <a:r>
+              <a:rPr lang="fr-FR" dirty="0" err="1"/>
+              <a:t>BGR</a:t>
+            </a:r>
+            <a:endParaRPr lang="fr-FR" dirty="0"/>
+          </a:p>
+        </p:txBody>
+      </p:sp>
+      <p:sp>
+        <p:nvSpPr>
+          <p:cNvPr id="6" name="Espace réservé pour une image  5"/>
+          <p:cNvSpPr>
+            <a:spLocks noGrp="1"/>
+          </p:cNvSpPr>
+          <p:nvPr>
+            <p:ph type="pic" idx="1"/>
+          </p:nvPr>
+        </p:nvSpPr>
+        <p:spPr/>
+      </p:sp>
+      <p:sp>
+        <p:nvSpPr>
+          <p:cNvPr id="7" name="Espace réservé du texte 6"/>
+          <p:cNvSpPr>
+            <a:spLocks noGrp="1"/>
+          </p:cNvSpPr>
+          <p:nvPr>
+            <p:ph type="body" sz="half" idx="2"/>
+          </p:nvPr>
+        </p:nvSpPr>
+        <p:spPr>
+          <a:xfrm>
+            <a:off x="5800874" y="1885278"/>
+            <a:ext cx="6195656" cy="4972722"/>
+          </a:xfrm>
+        </p:spPr>
+        <p:txBody>
+          <a:bodyPr/>
+          <a:lstStyle/>
+          <a:p>
+            <a:pPr marL="285750" indent="-285750">
+              <a:buFont typeface="Arial" panose="020B0604020202020204" pitchFamily="34" charset="0"/>
+              <a:buChar char="•"/>
+            </a:pPr>
+            <a:r>
+              <a:rPr lang="fr-FR" dirty="0"/>
+              <a:t>Centrale 2021</a:t>
+            </a:r>
+          </a:p>
+          <a:p>
+            <a:pPr marL="285750" indent="-285750">
+              <a:buFont typeface="Arial" panose="020B0604020202020204" pitchFamily="34" charset="0"/>
+              <a:buChar char="•"/>
+            </a:pPr>
+            <a:endParaRPr lang="fr-FR" dirty="0"/>
+          </a:p>
+        </p:txBody>
+      </p:sp>
+    </p:spTree>
+    <p:extLst>
+      <p:ext uri="{BB962C8B-B14F-4D97-AF65-F5344CB8AC3E}">
+        <p14:creationId xmlns:p14="http://schemas.microsoft.com/office/powerpoint/2010/main" val="3813232152"/>
+      </p:ext>
+    </p:extLst>
+  </p:cSld>
+  <p:clrMapOvr>
+    <a:masterClrMapping/>
+  </p:clrMapOvr>
+</p:sld>
+</file>
+
+<file path=ppt/slides/slide40.xml><?xml version="1.0" encoding="utf-8"?>
+<p:sld xmlns:a="http://schemas.openxmlformats.org/drawingml/2006/main" xmlns:r="http://schemas.openxmlformats.org/officeDocument/2006/relationships" xmlns:p="http://schemas.openxmlformats.org/presentationml/2006/main">
+  <p:cSld>
+    <p:spTree>
+      <p:nvGrpSpPr>
+        <p:cNvPr id="1" name=""/>
+        <p:cNvGrpSpPr/>
+        <p:nvPr/>
+      </p:nvGrpSpPr>
+      <p:grpSpPr>
+        <a:xfrm>
+          <a:off x="0" y="0"/>
+          <a:ext cx="0" cy="0"/>
+          <a:chOff x="0" y="0"/>
+          <a:chExt cx="0" cy="0"/>
+        </a:xfrm>
+      </p:grpSpPr>
+      <p:sp>
+        <p:nvSpPr>
+          <p:cNvPr id="2" name="Titre 1">
             <a:extLst>
               <a:ext uri="{FF2B5EF4-FFF2-40B4-BE49-F238E27FC236}">
-                <a16:creationId xmlns:a16="http://schemas.microsoft.com/office/drawing/2014/main" id="{F82268FF-4C93-293D-AD03-BDDB102C2FBC}"/>
+                <a16:creationId xmlns:a16="http://schemas.microsoft.com/office/drawing/2014/main" id="{1F8BF1B8-9FE3-8151-EF68-FA08DF757A35}"/>
               </a:ext>
             </a:extLst>
           </p:cNvPr>
@@ -5202,19 +6749,16 @@
           <a:bodyPr/>
           <a:lstStyle/>
           <a:p>
-            <a:r>
-              <a:rPr lang="fr-FR" dirty="0"/>
-              <a:t>Quelques questions classiques</a:t>
-            </a:r>
-          </a:p>
-        </p:txBody>
-      </p:sp>
-      <p:sp>
-        <p:nvSpPr>
-          <p:cNvPr id="7" name="Espace réservé du contenu 6">
+            <a:endParaRPr lang="fr-FR"/>
+          </a:p>
+        </p:txBody>
+      </p:sp>
+      <p:sp>
+        <p:nvSpPr>
+          <p:cNvPr id="3" name="Espace réservé du contenu 2">
             <a:extLst>
               <a:ext uri="{FF2B5EF4-FFF2-40B4-BE49-F238E27FC236}">
-                <a16:creationId xmlns:a16="http://schemas.microsoft.com/office/drawing/2014/main" id="{6C43C52A-F751-0F1E-BBB5-BCD9BBFBD69D}"/>
+                <a16:creationId xmlns:a16="http://schemas.microsoft.com/office/drawing/2014/main" id="{908ABD4D-AD2B-1282-5AEE-962ABC2F82F2}"/>
               </a:ext>
             </a:extLst>
           </p:cNvPr>
@@ -5230,70 +6774,14 @@
           <a:bodyPr/>
           <a:lstStyle/>
           <a:p>
-            <a:r>
-              <a:rPr lang="fr-FR" dirty="0"/>
-              <a:t>Systèmes</a:t>
-            </a:r>
-          </a:p>
-          <a:p>
-            <a:pPr lvl="1"/>
-            <a:r>
-              <a:rPr lang="fr-FR" dirty="0"/>
-              <a:t>Indiquer quels sont les capteurs présents sur le systèmes réels ? Indiquer les capteurs ajoutés sur le système pédagogique pour faire des mesures annexes ?</a:t>
-            </a:r>
-          </a:p>
-          <a:p>
-            <a:r>
-              <a:rPr lang="fr-FR" dirty="0"/>
-              <a:t>Cinématique</a:t>
-            </a:r>
-          </a:p>
-          <a:p>
-            <a:pPr lvl="1"/>
-            <a:r>
-              <a:rPr lang="fr-FR" dirty="0"/>
-              <a:t>Proposer un modèle de liaison entre pièces.</a:t>
-            </a:r>
-          </a:p>
-          <a:p>
-            <a:r>
-              <a:rPr lang="fr-FR" dirty="0"/>
-              <a:t>Hyperstatisme</a:t>
-            </a:r>
-          </a:p>
-          <a:p>
-            <a:pPr lvl="1"/>
-            <a:r>
-              <a:rPr lang="fr-FR" dirty="0"/>
-              <a:t>Indiquer en quoi il est préférable qu’un mécanisme soit isostatique ? Hyperstatique ?</a:t>
-            </a:r>
-          </a:p>
-          <a:p>
-            <a:r>
-              <a:rPr lang="fr-FR" dirty="0"/>
-              <a:t>Asservissements</a:t>
-            </a:r>
-          </a:p>
-          <a:p>
-            <a:pPr lvl="1"/>
-            <a:r>
-              <a:rPr lang="fr-FR" dirty="0"/>
-              <a:t>Déterminer les performances d’un système.</a:t>
-            </a:r>
-          </a:p>
-          <a:p>
-            <a:pPr lvl="1"/>
-            <a:r>
-              <a:rPr lang="fr-FR" dirty="0"/>
-              <a:t>Donner l’influence d’un correcteur proportionnel ? d’un correcteur intégrale ? d’un correcteur PID ?</a:t>
-            </a:r>
+            <a:endParaRPr lang="fr-FR"/>
           </a:p>
         </p:txBody>
       </p:sp>
     </p:spTree>
     <p:extLst>
       <p:ext uri="{BB962C8B-B14F-4D97-AF65-F5344CB8AC3E}">
-        <p14:creationId xmlns:p14="http://schemas.microsoft.com/office/powerpoint/2010/main" val="2639870661"/>
+        <p14:creationId xmlns:p14="http://schemas.microsoft.com/office/powerpoint/2010/main" val="2448493360"/>
       </p:ext>
     </p:extLst>
   </p:cSld>
@@ -5322,7 +6810,13 @@
       </p:grpSpPr>
       <p:sp>
         <p:nvSpPr>
-          <p:cNvPr id="4" name="Titre 3"/>
+          <p:cNvPr id="5" name="Titre 4">
+            <a:extLst>
+              <a:ext uri="{FF2B5EF4-FFF2-40B4-BE49-F238E27FC236}">
+                <a16:creationId xmlns:a16="http://schemas.microsoft.com/office/drawing/2014/main" id="{32C87908-0B8D-63AB-2D3B-E276DA002F84}"/>
+              </a:ext>
+            </a:extLst>
+          </p:cNvPr>
           <p:cNvSpPr>
             <a:spLocks noGrp="1"/>
           </p:cNvSpPr>
@@ -5336,67 +6830,41 @@
           <a:lstStyle/>
           <a:p>
             <a:r>
-              <a:rPr lang="fr-FR" dirty="0" err="1"/>
-              <a:t>BGR</a:t>
-            </a:r>
-            <a:endParaRPr lang="fr-FR" dirty="0"/>
-          </a:p>
-        </p:txBody>
-      </p:sp>
-      <p:sp>
-        <p:nvSpPr>
-          <p:cNvPr id="6" name="Espace réservé pour une image  5"/>
-          <p:cNvSpPr>
-            <a:spLocks noGrp="1"/>
-          </p:cNvSpPr>
-          <p:nvPr>
-            <p:ph type="pic" idx="1"/>
-          </p:nvPr>
-        </p:nvSpPr>
-        <p:spPr/>
-      </p:sp>
-      <p:sp>
-        <p:nvSpPr>
-          <p:cNvPr id="7" name="Espace réservé du texte 6"/>
-          <p:cNvSpPr>
-            <a:spLocks noGrp="1"/>
-          </p:cNvSpPr>
-          <p:nvPr>
-            <p:ph type="body" sz="half" idx="2"/>
-          </p:nvPr>
-        </p:nvSpPr>
-        <p:spPr>
-          <a:xfrm>
-            <a:off x="5800874" y="1885278"/>
-            <a:ext cx="6195656" cy="4972722"/>
-          </a:xfrm>
-        </p:spPr>
-        <p:txBody>
-          <a:bodyPr/>
-          <a:lstStyle/>
-          <a:p>
-            <a:pPr marL="285750" indent="-285750">
-              <a:buFont typeface="Arial" panose="020B0604020202020204" pitchFamily="34" charset="0"/>
-              <a:buChar char="•"/>
-            </a:pPr>
-            <a:r>
-              <a:rPr lang="fr-FR" dirty="0"/>
-              <a:t>Centrale 2021</a:t>
-            </a:r>
-          </a:p>
-          <a:p>
-            <a:pPr marL="285750" indent="-285750">
-              <a:buFont typeface="Arial" panose="020B0604020202020204" pitchFamily="34" charset="0"/>
-              <a:buChar char="•"/>
-            </a:pPr>
-            <a:endParaRPr lang="fr-FR" dirty="0"/>
+              <a:rPr lang="fr-FR" dirty="0"/>
+              <a:t>Chaine fonctionnelle</a:t>
+            </a:r>
+          </a:p>
+        </p:txBody>
+      </p:sp>
+      <p:sp>
+        <p:nvSpPr>
+          <p:cNvPr id="6" name="Espace réservé du contenu 5">
+            <a:extLst>
+              <a:ext uri="{FF2B5EF4-FFF2-40B4-BE49-F238E27FC236}">
+                <a16:creationId xmlns:a16="http://schemas.microsoft.com/office/drawing/2014/main" id="{BB7E0468-ABBC-488B-4C5A-D9A1AABBE3CD}"/>
+              </a:ext>
+            </a:extLst>
+          </p:cNvPr>
+          <p:cNvSpPr>
+            <a:spLocks noGrp="1"/>
+          </p:cNvSpPr>
+          <p:nvPr>
+            <p:ph idx="1"/>
+          </p:nvPr>
+        </p:nvSpPr>
+        <p:spPr/>
+        <p:txBody>
+          <a:bodyPr/>
+          <a:lstStyle/>
+          <a:p>
+            <a:endParaRPr lang="fr-FR"/>
           </a:p>
         </p:txBody>
       </p:sp>
     </p:spTree>
     <p:extLst>
       <p:ext uri="{BB962C8B-B14F-4D97-AF65-F5344CB8AC3E}">
-        <p14:creationId xmlns:p14="http://schemas.microsoft.com/office/powerpoint/2010/main" val="3813232152"/>
+        <p14:creationId xmlns:p14="http://schemas.microsoft.com/office/powerpoint/2010/main" val="578552182"/>
       </p:ext>
     </p:extLst>
   </p:cSld>
@@ -5534,7 +7002,13 @@
       </p:grpSpPr>
       <p:sp>
         <p:nvSpPr>
-          <p:cNvPr id="4" name="Titre 3"/>
+          <p:cNvPr id="5" name="Titre 4">
+            <a:extLst>
+              <a:ext uri="{FF2B5EF4-FFF2-40B4-BE49-F238E27FC236}">
+                <a16:creationId xmlns:a16="http://schemas.microsoft.com/office/drawing/2014/main" id="{32C87908-0B8D-63AB-2D3B-E276DA002F84}"/>
+              </a:ext>
+            </a:extLst>
+          </p:cNvPr>
           <p:cNvSpPr>
             <a:spLocks noGrp="1"/>
           </p:cNvSpPr>
@@ -5549,65 +7023,40 @@
           <a:p>
             <a:r>
               <a:rPr lang="fr-FR" dirty="0"/>
-              <a:t>Compacteur solaire communicant</a:t>
-            </a:r>
-          </a:p>
-        </p:txBody>
-      </p:sp>
-      <p:sp>
-        <p:nvSpPr>
-          <p:cNvPr id="6" name="Espace réservé pour une image  5"/>
-          <p:cNvSpPr>
-            <a:spLocks noGrp="1"/>
-          </p:cNvSpPr>
-          <p:nvPr>
-            <p:ph type="pic" idx="1"/>
-          </p:nvPr>
-        </p:nvSpPr>
-        <p:spPr/>
-      </p:sp>
-      <p:sp>
-        <p:nvSpPr>
-          <p:cNvPr id="7" name="Espace réservé du texte 6"/>
-          <p:cNvSpPr>
-            <a:spLocks noGrp="1"/>
-          </p:cNvSpPr>
-          <p:nvPr>
-            <p:ph type="body" sz="half" idx="2"/>
-          </p:nvPr>
-        </p:nvSpPr>
-        <p:spPr>
-          <a:xfrm>
-            <a:off x="5800874" y="1885278"/>
-            <a:ext cx="6195656" cy="4972722"/>
-          </a:xfrm>
-        </p:spPr>
-        <p:txBody>
-          <a:bodyPr/>
-          <a:lstStyle/>
-          <a:p>
-            <a:pPr marL="285750" indent="-285750">
-              <a:buFont typeface="Arial" panose="020B0604020202020204" pitchFamily="34" charset="0"/>
-              <a:buChar char="•"/>
-            </a:pPr>
-            <a:r>
-              <a:rPr lang="fr-FR" dirty="0"/>
-              <a:t>Centrale 2021</a:t>
-            </a:r>
-          </a:p>
-          <a:p>
-            <a:pPr marL="285750" indent="-285750">
-              <a:buFont typeface="Arial" panose="020B0604020202020204" pitchFamily="34" charset="0"/>
-              <a:buChar char="•"/>
-            </a:pPr>
-            <a:endParaRPr lang="fr-FR" dirty="0"/>
+              <a:t>Chaine fonctionnelle</a:t>
+            </a:r>
+          </a:p>
+        </p:txBody>
+      </p:sp>
+      <p:sp>
+        <p:nvSpPr>
+          <p:cNvPr id="6" name="Espace réservé du contenu 5">
+            <a:extLst>
+              <a:ext uri="{FF2B5EF4-FFF2-40B4-BE49-F238E27FC236}">
+                <a16:creationId xmlns:a16="http://schemas.microsoft.com/office/drawing/2014/main" id="{BB7E0468-ABBC-488B-4C5A-D9A1AABBE3CD}"/>
+              </a:ext>
+            </a:extLst>
+          </p:cNvPr>
+          <p:cNvSpPr>
+            <a:spLocks noGrp="1"/>
+          </p:cNvSpPr>
+          <p:nvPr>
+            <p:ph idx="1"/>
+          </p:nvPr>
+        </p:nvSpPr>
+        <p:spPr/>
+        <p:txBody>
+          <a:bodyPr/>
+          <a:lstStyle/>
+          <a:p>
+            <a:endParaRPr lang="fr-FR"/>
           </a:p>
         </p:txBody>
       </p:sp>
     </p:spTree>
     <p:extLst>
       <p:ext uri="{BB962C8B-B14F-4D97-AF65-F5344CB8AC3E}">
-        <p14:creationId xmlns:p14="http://schemas.microsoft.com/office/powerpoint/2010/main" val="2481774030"/>
+        <p14:creationId xmlns:p14="http://schemas.microsoft.com/office/powerpoint/2010/main" val="3386369381"/>
       </p:ext>
     </p:extLst>
   </p:cSld>
@@ -5651,14 +7100,7 @@
           <a:p>
             <a:r>
               <a:rPr lang="fr-FR" dirty="0"/>
-              <a:t>Drone Didactique</a:t>
-            </a:r>
-            <a:br>
-              <a:rPr lang="fr-FR" dirty="0"/>
-            </a:br>
-            <a:r>
-              <a:rPr lang="fr-FR" dirty="0"/>
-              <a:t>D2C ?</a:t>
+              <a:t>Compacteur solaire communicant</a:t>
             </a:r>
           </a:p>
         </p:txBody>
@@ -5716,7 +7158,7 @@
     </p:spTree>
     <p:extLst>
       <p:ext uri="{BB962C8B-B14F-4D97-AF65-F5344CB8AC3E}">
-        <p14:creationId xmlns:p14="http://schemas.microsoft.com/office/powerpoint/2010/main" val="3490313984"/>
+        <p14:creationId xmlns:p14="http://schemas.microsoft.com/office/powerpoint/2010/main" val="2481774030"/>
       </p:ext>
     </p:extLst>
   </p:cSld>
@@ -5745,7 +7187,13 @@
       </p:grpSpPr>
       <p:sp>
         <p:nvSpPr>
-          <p:cNvPr id="4" name="Titre 3"/>
+          <p:cNvPr id="5" name="Titre 4">
+            <a:extLst>
+              <a:ext uri="{FF2B5EF4-FFF2-40B4-BE49-F238E27FC236}">
+                <a16:creationId xmlns:a16="http://schemas.microsoft.com/office/drawing/2014/main" id="{32C87908-0B8D-63AB-2D3B-E276DA002F84}"/>
+              </a:ext>
+            </a:extLst>
+          </p:cNvPr>
           <p:cNvSpPr>
             <a:spLocks noGrp="1"/>
           </p:cNvSpPr>
@@ -5760,69 +7208,40 @@
           <a:p>
             <a:r>
               <a:rPr lang="fr-FR" dirty="0"/>
-              <a:t>Hoverboard ?</a:t>
-            </a:r>
-            <a:br>
-              <a:rPr lang="fr-FR" dirty="0"/>
-            </a:br>
-            <a:endParaRPr lang="fr-FR" dirty="0"/>
-          </a:p>
-        </p:txBody>
-      </p:sp>
-      <p:sp>
-        <p:nvSpPr>
-          <p:cNvPr id="6" name="Espace réservé pour une image  5"/>
-          <p:cNvSpPr>
-            <a:spLocks noGrp="1"/>
-          </p:cNvSpPr>
-          <p:nvPr>
-            <p:ph type="pic" idx="1"/>
-          </p:nvPr>
-        </p:nvSpPr>
-        <p:spPr/>
-      </p:sp>
-      <p:sp>
-        <p:nvSpPr>
-          <p:cNvPr id="7" name="Espace réservé du texte 6"/>
-          <p:cNvSpPr>
-            <a:spLocks noGrp="1"/>
-          </p:cNvSpPr>
-          <p:nvPr>
-            <p:ph type="body" sz="half" idx="2"/>
-          </p:nvPr>
-        </p:nvSpPr>
-        <p:spPr>
-          <a:xfrm>
-            <a:off x="5800874" y="1885278"/>
-            <a:ext cx="6195656" cy="4972722"/>
-          </a:xfrm>
-        </p:spPr>
-        <p:txBody>
-          <a:bodyPr/>
-          <a:lstStyle/>
-          <a:p>
-            <a:pPr marL="285750" indent="-285750">
-              <a:buFont typeface="Arial" panose="020B0604020202020204" pitchFamily="34" charset="0"/>
-              <a:buChar char="•"/>
-            </a:pPr>
-            <a:r>
-              <a:rPr lang="fr-FR" dirty="0"/>
-              <a:t>Centrale 2021</a:t>
-            </a:r>
-          </a:p>
-          <a:p>
-            <a:pPr marL="285750" indent="-285750">
-              <a:buFont typeface="Arial" panose="020B0604020202020204" pitchFamily="34" charset="0"/>
-              <a:buChar char="•"/>
-            </a:pPr>
-            <a:endParaRPr lang="fr-FR" dirty="0"/>
+              <a:t>Chaine fonctionnelle</a:t>
+            </a:r>
+          </a:p>
+        </p:txBody>
+      </p:sp>
+      <p:sp>
+        <p:nvSpPr>
+          <p:cNvPr id="6" name="Espace réservé du contenu 5">
+            <a:extLst>
+              <a:ext uri="{FF2B5EF4-FFF2-40B4-BE49-F238E27FC236}">
+                <a16:creationId xmlns:a16="http://schemas.microsoft.com/office/drawing/2014/main" id="{BB7E0468-ABBC-488B-4C5A-D9A1AABBE3CD}"/>
+              </a:ext>
+            </a:extLst>
+          </p:cNvPr>
+          <p:cNvSpPr>
+            <a:spLocks noGrp="1"/>
+          </p:cNvSpPr>
+          <p:nvPr>
+            <p:ph idx="1"/>
+          </p:nvPr>
+        </p:nvSpPr>
+        <p:spPr/>
+        <p:txBody>
+          <a:bodyPr/>
+          <a:lstStyle/>
+          <a:p>
+            <a:endParaRPr lang="fr-FR"/>
           </a:p>
         </p:txBody>
       </p:sp>
     </p:spTree>
     <p:extLst>
       <p:ext uri="{BB962C8B-B14F-4D97-AF65-F5344CB8AC3E}">
-        <p14:creationId xmlns:p14="http://schemas.microsoft.com/office/powerpoint/2010/main" val="452833039"/>
+        <p14:creationId xmlns:p14="http://schemas.microsoft.com/office/powerpoint/2010/main" val="421920674"/>
       </p:ext>
     </p:extLst>
   </p:cSld>

--- a/B_Fiches_Protocoles/FichesSystemes.pptx
+++ b/B_Fiches_Protocoles/FichesSystemes.pptx
@@ -291,7 +291,7 @@
           <a:p>
             <a:fld id="{1A3D9B3B-1EC8-4BC4-B783-7630517B3190}" type="datetimeFigureOut">
               <a:rPr lang="fr-FR" smtClean="0"/>
-              <a:t>14/06/2022</a:t>
+              <a:t>15/06/2022</a:t>
             </a:fld>
             <a:endParaRPr lang="fr-FR"/>
           </a:p>
@@ -700,7 +700,7 @@
           <a:p>
             <a:fld id="{1A3D9B3B-1EC8-4BC4-B783-7630517B3190}" type="datetimeFigureOut">
               <a:rPr lang="fr-FR" smtClean="0"/>
-              <a:t>14/06/2022</a:t>
+              <a:t>15/06/2022</a:t>
             </a:fld>
             <a:endParaRPr lang="fr-FR"/>
           </a:p>
@@ -886,7 +886,7 @@
           <a:p>
             <a:fld id="{1A3D9B3B-1EC8-4BC4-B783-7630517B3190}" type="datetimeFigureOut">
               <a:rPr lang="fr-FR" smtClean="0"/>
-              <a:t>14/06/2022</a:t>
+              <a:t>15/06/2022</a:t>
             </a:fld>
             <a:endParaRPr lang="fr-FR"/>
           </a:p>
@@ -1062,7 +1062,7 @@
           <a:p>
             <a:fld id="{1A3D9B3B-1EC8-4BC4-B783-7630517B3190}" type="datetimeFigureOut">
               <a:rPr lang="fr-FR" smtClean="0"/>
-              <a:t>14/06/2022</a:t>
+              <a:t>15/06/2022</a:t>
             </a:fld>
             <a:endParaRPr lang="fr-FR"/>
           </a:p>
@@ -1361,7 +1361,7 @@
           <a:p>
             <a:fld id="{1A3D9B3B-1EC8-4BC4-B783-7630517B3190}" type="datetimeFigureOut">
               <a:rPr lang="fr-FR" smtClean="0"/>
-              <a:t>14/06/2022</a:t>
+              <a:t>15/06/2022</a:t>
             </a:fld>
             <a:endParaRPr lang="fr-FR"/>
           </a:p>
@@ -1598,7 +1598,7 @@
           <a:p>
             <a:fld id="{1A3D9B3B-1EC8-4BC4-B783-7630517B3190}" type="datetimeFigureOut">
               <a:rPr lang="fr-FR" smtClean="0"/>
-              <a:t>14/06/2022</a:t>
+              <a:t>15/06/2022</a:t>
             </a:fld>
             <a:endParaRPr lang="fr-FR"/>
           </a:p>
@@ -2016,7 +2016,7 @@
           <a:p>
             <a:fld id="{1A3D9B3B-1EC8-4BC4-B783-7630517B3190}" type="datetimeFigureOut">
               <a:rPr lang="fr-FR" smtClean="0"/>
-              <a:t>14/06/2022</a:t>
+              <a:t>15/06/2022</a:t>
             </a:fld>
             <a:endParaRPr lang="fr-FR"/>
           </a:p>
@@ -2141,7 +2141,7 @@
           <a:p>
             <a:fld id="{1A3D9B3B-1EC8-4BC4-B783-7630517B3190}" type="datetimeFigureOut">
               <a:rPr lang="fr-FR" smtClean="0"/>
-              <a:t>14/06/2022</a:t>
+              <a:t>15/06/2022</a:t>
             </a:fld>
             <a:endParaRPr lang="fr-FR"/>
           </a:p>
@@ -2290,7 +2290,7 @@
           <a:p>
             <a:fld id="{1A3D9B3B-1EC8-4BC4-B783-7630517B3190}" type="datetimeFigureOut">
               <a:rPr lang="fr-FR" smtClean="0"/>
-              <a:t>14/06/2022</a:t>
+              <a:t>15/06/2022</a:t>
             </a:fld>
             <a:endParaRPr lang="fr-FR"/>
           </a:p>
@@ -2573,7 +2573,7 @@
           <a:p>
             <a:fld id="{1A3D9B3B-1EC8-4BC4-B783-7630517B3190}" type="datetimeFigureOut">
               <a:rPr lang="fr-FR" smtClean="0"/>
-              <a:t>14/06/2022</a:t>
+              <a:t>15/06/2022</a:t>
             </a:fld>
             <a:endParaRPr lang="fr-FR"/>
           </a:p>
@@ -2833,7 +2833,7 @@
           <a:p>
             <a:fld id="{1A3D9B3B-1EC8-4BC4-B783-7630517B3190}" type="datetimeFigureOut">
               <a:rPr lang="fr-FR" smtClean="0"/>
-              <a:t>14/06/2022</a:t>
+              <a:t>15/06/2022</a:t>
             </a:fld>
             <a:endParaRPr lang="fr-FR"/>
           </a:p>
@@ -3053,7 +3053,7 @@
             <a:fld id="{1A3D9B3B-1EC8-4BC4-B783-7630517B3190}" type="datetimeFigureOut">
               <a:rPr lang="fr-FR" smtClean="0"/>
               <a:pPr/>
-              <a:t>14/06/2022</a:t>
+              <a:t>15/06/2022</a:t>
             </a:fld>
             <a:endParaRPr lang="fr-FR"/>
           </a:p>
@@ -13136,7 +13136,7 @@
         <p:spPr/>
         <p:txBody>
           <a:bodyPr>
-            <a:normAutofit/>
+            <a:normAutofit lnSpcReduction="10000"/>
           </a:bodyPr>
           <a:lstStyle/>
           <a:p>
@@ -13145,7 +13145,7 @@
           <a:p>
             <a:r>
               <a:rPr lang="fr-FR" dirty="0"/>
-              <a:t>Avantage modèle isostatique :</a:t>
+              <a:t>Avantages modèle isostatique</a:t>
             </a:r>
           </a:p>
           <a:p>
@@ -13169,7 +13169,7 @@
           <a:p>
             <a:r>
               <a:rPr lang="fr-FR" dirty="0"/>
-              <a:t>Avantage modèle hyperstatique : </a:t>
+              <a:t>Avantages modèle hyperstatique : </a:t>
             </a:r>
           </a:p>
           <a:p>
@@ -13187,6 +13187,35 @@
             </a:r>
           </a:p>
           <a:p>
+            <a:endParaRPr lang="fr-FR" dirty="0"/>
+          </a:p>
+          <a:p>
+            <a:r>
+              <a:rPr lang="fr-FR" dirty="0"/>
+              <a:t>Après avoir proposé un schéma cinématique :</a:t>
+            </a:r>
+          </a:p>
+          <a:p>
+            <a:pPr lvl="1"/>
+            <a:r>
+              <a:rPr lang="fr-FR" dirty="0"/>
+              <a:t>Savoir calculer le degré d’hyperstatisme</a:t>
+            </a:r>
+          </a:p>
+          <a:p>
+            <a:pPr lvl="1"/>
+            <a:r>
+              <a:rPr lang="fr-FR"/>
+              <a:t>Savoir </a:t>
+            </a:r>
+            <a:r>
+              <a:rPr lang="fr-FR" dirty="0"/>
+              <a:t>modifier le modèle pour le </a:t>
+            </a:r>
+            <a:r>
+              <a:rPr lang="fr-FR"/>
+              <a:t>rendre isostatique</a:t>
+            </a:r>
             <a:endParaRPr lang="fr-FR" dirty="0"/>
           </a:p>
         </p:txBody>
